--- a/Java-Starter.pptx
+++ b/Java-Starter.pptx
@@ -5,7 +5,7 @@
     <p:sldMasterId id="2147483648" r:id="rId1"/>
   </p:sldMasterIdLst>
   <p:notesMasterIdLst>
-    <p:notesMasterId r:id="rId76"/>
+    <p:notesMasterId r:id="rId55"/>
   </p:notesMasterIdLst>
   <p:sldIdLst>
     <p:sldId id="256" r:id="rId2"/>
@@ -45,43 +45,22 @@
     <p:sldId id="303" r:id="rId36"/>
     <p:sldId id="301" r:id="rId37"/>
     <p:sldId id="299" r:id="rId38"/>
-    <p:sldId id="300" r:id="rId39"/>
-    <p:sldId id="312" r:id="rId40"/>
-    <p:sldId id="313" r:id="rId41"/>
-    <p:sldId id="314" r:id="rId42"/>
-    <p:sldId id="297" r:id="rId43"/>
-    <p:sldId id="264" r:id="rId44"/>
-    <p:sldId id="329" r:id="rId45"/>
-    <p:sldId id="322" r:id="rId46"/>
-    <p:sldId id="293" r:id="rId47"/>
-    <p:sldId id="325" r:id="rId48"/>
-    <p:sldId id="326" r:id="rId49"/>
-    <p:sldId id="327" r:id="rId50"/>
-    <p:sldId id="328" r:id="rId51"/>
-    <p:sldId id="323" r:id="rId52"/>
-    <p:sldId id="321" r:id="rId53"/>
-    <p:sldId id="265" r:id="rId54"/>
-    <p:sldId id="338" r:id="rId55"/>
-    <p:sldId id="316" r:id="rId56"/>
-    <p:sldId id="317" r:id="rId57"/>
-    <p:sldId id="318" r:id="rId58"/>
-    <p:sldId id="319" r:id="rId59"/>
-    <p:sldId id="320" r:id="rId60"/>
-    <p:sldId id="267" r:id="rId61"/>
-    <p:sldId id="266" r:id="rId62"/>
-    <p:sldId id="304" r:id="rId63"/>
-    <p:sldId id="324" r:id="rId64"/>
-    <p:sldId id="305" r:id="rId65"/>
-    <p:sldId id="306" r:id="rId66"/>
-    <p:sldId id="331" r:id="rId67"/>
-    <p:sldId id="332" r:id="rId68"/>
-    <p:sldId id="333" r:id="rId69"/>
-    <p:sldId id="334" r:id="rId70"/>
-    <p:sldId id="335" r:id="rId71"/>
-    <p:sldId id="336" r:id="rId72"/>
-    <p:sldId id="337" r:id="rId73"/>
-    <p:sldId id="330" r:id="rId74"/>
-    <p:sldId id="315" r:id="rId75"/>
+    <p:sldId id="297" r:id="rId39"/>
+    <p:sldId id="321" r:id="rId40"/>
+    <p:sldId id="265" r:id="rId41"/>
+    <p:sldId id="266" r:id="rId42"/>
+    <p:sldId id="338" r:id="rId43"/>
+    <p:sldId id="316" r:id="rId44"/>
+    <p:sldId id="317" r:id="rId45"/>
+    <p:sldId id="318" r:id="rId46"/>
+    <p:sldId id="319" r:id="rId47"/>
+    <p:sldId id="320" r:id="rId48"/>
+    <p:sldId id="267" r:id="rId49"/>
+    <p:sldId id="304" r:id="rId50"/>
+    <p:sldId id="324" r:id="rId51"/>
+    <p:sldId id="305" r:id="rId52"/>
+    <p:sldId id="306" r:id="rId53"/>
+    <p:sldId id="315" r:id="rId54"/>
   </p:sldIdLst>
   <p:sldSz cx="12192000" cy="6858000"/>
   <p:notesSz cx="6858000" cy="9144000"/>
@@ -270,7 +249,7 @@
           <a:p>
             <a:fld id="{64D387BD-2FDA-4640-824D-9ADFD7023C00}" type="datetimeFigureOut">
               <a:rPr lang="de-DE" smtClean="0"/>
-              <a:t>16.05.22</a:t>
+              <a:t>06.01.25</a:t>
             </a:fld>
             <a:endParaRPr lang="de-DE"/>
           </a:p>
@@ -768,7 +747,7 @@
           <a:p>
             <a:fld id="{D504FEAC-1E62-0E47-82AE-5BB4BD139FFA}" type="datetimeFigureOut">
               <a:rPr lang="de-DE" smtClean="0"/>
-              <a:t>16.05.22</a:t>
+              <a:t>06.01.25</a:t>
             </a:fld>
             <a:endParaRPr lang="de-DE"/>
           </a:p>
@@ -966,7 +945,7 @@
           <a:p>
             <a:fld id="{D504FEAC-1E62-0E47-82AE-5BB4BD139FFA}" type="datetimeFigureOut">
               <a:rPr lang="de-DE" smtClean="0"/>
-              <a:t>16.05.22</a:t>
+              <a:t>06.01.25</a:t>
             </a:fld>
             <a:endParaRPr lang="de-DE"/>
           </a:p>
@@ -1174,7 +1153,7 @@
           <a:p>
             <a:fld id="{D504FEAC-1E62-0E47-82AE-5BB4BD139FFA}" type="datetimeFigureOut">
               <a:rPr lang="de-DE" smtClean="0"/>
-              <a:t>16.05.22</a:t>
+              <a:t>06.01.25</a:t>
             </a:fld>
             <a:endParaRPr lang="de-DE"/>
           </a:p>
@@ -1372,7 +1351,7 @@
           <a:p>
             <a:fld id="{D504FEAC-1E62-0E47-82AE-5BB4BD139FFA}" type="datetimeFigureOut">
               <a:rPr lang="de-DE" smtClean="0"/>
-              <a:t>16.05.22</a:t>
+              <a:t>06.01.25</a:t>
             </a:fld>
             <a:endParaRPr lang="de-DE"/>
           </a:p>
@@ -1647,7 +1626,7 @@
           <a:p>
             <a:fld id="{D504FEAC-1E62-0E47-82AE-5BB4BD139FFA}" type="datetimeFigureOut">
               <a:rPr lang="de-DE" smtClean="0"/>
-              <a:t>16.05.22</a:t>
+              <a:t>06.01.25</a:t>
             </a:fld>
             <a:endParaRPr lang="de-DE"/>
           </a:p>
@@ -1912,7 +1891,7 @@
           <a:p>
             <a:fld id="{D504FEAC-1E62-0E47-82AE-5BB4BD139FFA}" type="datetimeFigureOut">
               <a:rPr lang="de-DE" smtClean="0"/>
-              <a:t>16.05.22</a:t>
+              <a:t>06.01.25</a:t>
             </a:fld>
             <a:endParaRPr lang="de-DE"/>
           </a:p>
@@ -2324,7 +2303,7 @@
           <a:p>
             <a:fld id="{D504FEAC-1E62-0E47-82AE-5BB4BD139FFA}" type="datetimeFigureOut">
               <a:rPr lang="de-DE" smtClean="0"/>
-              <a:t>16.05.22</a:t>
+              <a:t>06.01.25</a:t>
             </a:fld>
             <a:endParaRPr lang="de-DE"/>
           </a:p>
@@ -2465,7 +2444,7 @@
           <a:p>
             <a:fld id="{D504FEAC-1E62-0E47-82AE-5BB4BD139FFA}" type="datetimeFigureOut">
               <a:rPr lang="de-DE" smtClean="0"/>
-              <a:t>16.05.22</a:t>
+              <a:t>06.01.25</a:t>
             </a:fld>
             <a:endParaRPr lang="de-DE"/>
           </a:p>
@@ -2578,7 +2557,7 @@
           <a:p>
             <a:fld id="{D504FEAC-1E62-0E47-82AE-5BB4BD139FFA}" type="datetimeFigureOut">
               <a:rPr lang="de-DE" smtClean="0"/>
-              <a:t>16.05.22</a:t>
+              <a:t>06.01.25</a:t>
             </a:fld>
             <a:endParaRPr lang="de-DE"/>
           </a:p>
@@ -2889,7 +2868,7 @@
           <a:p>
             <a:fld id="{D504FEAC-1E62-0E47-82AE-5BB4BD139FFA}" type="datetimeFigureOut">
               <a:rPr lang="de-DE" smtClean="0"/>
-              <a:t>16.05.22</a:t>
+              <a:t>06.01.25</a:t>
             </a:fld>
             <a:endParaRPr lang="de-DE"/>
           </a:p>
@@ -3177,7 +3156,7 @@
           <a:p>
             <a:fld id="{D504FEAC-1E62-0E47-82AE-5BB4BD139FFA}" type="datetimeFigureOut">
               <a:rPr lang="de-DE" smtClean="0"/>
-              <a:t>16.05.22</a:t>
+              <a:t>06.01.25</a:t>
             </a:fld>
             <a:endParaRPr lang="de-DE"/>
           </a:p>
@@ -3418,7 +3397,7 @@
           <a:p>
             <a:fld id="{D504FEAC-1E62-0E47-82AE-5BB4BD139FFA}" type="datetimeFigureOut">
               <a:rPr lang="de-DE" smtClean="0"/>
-              <a:t>16.05.22</a:t>
+              <a:t>06.01.25</a:t>
             </a:fld>
             <a:endParaRPr lang="de-DE"/>
           </a:p>
@@ -11389,15 +11368,7 @@
             </a:r>
             <a:r>
               <a:rPr lang="de-DE" dirty="0"/>
-              <a:t> 60 / </a:t>
-            </a:r>
-            <a:r>
-              <a:rPr lang="de-DE" dirty="0" err="1"/>
-              <a:t>calculator</a:t>
-            </a:r>
-            <a:r>
-              <a:rPr lang="de-DE" dirty="0"/>
-              <a:t> 61</a:t>
+              <a:t> 65</a:t>
             </a:r>
           </a:p>
         </p:txBody>
@@ -11425,129 +11396,69 @@
           <a:p>
             <a:r>
               <a:rPr lang="de-DE" dirty="0"/>
-              <a:t>Thema: Implementierung eines REST-Endpunktes mit Spring Boot</a:t>
+              <a:t>Thema: REST-Endpunkt mit Pfad-Variable</a:t>
             </a:r>
           </a:p>
           <a:p>
             <a:pPr lvl="1"/>
             <a:r>
+              <a:rPr lang="de-DE" dirty="0"/>
+              <a:t>Query-Parameter (HTML-Form)</a:t>
+            </a:r>
+          </a:p>
+          <a:p>
+            <a:pPr lvl="2"/>
+            <a:r>
               <a:rPr lang="de-DE" dirty="0">
-                <a:cs typeface="Courier New" panose="02070309020205020404" pitchFamily="49" charset="0"/>
-              </a:rPr>
-              <a:t>Spring</a:t>
-            </a:r>
+                <a:hlinkClick r:id="rId2"/>
+              </a:rPr>
+              <a:t>http://localhost:8080/api/hello?name=Georg</a:t>
+            </a:r>
+            <a:endParaRPr lang="de-DE" dirty="0"/>
           </a:p>
           <a:p>
             <a:pPr lvl="2"/>
             <a:r>
               <a:rPr lang="de-DE" dirty="0">
-                <a:cs typeface="Courier New" panose="02070309020205020404" pitchFamily="49" charset="0"/>
-              </a:rPr>
-              <a:t>Java-Framework zur Implementierung von Enterprise </a:t>
-            </a:r>
-            <a:r>
-              <a:rPr lang="de-DE" dirty="0" err="1">
-                <a:cs typeface="Courier New" panose="02070309020205020404" pitchFamily="49" charset="0"/>
-              </a:rPr>
-              <a:t>Applications</a:t>
-            </a:r>
-            <a:endParaRPr lang="de-DE" dirty="0">
-              <a:cs typeface="Courier New" panose="02070309020205020404" pitchFamily="49" charset="0"/>
-            </a:endParaRPr>
+                <a:hlinkClick r:id="rId3"/>
+              </a:rPr>
+              <a:t>http://localhost:8080/api/person?id=1</a:t>
+            </a:r>
+            <a:endParaRPr lang="de-DE" dirty="0"/>
+          </a:p>
+          <a:p>
+            <a:pPr lvl="1"/>
+            <a:r>
+              <a:rPr lang="de-DE" dirty="0"/>
+              <a:t>Pfad-Variable</a:t>
+            </a:r>
           </a:p>
           <a:p>
             <a:pPr lvl="2"/>
             <a:r>
               <a:rPr lang="de-DE" dirty="0">
-                <a:cs typeface="Courier New" panose="02070309020205020404" pitchFamily="49" charset="0"/>
-              </a:rPr>
-              <a:t>Kern (Spring </a:t>
-            </a:r>
-            <a:r>
-              <a:rPr lang="de-DE" dirty="0" err="1">
-                <a:cs typeface="Courier New" panose="02070309020205020404" pitchFamily="49" charset="0"/>
-              </a:rPr>
-              <a:t>core</a:t>
-            </a:r>
+                <a:hlinkClick r:id="rId4"/>
+              </a:rPr>
+              <a:t>http://localhost:8080/api/hello/Georg</a:t>
+            </a:r>
+            <a:endParaRPr lang="de-DE" dirty="0"/>
+          </a:p>
+          <a:p>
+            <a:pPr lvl="2"/>
             <a:r>
               <a:rPr lang="de-DE" dirty="0">
-                <a:cs typeface="Courier New" panose="02070309020205020404" pitchFamily="49" charset="0"/>
-              </a:rPr>
-              <a:t>): Framework für </a:t>
-            </a:r>
-            <a:r>
-              <a:rPr lang="de-DE" dirty="0" err="1">
-                <a:cs typeface="Courier New" panose="02070309020205020404" pitchFamily="49" charset="0"/>
-              </a:rPr>
-              <a:t>Dependency</a:t>
-            </a:r>
-            <a:r>
-              <a:rPr lang="de-DE" dirty="0">
-                <a:cs typeface="Courier New" panose="02070309020205020404" pitchFamily="49" charset="0"/>
-              </a:rPr>
-              <a:t> </a:t>
-            </a:r>
-            <a:r>
-              <a:rPr lang="de-DE" dirty="0" err="1">
-                <a:cs typeface="Courier New" panose="02070309020205020404" pitchFamily="49" charset="0"/>
-              </a:rPr>
-              <a:t>Injection</a:t>
-            </a:r>
-            <a:endParaRPr lang="de-DE" dirty="0">
-              <a:cs typeface="Courier New" panose="02070309020205020404" pitchFamily="49" charset="0"/>
-            </a:endParaRPr>
-          </a:p>
-          <a:p>
-            <a:pPr lvl="2"/>
-            <a:r>
-              <a:rPr lang="de-DE" dirty="0">
-                <a:cs typeface="Courier New" panose="02070309020205020404" pitchFamily="49" charset="0"/>
-              </a:rPr>
-              <a:t>Sehr umfangreich</a:t>
-            </a:r>
-          </a:p>
-          <a:p>
-            <a:pPr lvl="1"/>
-            <a:r>
-              <a:rPr lang="de-DE" dirty="0">
-                <a:cs typeface="Courier New" panose="02070309020205020404" pitchFamily="49" charset="0"/>
-              </a:rPr>
-              <a:t>Spring Boot</a:t>
-            </a:r>
-          </a:p>
-          <a:p>
-            <a:pPr lvl="2"/>
-            <a:r>
-              <a:rPr lang="de-DE" dirty="0">
-                <a:cs typeface="Courier New" panose="02070309020205020404" pitchFamily="49" charset="0"/>
-              </a:rPr>
-              <a:t>Vereinfachte Konfiguration von Spring-Anwendungen (vordefinierte Starter)</a:t>
-            </a:r>
-          </a:p>
-          <a:p>
-            <a:pPr lvl="2"/>
-            <a:r>
-              <a:rPr lang="de-DE" dirty="0">
-                <a:cs typeface="Courier New" panose="02070309020205020404" pitchFamily="49" charset="0"/>
-              </a:rPr>
-              <a:t>Sehr beliebt zur Implementierung von </a:t>
-            </a:r>
-            <a:r>
-              <a:rPr lang="de-DE" dirty="0" err="1">
-                <a:cs typeface="Courier New" panose="02070309020205020404" pitchFamily="49" charset="0"/>
-              </a:rPr>
-              <a:t>Microservices</a:t>
-            </a:r>
-            <a:endParaRPr lang="de-DE" dirty="0">
-              <a:cs typeface="Courier New" panose="02070309020205020404" pitchFamily="49" charset="0"/>
-            </a:endParaRPr>
+                <a:hlinkClick r:id="rId5"/>
+              </a:rPr>
+              <a:t>http://localhost:8080/api/person/1</a:t>
+            </a:r>
+            <a:endParaRPr lang="de-DE" dirty="0"/>
           </a:p>
         </p:txBody>
       </p:sp>
     </p:spTree>
     <p:extLst>
       <p:ext uri="{BB962C8B-B14F-4D97-AF65-F5344CB8AC3E}">
-        <p14:creationId xmlns:p14="http://schemas.microsoft.com/office/powerpoint/2010/main" val="192711415"/>
+        <p14:creationId xmlns:p14="http://schemas.microsoft.com/office/powerpoint/2010/main" val="1108630757"/>
       </p:ext>
     </p:extLst>
   </p:cSld>
@@ -11601,293 +11512,59 @@
             </a:r>
             <a:r>
               <a:rPr lang="de-DE" dirty="0"/>
+              <a:t> 70</a:t>
+            </a:r>
+          </a:p>
+        </p:txBody>
+      </p:sp>
+      <p:sp>
+        <p:nvSpPr>
+          <p:cNvPr id="3" name="Inhaltsplatzhalter 2">
+            <a:extLst>
+              <a:ext uri="{FF2B5EF4-FFF2-40B4-BE49-F238E27FC236}">
+                <a16:creationId xmlns:a16="http://schemas.microsoft.com/office/drawing/2014/main" id="{2A5EBA90-6155-FD45-A74C-ECC42BCA72DF}"/>
+              </a:ext>
+            </a:extLst>
+          </p:cNvPr>
+          <p:cNvSpPr>
+            <a:spLocks noGrp="1"/>
+          </p:cNvSpPr>
+          <p:nvPr>
+            <p:ph idx="1"/>
+          </p:nvPr>
+        </p:nvSpPr>
+        <p:spPr/>
+        <p:txBody>
+          <a:bodyPr/>
+          <a:lstStyle/>
+          <a:p>
+            <a:r>
+              <a:rPr lang="de-DE" dirty="0"/>
+              <a:t>Thema: </a:t>
+            </a:r>
+            <a:r>
+              <a:rPr lang="de-DE" dirty="0" err="1"/>
+              <a:t>Dependency</a:t>
+            </a:r>
+            <a:r>
+              <a:rPr lang="de-DE" dirty="0"/>
               <a:t> </a:t>
             </a:r>
             <a:r>
               <a:rPr lang="de-DE" dirty="0" err="1"/>
-              <a:t>calculator</a:t>
-            </a:r>
-            <a:r>
-              <a:rPr lang="de-DE" dirty="0"/>
-              <a:t> 61</a:t>
-            </a:r>
-          </a:p>
-        </p:txBody>
-      </p:sp>
-      <p:sp>
-        <p:nvSpPr>
-          <p:cNvPr id="6" name="Rechteck 5">
-            <a:extLst>
-              <a:ext uri="{FF2B5EF4-FFF2-40B4-BE49-F238E27FC236}">
-                <a16:creationId xmlns:a16="http://schemas.microsoft.com/office/drawing/2014/main" id="{B906EBE3-4A4E-5F2A-A60B-710D032D045B}"/>
-              </a:ext>
-            </a:extLst>
-          </p:cNvPr>
-          <p:cNvSpPr/>
-          <p:nvPr/>
-        </p:nvSpPr>
-        <p:spPr>
-          <a:xfrm>
-            <a:off x="4321629" y="1690688"/>
-            <a:ext cx="3320142" cy="685800"/>
-          </a:xfrm>
-          <a:prstGeom prst="rect">
-            <a:avLst/>
-          </a:prstGeom>
-          <a:solidFill>
-            <a:schemeClr val="accent2"/>
-          </a:solidFill>
-        </p:spPr>
-        <p:style>
-          <a:lnRef idx="2">
-            <a:schemeClr val="accent1">
-              <a:shade val="50000"/>
-            </a:schemeClr>
-          </a:lnRef>
-          <a:fillRef idx="1">
-            <a:schemeClr val="accent1"/>
-          </a:fillRef>
-          <a:effectRef idx="0">
-            <a:schemeClr val="accent1"/>
-          </a:effectRef>
-          <a:fontRef idx="minor">
-            <a:schemeClr val="lt1"/>
-          </a:fontRef>
-        </p:style>
-        <p:txBody>
-          <a:bodyPr rtlCol="0" anchor="ctr"/>
-          <a:lstStyle/>
-          <a:p>
-            <a:pPr algn="ctr"/>
-            <a:r>
-              <a:rPr lang="de-DE" dirty="0"/>
-              <a:t>@</a:t>
-            </a:r>
-            <a:r>
-              <a:rPr lang="de-DE" dirty="0" err="1"/>
-              <a:t>SpringBootApplication</a:t>
-            </a:r>
-            <a:br>
-              <a:rPr lang="de-DE" dirty="0"/>
-            </a:br>
-            <a:r>
-              <a:rPr lang="de-DE" dirty="0" err="1"/>
-              <a:t>StarterApplication</a:t>
-            </a:r>
-            <a:endParaRPr lang="de-DE" dirty="0"/>
-          </a:p>
-        </p:txBody>
-      </p:sp>
-      <p:sp>
-        <p:nvSpPr>
-          <p:cNvPr id="7" name="Rechteck 6">
-            <a:extLst>
-              <a:ext uri="{FF2B5EF4-FFF2-40B4-BE49-F238E27FC236}">
-                <a16:creationId xmlns:a16="http://schemas.microsoft.com/office/drawing/2014/main" id="{E79398D4-028A-6B9E-7B38-736CD6063FDD}"/>
-              </a:ext>
-            </a:extLst>
-          </p:cNvPr>
-          <p:cNvSpPr/>
-          <p:nvPr/>
-        </p:nvSpPr>
-        <p:spPr>
-          <a:xfrm>
-            <a:off x="4321629" y="3293723"/>
-            <a:ext cx="3320142" cy="685800"/>
-          </a:xfrm>
-          <a:prstGeom prst="rect">
-            <a:avLst/>
-          </a:prstGeom>
-        </p:spPr>
-        <p:style>
-          <a:lnRef idx="2">
-            <a:schemeClr val="accent1">
-              <a:shade val="50000"/>
-            </a:schemeClr>
-          </a:lnRef>
-          <a:fillRef idx="1">
-            <a:schemeClr val="accent1"/>
-          </a:fillRef>
-          <a:effectRef idx="0">
-            <a:schemeClr val="accent1"/>
-          </a:effectRef>
-          <a:fontRef idx="minor">
-            <a:schemeClr val="lt1"/>
-          </a:fontRef>
-        </p:style>
-        <p:txBody>
-          <a:bodyPr rtlCol="0" anchor="ctr"/>
-          <a:lstStyle/>
-          <a:p>
-            <a:pPr algn="ctr"/>
-            <a:r>
-              <a:rPr lang="de-DE" dirty="0"/>
-              <a:t>@</a:t>
-            </a:r>
-            <a:r>
-              <a:rPr lang="de-DE" dirty="0" err="1"/>
-              <a:t>RestController</a:t>
-            </a:r>
-            <a:br>
-              <a:rPr lang="de-DE" dirty="0"/>
-            </a:br>
-            <a:r>
-              <a:rPr lang="de-DE" dirty="0" err="1"/>
-              <a:t>CalculatorController</a:t>
-            </a:r>
-            <a:endParaRPr lang="de-DE" dirty="0"/>
-          </a:p>
-        </p:txBody>
-      </p:sp>
-      <p:cxnSp>
-        <p:nvCxnSpPr>
-          <p:cNvPr id="9" name="Gerade Verbindung mit Pfeil 8">
-            <a:extLst>
-              <a:ext uri="{FF2B5EF4-FFF2-40B4-BE49-F238E27FC236}">
-                <a16:creationId xmlns:a16="http://schemas.microsoft.com/office/drawing/2014/main" id="{C12B59DB-07D9-3FE3-DD12-DD614A55D74D}"/>
-              </a:ext>
-            </a:extLst>
-          </p:cNvPr>
-          <p:cNvCxnSpPr>
-            <a:stCxn id="6" idx="2"/>
-            <a:endCxn id="7" idx="0"/>
-          </p:cNvCxnSpPr>
-          <p:nvPr/>
-        </p:nvCxnSpPr>
-        <p:spPr>
-          <a:xfrm>
-            <a:off x="5981700" y="2376488"/>
-            <a:ext cx="0" cy="917235"/>
-          </a:xfrm>
-          <a:prstGeom prst="straightConnector1">
-            <a:avLst/>
-          </a:prstGeom>
-          <a:ln w="38100">
-            <a:tailEnd type="triangle"/>
-          </a:ln>
-        </p:spPr>
-        <p:style>
-          <a:lnRef idx="1">
-            <a:schemeClr val="accent1"/>
-          </a:lnRef>
-          <a:fillRef idx="0">
-            <a:schemeClr val="accent1"/>
-          </a:fillRef>
-          <a:effectRef idx="0">
-            <a:schemeClr val="accent1"/>
-          </a:effectRef>
-          <a:fontRef idx="minor">
-            <a:schemeClr val="tx1"/>
-          </a:fontRef>
-        </p:style>
-      </p:cxnSp>
-      <p:sp>
-        <p:nvSpPr>
-          <p:cNvPr id="15" name="Rechteck 14">
-            <a:extLst>
-              <a:ext uri="{FF2B5EF4-FFF2-40B4-BE49-F238E27FC236}">
-                <a16:creationId xmlns:a16="http://schemas.microsoft.com/office/drawing/2014/main" id="{56EF523D-CB35-FF52-9753-13900AF4B035}"/>
-              </a:ext>
-            </a:extLst>
-          </p:cNvPr>
-          <p:cNvSpPr/>
-          <p:nvPr/>
-        </p:nvSpPr>
-        <p:spPr>
-          <a:xfrm>
-            <a:off x="4321629" y="4940300"/>
-            <a:ext cx="3320142" cy="685800"/>
-          </a:xfrm>
-          <a:prstGeom prst="rect">
-            <a:avLst/>
-          </a:prstGeom>
-          <a:solidFill>
-            <a:schemeClr val="accent6"/>
-          </a:solidFill>
-        </p:spPr>
-        <p:style>
-          <a:lnRef idx="2">
-            <a:schemeClr val="accent1">
-              <a:shade val="50000"/>
-            </a:schemeClr>
-          </a:lnRef>
-          <a:fillRef idx="1">
-            <a:schemeClr val="accent1"/>
-          </a:fillRef>
-          <a:effectRef idx="0">
-            <a:schemeClr val="accent1"/>
-          </a:effectRef>
-          <a:fontRef idx="minor">
-            <a:schemeClr val="lt1"/>
-          </a:fontRef>
-        </p:style>
-        <p:txBody>
-          <a:bodyPr rtlCol="0" anchor="ctr"/>
-          <a:lstStyle/>
-          <a:p>
-            <a:pPr algn="ctr"/>
-            <a:r>
-              <a:rPr lang="de-DE" dirty="0"/>
-              <a:t>@Service</a:t>
-            </a:r>
-            <a:br>
-              <a:rPr lang="de-DE" dirty="0"/>
-            </a:br>
-            <a:r>
-              <a:rPr lang="de-DE" dirty="0" err="1"/>
-              <a:t>CalculatorService</a:t>
-            </a:r>
-            <a:endParaRPr lang="de-DE" dirty="0"/>
-          </a:p>
-        </p:txBody>
-      </p:sp>
-      <p:cxnSp>
-        <p:nvCxnSpPr>
-          <p:cNvPr id="16" name="Gerade Verbindung mit Pfeil 15">
-            <a:extLst>
-              <a:ext uri="{FF2B5EF4-FFF2-40B4-BE49-F238E27FC236}">
-                <a16:creationId xmlns:a16="http://schemas.microsoft.com/office/drawing/2014/main" id="{65943534-19AA-1EC7-3429-CC69E6E47484}"/>
-              </a:ext>
-            </a:extLst>
-          </p:cNvPr>
-          <p:cNvCxnSpPr>
-            <a:cxnSpLocks/>
-            <a:stCxn id="7" idx="2"/>
-            <a:endCxn id="15" idx="0"/>
-          </p:cNvCxnSpPr>
-          <p:nvPr/>
-        </p:nvCxnSpPr>
-        <p:spPr>
-          <a:xfrm>
-            <a:off x="5981700" y="3979523"/>
-            <a:ext cx="0" cy="960777"/>
-          </a:xfrm>
-          <a:prstGeom prst="straightConnector1">
-            <a:avLst/>
-          </a:prstGeom>
-          <a:ln w="38100">
-            <a:tailEnd type="triangle"/>
-          </a:ln>
-        </p:spPr>
-        <p:style>
-          <a:lnRef idx="1">
-            <a:schemeClr val="accent1"/>
-          </a:lnRef>
-          <a:fillRef idx="0">
-            <a:schemeClr val="accent1"/>
-          </a:fillRef>
-          <a:effectRef idx="0">
-            <a:schemeClr val="accent1"/>
-          </a:effectRef>
-          <a:fontRef idx="minor">
-            <a:schemeClr val="tx1"/>
-          </a:fontRef>
-        </p:style>
-      </p:cxnSp>
+              <a:t>Injection</a:t>
+            </a:r>
+            <a:r>
+              <a:rPr lang="de-DE" dirty="0"/>
+              <a:t> mit Spring</a:t>
+            </a:r>
+          </a:p>
+        </p:txBody>
+      </p:sp>
     </p:spTree>
     <p:extLst>
       <p:ext uri="{BB962C8B-B14F-4D97-AF65-F5344CB8AC3E}">
-        <p14:creationId xmlns:p14="http://schemas.microsoft.com/office/powerpoint/2010/main" val="645158263"/>
+        <p14:creationId xmlns:p14="http://schemas.microsoft.com/office/powerpoint/2010/main" val="1607655202"/>
       </p:ext>
     </p:extLst>
   </p:cSld>
@@ -12098,706 +11775,54 @@
             </a:r>
             <a:r>
               <a:rPr lang="de-DE" dirty="0"/>
-              <a:t> </a:t>
-            </a:r>
+              <a:t> 80</a:t>
+            </a:r>
+          </a:p>
+        </p:txBody>
+      </p:sp>
+      <p:sp>
+        <p:nvSpPr>
+          <p:cNvPr id="3" name="Inhaltsplatzhalter 2">
+            <a:extLst>
+              <a:ext uri="{FF2B5EF4-FFF2-40B4-BE49-F238E27FC236}">
+                <a16:creationId xmlns:a16="http://schemas.microsoft.com/office/drawing/2014/main" id="{2A5EBA90-6155-FD45-A74C-ECC42BCA72DF}"/>
+              </a:ext>
+            </a:extLst>
+          </p:cNvPr>
+          <p:cNvSpPr>
+            <a:spLocks noGrp="1"/>
+          </p:cNvSpPr>
+          <p:nvPr>
+            <p:ph idx="1"/>
+          </p:nvPr>
+        </p:nvSpPr>
+        <p:spPr/>
+        <p:txBody>
+          <a:bodyPr/>
+          <a:lstStyle/>
+          <a:p>
+            <a:r>
+              <a:rPr lang="de-DE" dirty="0"/>
+              <a:t>Thema: Testen mit Mocks</a:t>
+            </a:r>
+          </a:p>
+          <a:p>
+            <a:pPr lvl="1"/>
             <a:r>
               <a:rPr lang="de-DE" dirty="0" err="1"/>
-              <a:t>calculator</a:t>
-            </a:r>
-            <a:r>
-              <a:rPr lang="de-DE" dirty="0"/>
-              <a:t> 61</a:t>
-            </a:r>
-          </a:p>
-        </p:txBody>
-      </p:sp>
-      <p:sp>
-        <p:nvSpPr>
-          <p:cNvPr id="6" name="Rechteck 5">
-            <a:extLst>
-              <a:ext uri="{FF2B5EF4-FFF2-40B4-BE49-F238E27FC236}">
-                <a16:creationId xmlns:a16="http://schemas.microsoft.com/office/drawing/2014/main" id="{B906EBE3-4A4E-5F2A-A60B-710D032D045B}"/>
-              </a:ext>
-            </a:extLst>
-          </p:cNvPr>
-          <p:cNvSpPr/>
-          <p:nvPr/>
-        </p:nvSpPr>
-        <p:spPr>
-          <a:xfrm>
-            <a:off x="4321629" y="1690688"/>
-            <a:ext cx="3320142" cy="685800"/>
-          </a:xfrm>
-          <a:prstGeom prst="rect">
-            <a:avLst/>
-          </a:prstGeom>
-          <a:solidFill>
-            <a:schemeClr val="accent2"/>
-          </a:solidFill>
-        </p:spPr>
-        <p:style>
-          <a:lnRef idx="2">
-            <a:schemeClr val="accent1">
-              <a:shade val="50000"/>
-            </a:schemeClr>
-          </a:lnRef>
-          <a:fillRef idx="1">
-            <a:schemeClr val="accent1"/>
-          </a:fillRef>
-          <a:effectRef idx="0">
-            <a:schemeClr val="accent1"/>
-          </a:effectRef>
-          <a:fontRef idx="minor">
-            <a:schemeClr val="lt1"/>
-          </a:fontRef>
-        </p:style>
-        <p:txBody>
-          <a:bodyPr rtlCol="0" anchor="ctr"/>
-          <a:lstStyle/>
-          <a:p>
-            <a:pPr algn="ctr"/>
-            <a:r>
-              <a:rPr lang="de-DE" dirty="0"/>
-              <a:t>@</a:t>
-            </a:r>
-            <a:r>
-              <a:rPr lang="de-DE" dirty="0" err="1"/>
-              <a:t>SpringBootApplication</a:t>
-            </a:r>
-            <a:br>
-              <a:rPr lang="de-DE" dirty="0"/>
-            </a:br>
-            <a:r>
-              <a:rPr lang="de-DE" dirty="0" err="1"/>
-              <a:t>StarterApplication</a:t>
-            </a:r>
-            <a:endParaRPr lang="de-DE" dirty="0"/>
-          </a:p>
-        </p:txBody>
-      </p:sp>
-      <p:sp>
-        <p:nvSpPr>
-          <p:cNvPr id="7" name="Rechteck 6">
-            <a:extLst>
-              <a:ext uri="{FF2B5EF4-FFF2-40B4-BE49-F238E27FC236}">
-                <a16:creationId xmlns:a16="http://schemas.microsoft.com/office/drawing/2014/main" id="{E79398D4-028A-6B9E-7B38-736CD6063FDD}"/>
-              </a:ext>
-            </a:extLst>
-          </p:cNvPr>
-          <p:cNvSpPr/>
-          <p:nvPr/>
-        </p:nvSpPr>
-        <p:spPr>
-          <a:xfrm>
-            <a:off x="2438401" y="3429000"/>
-            <a:ext cx="3320142" cy="685800"/>
-          </a:xfrm>
-          <a:prstGeom prst="rect">
-            <a:avLst/>
-          </a:prstGeom>
-        </p:spPr>
-        <p:style>
-          <a:lnRef idx="2">
-            <a:schemeClr val="accent1">
-              <a:shade val="50000"/>
-            </a:schemeClr>
-          </a:lnRef>
-          <a:fillRef idx="1">
-            <a:schemeClr val="accent1"/>
-          </a:fillRef>
-          <a:effectRef idx="0">
-            <a:schemeClr val="accent1"/>
-          </a:effectRef>
-          <a:fontRef idx="minor">
-            <a:schemeClr val="lt1"/>
-          </a:fontRef>
-        </p:style>
-        <p:txBody>
-          <a:bodyPr rtlCol="0" anchor="ctr"/>
-          <a:lstStyle/>
-          <a:p>
-            <a:pPr algn="ctr"/>
-            <a:r>
-              <a:rPr lang="de-DE" dirty="0"/>
-              <a:t>@</a:t>
-            </a:r>
-            <a:r>
-              <a:rPr lang="de-DE" dirty="0" err="1"/>
-              <a:t>RestController</a:t>
-            </a:r>
-            <a:br>
-              <a:rPr lang="de-DE" dirty="0"/>
-            </a:br>
-            <a:r>
-              <a:rPr lang="de-DE" dirty="0" err="1"/>
-              <a:t>CalculatorController</a:t>
-            </a:r>
-            <a:endParaRPr lang="de-DE" dirty="0"/>
-          </a:p>
-        </p:txBody>
-      </p:sp>
-      <p:cxnSp>
-        <p:nvCxnSpPr>
-          <p:cNvPr id="9" name="Gerade Verbindung mit Pfeil 8">
-            <a:extLst>
-              <a:ext uri="{FF2B5EF4-FFF2-40B4-BE49-F238E27FC236}">
-                <a16:creationId xmlns:a16="http://schemas.microsoft.com/office/drawing/2014/main" id="{C12B59DB-07D9-3FE3-DD12-DD614A55D74D}"/>
-              </a:ext>
-            </a:extLst>
-          </p:cNvPr>
-          <p:cNvCxnSpPr>
-            <a:stCxn id="6" idx="2"/>
-            <a:endCxn id="7" idx="0"/>
-          </p:cNvCxnSpPr>
-          <p:nvPr/>
-        </p:nvCxnSpPr>
-        <p:spPr>
-          <a:xfrm flipH="1">
-            <a:off x="4098472" y="2376488"/>
-            <a:ext cx="1883228" cy="1052512"/>
-          </a:xfrm>
-          <a:prstGeom prst="straightConnector1">
-            <a:avLst/>
-          </a:prstGeom>
-          <a:ln w="38100">
-            <a:tailEnd type="triangle"/>
-          </a:ln>
-        </p:spPr>
-        <p:style>
-          <a:lnRef idx="1">
-            <a:schemeClr val="accent1"/>
-          </a:lnRef>
-          <a:fillRef idx="0">
-            <a:schemeClr val="accent1"/>
-          </a:fillRef>
-          <a:effectRef idx="0">
-            <a:schemeClr val="accent1"/>
-          </a:effectRef>
-          <a:fontRef idx="minor">
-            <a:schemeClr val="tx1"/>
-          </a:fontRef>
-        </p:style>
-      </p:cxnSp>
-      <p:sp>
-        <p:nvSpPr>
-          <p:cNvPr id="10" name="Rechteck 9">
-            <a:extLst>
-              <a:ext uri="{FF2B5EF4-FFF2-40B4-BE49-F238E27FC236}">
-                <a16:creationId xmlns:a16="http://schemas.microsoft.com/office/drawing/2014/main" id="{1D7EE23F-4668-2CE1-8169-7B825946B545}"/>
-              </a:ext>
-            </a:extLst>
-          </p:cNvPr>
-          <p:cNvSpPr/>
-          <p:nvPr/>
-        </p:nvSpPr>
-        <p:spPr>
-          <a:xfrm>
-            <a:off x="6692901" y="3429000"/>
-            <a:ext cx="3320142" cy="685800"/>
-          </a:xfrm>
-          <a:prstGeom prst="rect">
-            <a:avLst/>
-          </a:prstGeom>
-        </p:spPr>
-        <p:style>
-          <a:lnRef idx="2">
-            <a:schemeClr val="accent1">
-              <a:shade val="50000"/>
-            </a:schemeClr>
-          </a:lnRef>
-          <a:fillRef idx="1">
-            <a:schemeClr val="accent1"/>
-          </a:fillRef>
-          <a:effectRef idx="0">
-            <a:schemeClr val="accent1"/>
-          </a:effectRef>
-          <a:fontRef idx="minor">
-            <a:schemeClr val="lt1"/>
-          </a:fontRef>
-        </p:style>
-        <p:txBody>
-          <a:bodyPr rtlCol="0" anchor="ctr"/>
-          <a:lstStyle/>
-          <a:p>
-            <a:pPr algn="ctr"/>
-            <a:r>
-              <a:rPr lang="de-DE" dirty="0"/>
-              <a:t>@</a:t>
-            </a:r>
-            <a:r>
-              <a:rPr lang="de-DE" dirty="0" err="1"/>
-              <a:t>RestController</a:t>
-            </a:r>
-            <a:br>
-              <a:rPr lang="de-DE" dirty="0"/>
-            </a:br>
-            <a:r>
-              <a:rPr lang="de-DE" dirty="0" err="1"/>
-              <a:t>OtherController</a:t>
-            </a:r>
-            <a:endParaRPr lang="de-DE" dirty="0"/>
-          </a:p>
-        </p:txBody>
-      </p:sp>
-      <p:cxnSp>
-        <p:nvCxnSpPr>
-          <p:cNvPr id="11" name="Gerade Verbindung mit Pfeil 10">
-            <a:extLst>
-              <a:ext uri="{FF2B5EF4-FFF2-40B4-BE49-F238E27FC236}">
-                <a16:creationId xmlns:a16="http://schemas.microsoft.com/office/drawing/2014/main" id="{935BE337-1825-A642-2304-CA5BBCD5D599}"/>
-              </a:ext>
-            </a:extLst>
-          </p:cNvPr>
-          <p:cNvCxnSpPr>
-            <a:cxnSpLocks/>
-            <a:stCxn id="6" idx="2"/>
-            <a:endCxn id="10" idx="0"/>
-          </p:cNvCxnSpPr>
-          <p:nvPr/>
-        </p:nvCxnSpPr>
-        <p:spPr>
-          <a:xfrm>
-            <a:off x="5981700" y="2376488"/>
-            <a:ext cx="2371272" cy="1052512"/>
-          </a:xfrm>
-          <a:prstGeom prst="straightConnector1">
-            <a:avLst/>
-          </a:prstGeom>
-          <a:ln w="38100">
-            <a:tailEnd type="triangle"/>
-          </a:ln>
-        </p:spPr>
-        <p:style>
-          <a:lnRef idx="1">
-            <a:schemeClr val="accent1"/>
-          </a:lnRef>
-          <a:fillRef idx="0">
-            <a:schemeClr val="accent1"/>
-          </a:fillRef>
-          <a:effectRef idx="0">
-            <a:schemeClr val="accent1"/>
-          </a:effectRef>
-          <a:fontRef idx="minor">
-            <a:schemeClr val="tx1"/>
-          </a:fontRef>
-        </p:style>
-      </p:cxnSp>
-      <p:sp>
-        <p:nvSpPr>
-          <p:cNvPr id="15" name="Rechteck 14">
-            <a:extLst>
-              <a:ext uri="{FF2B5EF4-FFF2-40B4-BE49-F238E27FC236}">
-                <a16:creationId xmlns:a16="http://schemas.microsoft.com/office/drawing/2014/main" id="{56EF523D-CB35-FF52-9753-13900AF4B035}"/>
-              </a:ext>
-            </a:extLst>
-          </p:cNvPr>
-          <p:cNvSpPr/>
-          <p:nvPr/>
-        </p:nvSpPr>
-        <p:spPr>
-          <a:xfrm>
-            <a:off x="1251859" y="4940300"/>
-            <a:ext cx="3320142" cy="685800"/>
-          </a:xfrm>
-          <a:prstGeom prst="rect">
-            <a:avLst/>
-          </a:prstGeom>
-          <a:solidFill>
-            <a:schemeClr val="accent6"/>
-          </a:solidFill>
-        </p:spPr>
-        <p:style>
-          <a:lnRef idx="2">
-            <a:schemeClr val="accent1">
-              <a:shade val="50000"/>
-            </a:schemeClr>
-          </a:lnRef>
-          <a:fillRef idx="1">
-            <a:schemeClr val="accent1"/>
-          </a:fillRef>
-          <a:effectRef idx="0">
-            <a:schemeClr val="accent1"/>
-          </a:effectRef>
-          <a:fontRef idx="minor">
-            <a:schemeClr val="lt1"/>
-          </a:fontRef>
-        </p:style>
-        <p:txBody>
-          <a:bodyPr rtlCol="0" anchor="ctr"/>
-          <a:lstStyle/>
-          <a:p>
-            <a:pPr algn="ctr"/>
-            <a:r>
-              <a:rPr lang="de-DE" dirty="0"/>
-              <a:t>@Service</a:t>
-            </a:r>
-            <a:br>
-              <a:rPr lang="de-DE" dirty="0"/>
-            </a:br>
-            <a:r>
-              <a:rPr lang="de-DE" dirty="0" err="1"/>
-              <a:t>CalculatorService</a:t>
-            </a:r>
-            <a:endParaRPr lang="de-DE" dirty="0"/>
-          </a:p>
-        </p:txBody>
-      </p:sp>
-      <p:cxnSp>
-        <p:nvCxnSpPr>
-          <p:cNvPr id="16" name="Gerade Verbindung mit Pfeil 15">
-            <a:extLst>
-              <a:ext uri="{FF2B5EF4-FFF2-40B4-BE49-F238E27FC236}">
-                <a16:creationId xmlns:a16="http://schemas.microsoft.com/office/drawing/2014/main" id="{65943534-19AA-1EC7-3429-CC69E6E47484}"/>
-              </a:ext>
-            </a:extLst>
-          </p:cNvPr>
-          <p:cNvCxnSpPr>
-            <a:cxnSpLocks/>
-            <a:stCxn id="7" idx="2"/>
-            <a:endCxn id="15" idx="0"/>
-          </p:cNvCxnSpPr>
-          <p:nvPr/>
-        </p:nvCxnSpPr>
-        <p:spPr>
-          <a:xfrm flipH="1">
-            <a:off x="2911930" y="4114800"/>
-            <a:ext cx="1186542" cy="825500"/>
-          </a:xfrm>
-          <a:prstGeom prst="straightConnector1">
-            <a:avLst/>
-          </a:prstGeom>
-          <a:ln w="38100">
-            <a:tailEnd type="triangle"/>
-          </a:ln>
-        </p:spPr>
-        <p:style>
-          <a:lnRef idx="1">
-            <a:schemeClr val="accent1"/>
-          </a:lnRef>
-          <a:fillRef idx="0">
-            <a:schemeClr val="accent1"/>
-          </a:fillRef>
-          <a:effectRef idx="0">
-            <a:schemeClr val="accent1"/>
-          </a:effectRef>
-          <a:fontRef idx="minor">
-            <a:schemeClr val="tx1"/>
-          </a:fontRef>
-        </p:style>
-      </p:cxnSp>
-      <p:sp>
-        <p:nvSpPr>
-          <p:cNvPr id="20" name="Rechteck 19">
-            <a:extLst>
-              <a:ext uri="{FF2B5EF4-FFF2-40B4-BE49-F238E27FC236}">
-                <a16:creationId xmlns:a16="http://schemas.microsoft.com/office/drawing/2014/main" id="{0BEC28F9-305E-755E-C27C-37F0FB3EE738}"/>
-              </a:ext>
-            </a:extLst>
-          </p:cNvPr>
-          <p:cNvSpPr/>
-          <p:nvPr/>
-        </p:nvSpPr>
-        <p:spPr>
-          <a:xfrm>
-            <a:off x="5163458" y="4940300"/>
-            <a:ext cx="3320142" cy="685800"/>
-          </a:xfrm>
-          <a:prstGeom prst="rect">
-            <a:avLst/>
-          </a:prstGeom>
-          <a:solidFill>
-            <a:schemeClr val="accent6"/>
-          </a:solidFill>
-        </p:spPr>
-        <p:style>
-          <a:lnRef idx="2">
-            <a:schemeClr val="accent1">
-              <a:shade val="50000"/>
-            </a:schemeClr>
-          </a:lnRef>
-          <a:fillRef idx="1">
-            <a:schemeClr val="accent1"/>
-          </a:fillRef>
-          <a:effectRef idx="0">
-            <a:schemeClr val="accent1"/>
-          </a:effectRef>
-          <a:fontRef idx="minor">
-            <a:schemeClr val="lt1"/>
-          </a:fontRef>
-        </p:style>
-        <p:txBody>
-          <a:bodyPr rtlCol="0" anchor="ctr"/>
-          <a:lstStyle/>
-          <a:p>
-            <a:pPr algn="ctr"/>
-            <a:r>
-              <a:rPr lang="de-DE" dirty="0"/>
-              <a:t>@Service</a:t>
-            </a:r>
-            <a:br>
-              <a:rPr lang="de-DE" dirty="0"/>
-            </a:br>
-            <a:r>
-              <a:rPr lang="de-DE" dirty="0" err="1"/>
-              <a:t>AnotherService</a:t>
-            </a:r>
-            <a:endParaRPr lang="de-DE" dirty="0"/>
-          </a:p>
-        </p:txBody>
-      </p:sp>
-      <p:sp>
-        <p:nvSpPr>
-          <p:cNvPr id="21" name="Rechteck 20">
-            <a:extLst>
-              <a:ext uri="{FF2B5EF4-FFF2-40B4-BE49-F238E27FC236}">
-                <a16:creationId xmlns:a16="http://schemas.microsoft.com/office/drawing/2014/main" id="{EA51C038-3DB5-C517-7FFA-5B5AA0844A98}"/>
-              </a:ext>
-            </a:extLst>
-          </p:cNvPr>
-          <p:cNvSpPr/>
-          <p:nvPr/>
-        </p:nvSpPr>
-        <p:spPr>
-          <a:xfrm>
-            <a:off x="8601528" y="4940300"/>
-            <a:ext cx="3320142" cy="685800"/>
-          </a:xfrm>
-          <a:prstGeom prst="rect">
-            <a:avLst/>
-          </a:prstGeom>
-          <a:solidFill>
-            <a:schemeClr val="accent6"/>
-          </a:solidFill>
-        </p:spPr>
-        <p:style>
-          <a:lnRef idx="2">
-            <a:schemeClr val="accent1">
-              <a:shade val="50000"/>
-            </a:schemeClr>
-          </a:lnRef>
-          <a:fillRef idx="1">
-            <a:schemeClr val="accent1"/>
-          </a:fillRef>
-          <a:effectRef idx="0">
-            <a:schemeClr val="accent1"/>
-          </a:effectRef>
-          <a:fontRef idx="minor">
-            <a:schemeClr val="lt1"/>
-          </a:fontRef>
-        </p:style>
-        <p:txBody>
-          <a:bodyPr rtlCol="0" anchor="ctr"/>
-          <a:lstStyle/>
-          <a:p>
-            <a:pPr algn="ctr"/>
-            <a:r>
-              <a:rPr lang="de-DE" dirty="0"/>
-              <a:t>@Service</a:t>
-            </a:r>
-            <a:br>
-              <a:rPr lang="de-DE" dirty="0"/>
-            </a:br>
-            <a:r>
-              <a:rPr lang="de-DE" dirty="0" err="1"/>
-              <a:t>YetAnotherService</a:t>
-            </a:r>
-            <a:endParaRPr lang="de-DE" dirty="0"/>
-          </a:p>
-        </p:txBody>
-      </p:sp>
-      <p:cxnSp>
-        <p:nvCxnSpPr>
-          <p:cNvPr id="23" name="Gerade Verbindung mit Pfeil 22">
-            <a:extLst>
-              <a:ext uri="{FF2B5EF4-FFF2-40B4-BE49-F238E27FC236}">
-                <a16:creationId xmlns:a16="http://schemas.microsoft.com/office/drawing/2014/main" id="{B2A5D451-99BD-5A95-64ED-75FA216988A8}"/>
-              </a:ext>
-            </a:extLst>
-          </p:cNvPr>
-          <p:cNvCxnSpPr>
-            <a:cxnSpLocks/>
-            <a:stCxn id="10" idx="2"/>
-            <a:endCxn id="21" idx="0"/>
-          </p:cNvCxnSpPr>
-          <p:nvPr/>
-        </p:nvCxnSpPr>
-        <p:spPr>
-          <a:xfrm>
-            <a:off x="8352972" y="4114800"/>
-            <a:ext cx="1908627" cy="825500"/>
-          </a:xfrm>
-          <a:prstGeom prst="straightConnector1">
-            <a:avLst/>
-          </a:prstGeom>
-          <a:ln w="38100">
-            <a:tailEnd type="triangle"/>
-          </a:ln>
-        </p:spPr>
-        <p:style>
-          <a:lnRef idx="1">
-            <a:schemeClr val="accent1"/>
-          </a:lnRef>
-          <a:fillRef idx="0">
-            <a:schemeClr val="accent1"/>
-          </a:fillRef>
-          <a:effectRef idx="0">
-            <a:schemeClr val="accent1"/>
-          </a:effectRef>
-          <a:fontRef idx="minor">
-            <a:schemeClr val="tx1"/>
-          </a:fontRef>
-        </p:style>
-      </p:cxnSp>
-      <p:cxnSp>
-        <p:nvCxnSpPr>
-          <p:cNvPr id="26" name="Gerade Verbindung mit Pfeil 25">
-            <a:extLst>
-              <a:ext uri="{FF2B5EF4-FFF2-40B4-BE49-F238E27FC236}">
-                <a16:creationId xmlns:a16="http://schemas.microsoft.com/office/drawing/2014/main" id="{1828FDE8-A596-C30A-D720-A2BAA9D1D597}"/>
-              </a:ext>
-            </a:extLst>
-          </p:cNvPr>
-          <p:cNvCxnSpPr>
-            <a:cxnSpLocks/>
-            <a:stCxn id="10" idx="2"/>
-            <a:endCxn id="20" idx="0"/>
-          </p:cNvCxnSpPr>
-          <p:nvPr/>
-        </p:nvCxnSpPr>
-        <p:spPr>
-          <a:xfrm flipH="1">
-            <a:off x="6823529" y="4114800"/>
-            <a:ext cx="1529443" cy="825500"/>
-          </a:xfrm>
-          <a:prstGeom prst="straightConnector1">
-            <a:avLst/>
-          </a:prstGeom>
-          <a:ln w="38100">
-            <a:tailEnd type="triangle"/>
-          </a:ln>
-        </p:spPr>
-        <p:style>
-          <a:lnRef idx="1">
-            <a:schemeClr val="accent1"/>
-          </a:lnRef>
-          <a:fillRef idx="0">
-            <a:schemeClr val="accent1"/>
-          </a:fillRef>
-          <a:effectRef idx="0">
-            <a:schemeClr val="accent1"/>
-          </a:effectRef>
-          <a:fontRef idx="minor">
-            <a:schemeClr val="tx1"/>
-          </a:fontRef>
-        </p:style>
-      </p:cxnSp>
-      <p:sp>
-        <p:nvSpPr>
-          <p:cNvPr id="29" name="Rechteck 28">
-            <a:extLst>
-              <a:ext uri="{FF2B5EF4-FFF2-40B4-BE49-F238E27FC236}">
-                <a16:creationId xmlns:a16="http://schemas.microsoft.com/office/drawing/2014/main" id="{7F9B6B58-AD4B-2EE2-0C33-A5FC60A30E22}"/>
-              </a:ext>
-            </a:extLst>
-          </p:cNvPr>
-          <p:cNvSpPr/>
-          <p:nvPr/>
-        </p:nvSpPr>
-        <p:spPr>
-          <a:xfrm>
-            <a:off x="5163458" y="6108700"/>
-            <a:ext cx="3320142" cy="685800"/>
-          </a:xfrm>
-          <a:prstGeom prst="rect">
-            <a:avLst/>
-          </a:prstGeom>
-          <a:solidFill>
-            <a:schemeClr val="accent6"/>
-          </a:solidFill>
-        </p:spPr>
-        <p:style>
-          <a:lnRef idx="2">
-            <a:schemeClr val="accent1">
-              <a:shade val="50000"/>
-            </a:schemeClr>
-          </a:lnRef>
-          <a:fillRef idx="1">
-            <a:schemeClr val="accent1"/>
-          </a:fillRef>
-          <a:effectRef idx="0">
-            <a:schemeClr val="accent1"/>
-          </a:effectRef>
-          <a:fontRef idx="minor">
-            <a:schemeClr val="lt1"/>
-          </a:fontRef>
-        </p:style>
-        <p:txBody>
-          <a:bodyPr rtlCol="0" anchor="ctr"/>
-          <a:lstStyle/>
-          <a:p>
-            <a:pPr algn="ctr"/>
-            <a:r>
-              <a:rPr lang="de-DE" dirty="0"/>
-              <a:t>@Service</a:t>
-            </a:r>
-            <a:br>
-              <a:rPr lang="de-DE" dirty="0"/>
-            </a:br>
-            <a:r>
-              <a:rPr lang="de-DE" dirty="0" err="1"/>
-              <a:t>SubService</a:t>
-            </a:r>
-            <a:endParaRPr lang="de-DE" dirty="0"/>
-          </a:p>
-        </p:txBody>
-      </p:sp>
-      <p:cxnSp>
-        <p:nvCxnSpPr>
-          <p:cNvPr id="30" name="Gerade Verbindung mit Pfeil 29">
-            <a:extLst>
-              <a:ext uri="{FF2B5EF4-FFF2-40B4-BE49-F238E27FC236}">
-                <a16:creationId xmlns:a16="http://schemas.microsoft.com/office/drawing/2014/main" id="{8CCFEBB7-52A2-BCE3-F9E4-312736E93D3F}"/>
-              </a:ext>
-            </a:extLst>
-          </p:cNvPr>
-          <p:cNvCxnSpPr>
-            <a:cxnSpLocks/>
-            <a:stCxn id="20" idx="2"/>
-            <a:endCxn id="29" idx="0"/>
-          </p:cNvCxnSpPr>
-          <p:nvPr/>
-        </p:nvCxnSpPr>
-        <p:spPr>
-          <a:xfrm>
-            <a:off x="6823529" y="5626100"/>
-            <a:ext cx="0" cy="482600"/>
-          </a:xfrm>
-          <a:prstGeom prst="straightConnector1">
-            <a:avLst/>
-          </a:prstGeom>
-          <a:ln w="38100">
-            <a:tailEnd type="triangle"/>
-          </a:ln>
-        </p:spPr>
-        <p:style>
-          <a:lnRef idx="1">
-            <a:schemeClr val="accent1"/>
-          </a:lnRef>
-          <a:fillRef idx="0">
-            <a:schemeClr val="accent1"/>
-          </a:fillRef>
-          <a:effectRef idx="0">
-            <a:schemeClr val="accent1"/>
-          </a:effectRef>
-          <a:fontRef idx="minor">
-            <a:schemeClr val="tx1"/>
-          </a:fontRef>
-        </p:style>
-      </p:cxnSp>
+              <a:t>Mockito</a:t>
+            </a:r>
+            <a:r>
+              <a:rPr lang="de-DE" dirty="0"/>
+              <a:t>: Bibliothek zum Erstellen von Mock-Objekten in Unit-Tests</a:t>
+            </a:r>
+          </a:p>
+        </p:txBody>
+      </p:sp>
     </p:spTree>
     <p:extLst>
       <p:ext uri="{BB962C8B-B14F-4D97-AF65-F5344CB8AC3E}">
-        <p14:creationId xmlns:p14="http://schemas.microsoft.com/office/powerpoint/2010/main" val="3403542724"/>
+        <p14:creationId xmlns:p14="http://schemas.microsoft.com/office/powerpoint/2010/main" val="1609070468"/>
       </p:ext>
     </p:extLst>
   </p:cSld>
@@ -12846,1009 +11871,48 @@
           <a:lstStyle/>
           <a:p>
             <a:r>
-              <a:rPr lang="de-DE" dirty="0"/>
-              <a:t>Ausblick: </a:t>
-            </a:r>
-            <a:r>
               <a:rPr lang="de-DE" dirty="0" err="1"/>
               <a:t>Step</a:t>
             </a:r>
             <a:r>
               <a:rPr lang="de-DE" dirty="0"/>
-              <a:t> 130</a:t>
-            </a:r>
-          </a:p>
-        </p:txBody>
-      </p:sp>
-      <p:grpSp>
-        <p:nvGrpSpPr>
-          <p:cNvPr id="4" name="Gruppieren 3">
-            <a:extLst>
-              <a:ext uri="{FF2B5EF4-FFF2-40B4-BE49-F238E27FC236}">
-                <a16:creationId xmlns:a16="http://schemas.microsoft.com/office/drawing/2014/main" id="{D24B6789-D522-56DB-BFBB-E28E2760B4CA}"/>
-              </a:ext>
-            </a:extLst>
-          </p:cNvPr>
-          <p:cNvGrpSpPr/>
-          <p:nvPr/>
-        </p:nvGrpSpPr>
-        <p:grpSpPr>
-          <a:xfrm>
-            <a:off x="5163458" y="1491003"/>
-            <a:ext cx="6758212" cy="5303497"/>
-            <a:chOff x="5163458" y="1491003"/>
-            <a:chExt cx="6758212" cy="5303497"/>
-          </a:xfrm>
-        </p:grpSpPr>
-        <p:sp>
-          <p:nvSpPr>
-            <p:cNvPr id="6" name="Rechteck 5">
-              <a:extLst>
-                <a:ext uri="{FF2B5EF4-FFF2-40B4-BE49-F238E27FC236}">
-                  <a16:creationId xmlns:a16="http://schemas.microsoft.com/office/drawing/2014/main" id="{B906EBE3-4A4E-5F2A-A60B-710D032D045B}"/>
-                </a:ext>
-              </a:extLst>
-            </p:cNvPr>
-            <p:cNvSpPr/>
-            <p:nvPr/>
-          </p:nvSpPr>
-          <p:spPr>
-            <a:xfrm>
-              <a:off x="6692901" y="1491003"/>
-              <a:ext cx="3320142" cy="685800"/>
-            </a:xfrm>
-            <a:prstGeom prst="rect">
-              <a:avLst/>
-            </a:prstGeom>
-            <a:solidFill>
-              <a:schemeClr val="accent2"/>
-            </a:solidFill>
-          </p:spPr>
-          <p:style>
-            <a:lnRef idx="2">
-              <a:schemeClr val="accent1">
-                <a:shade val="50000"/>
-              </a:schemeClr>
-            </a:lnRef>
-            <a:fillRef idx="1">
-              <a:schemeClr val="accent1"/>
-            </a:fillRef>
-            <a:effectRef idx="0">
-              <a:schemeClr val="accent1"/>
-            </a:effectRef>
-            <a:fontRef idx="minor">
-              <a:schemeClr val="lt1"/>
-            </a:fontRef>
-          </p:style>
-          <p:txBody>
-            <a:bodyPr rtlCol="0" anchor="ctr"/>
-            <a:lstStyle/>
-            <a:p>
-              <a:pPr algn="ctr"/>
-              <a:r>
-                <a:rPr lang="de-DE" dirty="0"/>
-                <a:t>@</a:t>
-              </a:r>
-              <a:r>
-                <a:rPr lang="de-DE" dirty="0" err="1"/>
-                <a:t>SpringBootApplication</a:t>
-              </a:r>
-              <a:br>
-                <a:rPr lang="de-DE" dirty="0"/>
-              </a:br>
-              <a:r>
-                <a:rPr lang="de-DE" dirty="0"/>
-                <a:t>StarterApplication2</a:t>
-              </a:r>
-            </a:p>
-          </p:txBody>
-        </p:sp>
-        <p:sp>
-          <p:nvSpPr>
-            <p:cNvPr id="10" name="Rechteck 9">
-              <a:extLst>
-                <a:ext uri="{FF2B5EF4-FFF2-40B4-BE49-F238E27FC236}">
-                  <a16:creationId xmlns:a16="http://schemas.microsoft.com/office/drawing/2014/main" id="{1D7EE23F-4668-2CE1-8169-7B825946B545}"/>
-                </a:ext>
-              </a:extLst>
-            </p:cNvPr>
-            <p:cNvSpPr/>
-            <p:nvPr/>
-          </p:nvSpPr>
-          <p:spPr>
-            <a:xfrm>
-              <a:off x="6692901" y="3429000"/>
-              <a:ext cx="3320142" cy="685800"/>
-            </a:xfrm>
-            <a:prstGeom prst="rect">
-              <a:avLst/>
-            </a:prstGeom>
-          </p:spPr>
-          <p:style>
-            <a:lnRef idx="2">
-              <a:schemeClr val="accent1">
-                <a:shade val="50000"/>
-              </a:schemeClr>
-            </a:lnRef>
-            <a:fillRef idx="1">
-              <a:schemeClr val="accent1"/>
-            </a:fillRef>
-            <a:effectRef idx="0">
-              <a:schemeClr val="accent1"/>
-            </a:effectRef>
-            <a:fontRef idx="minor">
-              <a:schemeClr val="lt1"/>
-            </a:fontRef>
-          </p:style>
-          <p:txBody>
-            <a:bodyPr rtlCol="0" anchor="ctr"/>
-            <a:lstStyle/>
-            <a:p>
-              <a:pPr algn="ctr"/>
-              <a:r>
-                <a:rPr lang="de-DE" dirty="0"/>
-                <a:t>@</a:t>
-              </a:r>
-              <a:r>
-                <a:rPr lang="de-DE" dirty="0" err="1"/>
-                <a:t>RestController</a:t>
-              </a:r>
-              <a:br>
-                <a:rPr lang="de-DE" dirty="0"/>
-              </a:br>
-              <a:r>
-                <a:rPr lang="de-DE" dirty="0"/>
-                <a:t>OtherController2</a:t>
-              </a:r>
-            </a:p>
-          </p:txBody>
-        </p:sp>
-        <p:cxnSp>
-          <p:nvCxnSpPr>
-            <p:cNvPr id="11" name="Gerade Verbindung mit Pfeil 10">
-              <a:extLst>
-                <a:ext uri="{FF2B5EF4-FFF2-40B4-BE49-F238E27FC236}">
-                  <a16:creationId xmlns:a16="http://schemas.microsoft.com/office/drawing/2014/main" id="{935BE337-1825-A642-2304-CA5BBCD5D599}"/>
-                </a:ext>
-              </a:extLst>
-            </p:cNvPr>
-            <p:cNvCxnSpPr>
-              <a:cxnSpLocks/>
-              <a:stCxn id="6" idx="2"/>
-              <a:endCxn id="10" idx="0"/>
-            </p:cNvCxnSpPr>
-            <p:nvPr/>
-          </p:nvCxnSpPr>
-          <p:spPr>
-            <a:xfrm>
-              <a:off x="8352972" y="2176803"/>
-              <a:ext cx="0" cy="1252197"/>
-            </a:xfrm>
-            <a:prstGeom prst="straightConnector1">
-              <a:avLst/>
-            </a:prstGeom>
-            <a:ln w="38100">
-              <a:tailEnd type="triangle"/>
-            </a:ln>
-          </p:spPr>
-          <p:style>
-            <a:lnRef idx="1">
-              <a:schemeClr val="accent1"/>
-            </a:lnRef>
-            <a:fillRef idx="0">
-              <a:schemeClr val="accent1"/>
-            </a:fillRef>
-            <a:effectRef idx="0">
-              <a:schemeClr val="accent1"/>
-            </a:effectRef>
-            <a:fontRef idx="minor">
-              <a:schemeClr val="tx1"/>
-            </a:fontRef>
-          </p:style>
-        </p:cxnSp>
-        <p:sp>
-          <p:nvSpPr>
-            <p:cNvPr id="20" name="Rechteck 19">
-              <a:extLst>
-                <a:ext uri="{FF2B5EF4-FFF2-40B4-BE49-F238E27FC236}">
-                  <a16:creationId xmlns:a16="http://schemas.microsoft.com/office/drawing/2014/main" id="{0BEC28F9-305E-755E-C27C-37F0FB3EE738}"/>
-                </a:ext>
-              </a:extLst>
-            </p:cNvPr>
-            <p:cNvSpPr/>
-            <p:nvPr/>
-          </p:nvSpPr>
-          <p:spPr>
-            <a:xfrm>
-              <a:off x="5163458" y="4940300"/>
-              <a:ext cx="3320142" cy="685800"/>
-            </a:xfrm>
-            <a:prstGeom prst="rect">
-              <a:avLst/>
-            </a:prstGeom>
-            <a:solidFill>
-              <a:schemeClr val="accent6"/>
-            </a:solidFill>
-          </p:spPr>
-          <p:style>
-            <a:lnRef idx="2">
-              <a:schemeClr val="accent1">
-                <a:shade val="50000"/>
-              </a:schemeClr>
-            </a:lnRef>
-            <a:fillRef idx="1">
-              <a:schemeClr val="accent1"/>
-            </a:fillRef>
-            <a:effectRef idx="0">
-              <a:schemeClr val="accent1"/>
-            </a:effectRef>
-            <a:fontRef idx="minor">
-              <a:schemeClr val="lt1"/>
-            </a:fontRef>
-          </p:style>
-          <p:txBody>
-            <a:bodyPr rtlCol="0" anchor="ctr"/>
-            <a:lstStyle/>
-            <a:p>
-              <a:pPr algn="ctr"/>
-              <a:r>
-                <a:rPr lang="de-DE" dirty="0"/>
-                <a:t>@Service</a:t>
-              </a:r>
-              <a:br>
-                <a:rPr lang="de-DE" dirty="0"/>
-              </a:br>
-              <a:r>
-                <a:rPr lang="de-DE" dirty="0"/>
-                <a:t>AnotherService2</a:t>
-              </a:r>
-            </a:p>
-          </p:txBody>
-        </p:sp>
-        <p:sp>
-          <p:nvSpPr>
-            <p:cNvPr id="21" name="Rechteck 20">
-              <a:extLst>
-                <a:ext uri="{FF2B5EF4-FFF2-40B4-BE49-F238E27FC236}">
-                  <a16:creationId xmlns:a16="http://schemas.microsoft.com/office/drawing/2014/main" id="{EA51C038-3DB5-C517-7FFA-5B5AA0844A98}"/>
-                </a:ext>
-              </a:extLst>
-            </p:cNvPr>
-            <p:cNvSpPr/>
-            <p:nvPr/>
-          </p:nvSpPr>
-          <p:spPr>
-            <a:xfrm>
-              <a:off x="8601528" y="4940300"/>
-              <a:ext cx="3320142" cy="685800"/>
-            </a:xfrm>
-            <a:prstGeom prst="rect">
-              <a:avLst/>
-            </a:prstGeom>
-            <a:solidFill>
-              <a:schemeClr val="accent6"/>
-            </a:solidFill>
-          </p:spPr>
-          <p:style>
-            <a:lnRef idx="2">
-              <a:schemeClr val="accent1">
-                <a:shade val="50000"/>
-              </a:schemeClr>
-            </a:lnRef>
-            <a:fillRef idx="1">
-              <a:schemeClr val="accent1"/>
-            </a:fillRef>
-            <a:effectRef idx="0">
-              <a:schemeClr val="accent1"/>
-            </a:effectRef>
-            <a:fontRef idx="minor">
-              <a:schemeClr val="lt1"/>
-            </a:fontRef>
-          </p:style>
-          <p:txBody>
-            <a:bodyPr rtlCol="0" anchor="ctr"/>
-            <a:lstStyle/>
-            <a:p>
-              <a:pPr algn="ctr"/>
-              <a:r>
-                <a:rPr lang="de-DE" dirty="0"/>
-                <a:t>@Service</a:t>
-              </a:r>
-              <a:br>
-                <a:rPr lang="de-DE" dirty="0"/>
-              </a:br>
-              <a:r>
-                <a:rPr lang="de-DE" dirty="0"/>
-                <a:t>YetAnotherService2</a:t>
-              </a:r>
-            </a:p>
-          </p:txBody>
-        </p:sp>
-        <p:cxnSp>
-          <p:nvCxnSpPr>
-            <p:cNvPr id="23" name="Gerade Verbindung mit Pfeil 22">
-              <a:extLst>
-                <a:ext uri="{FF2B5EF4-FFF2-40B4-BE49-F238E27FC236}">
-                  <a16:creationId xmlns:a16="http://schemas.microsoft.com/office/drawing/2014/main" id="{B2A5D451-99BD-5A95-64ED-75FA216988A8}"/>
-                </a:ext>
-              </a:extLst>
-            </p:cNvPr>
-            <p:cNvCxnSpPr>
-              <a:cxnSpLocks/>
-              <a:stCxn id="10" idx="2"/>
-              <a:endCxn id="21" idx="0"/>
-            </p:cNvCxnSpPr>
-            <p:nvPr/>
-          </p:nvCxnSpPr>
-          <p:spPr>
-            <a:xfrm>
-              <a:off x="8352972" y="4114800"/>
-              <a:ext cx="1908627" cy="825500"/>
-            </a:xfrm>
-            <a:prstGeom prst="straightConnector1">
-              <a:avLst/>
-            </a:prstGeom>
-            <a:ln w="38100">
-              <a:tailEnd type="triangle"/>
-            </a:ln>
-          </p:spPr>
-          <p:style>
-            <a:lnRef idx="1">
-              <a:schemeClr val="accent1"/>
-            </a:lnRef>
-            <a:fillRef idx="0">
-              <a:schemeClr val="accent1"/>
-            </a:fillRef>
-            <a:effectRef idx="0">
-              <a:schemeClr val="accent1"/>
-            </a:effectRef>
-            <a:fontRef idx="minor">
-              <a:schemeClr val="tx1"/>
-            </a:fontRef>
-          </p:style>
-        </p:cxnSp>
-        <p:cxnSp>
-          <p:nvCxnSpPr>
-            <p:cNvPr id="26" name="Gerade Verbindung mit Pfeil 25">
-              <a:extLst>
-                <a:ext uri="{FF2B5EF4-FFF2-40B4-BE49-F238E27FC236}">
-                  <a16:creationId xmlns:a16="http://schemas.microsoft.com/office/drawing/2014/main" id="{1828FDE8-A596-C30A-D720-A2BAA9D1D597}"/>
-                </a:ext>
-              </a:extLst>
-            </p:cNvPr>
-            <p:cNvCxnSpPr>
-              <a:cxnSpLocks/>
-              <a:stCxn id="10" idx="2"/>
-              <a:endCxn id="20" idx="0"/>
-            </p:cNvCxnSpPr>
-            <p:nvPr/>
-          </p:nvCxnSpPr>
-          <p:spPr>
-            <a:xfrm flipH="1">
-              <a:off x="6823529" y="4114800"/>
-              <a:ext cx="1529443" cy="825500"/>
-            </a:xfrm>
-            <a:prstGeom prst="straightConnector1">
-              <a:avLst/>
-            </a:prstGeom>
-            <a:ln w="38100">
-              <a:tailEnd type="triangle"/>
-            </a:ln>
-          </p:spPr>
-          <p:style>
-            <a:lnRef idx="1">
-              <a:schemeClr val="accent1"/>
-            </a:lnRef>
-            <a:fillRef idx="0">
-              <a:schemeClr val="accent1"/>
-            </a:fillRef>
-            <a:effectRef idx="0">
-              <a:schemeClr val="accent1"/>
-            </a:effectRef>
-            <a:fontRef idx="minor">
-              <a:schemeClr val="tx1"/>
-            </a:fontRef>
-          </p:style>
-        </p:cxnSp>
-        <p:sp>
-          <p:nvSpPr>
-            <p:cNvPr id="29" name="Rechteck 28">
-              <a:extLst>
-                <a:ext uri="{FF2B5EF4-FFF2-40B4-BE49-F238E27FC236}">
-                  <a16:creationId xmlns:a16="http://schemas.microsoft.com/office/drawing/2014/main" id="{7F9B6B58-AD4B-2EE2-0C33-A5FC60A30E22}"/>
-                </a:ext>
-              </a:extLst>
-            </p:cNvPr>
-            <p:cNvSpPr/>
-            <p:nvPr/>
-          </p:nvSpPr>
-          <p:spPr>
-            <a:xfrm>
-              <a:off x="5163458" y="6108700"/>
-              <a:ext cx="3320142" cy="685800"/>
-            </a:xfrm>
-            <a:prstGeom prst="rect">
-              <a:avLst/>
-            </a:prstGeom>
-            <a:solidFill>
-              <a:schemeClr val="accent6"/>
-            </a:solidFill>
-          </p:spPr>
-          <p:style>
-            <a:lnRef idx="2">
-              <a:schemeClr val="accent1">
-                <a:shade val="50000"/>
-              </a:schemeClr>
-            </a:lnRef>
-            <a:fillRef idx="1">
-              <a:schemeClr val="accent1"/>
-            </a:fillRef>
-            <a:effectRef idx="0">
-              <a:schemeClr val="accent1"/>
-            </a:effectRef>
-            <a:fontRef idx="minor">
-              <a:schemeClr val="lt1"/>
-            </a:fontRef>
-          </p:style>
-          <p:txBody>
-            <a:bodyPr rtlCol="0" anchor="ctr"/>
-            <a:lstStyle/>
-            <a:p>
-              <a:pPr algn="ctr"/>
-              <a:r>
-                <a:rPr lang="de-DE" dirty="0"/>
-                <a:t>@Service</a:t>
-              </a:r>
-              <a:br>
-                <a:rPr lang="de-DE" dirty="0"/>
-              </a:br>
-              <a:r>
-                <a:rPr lang="de-DE" dirty="0"/>
-                <a:t>SubService2</a:t>
-              </a:r>
-            </a:p>
-          </p:txBody>
-        </p:sp>
-        <p:cxnSp>
-          <p:nvCxnSpPr>
-            <p:cNvPr id="30" name="Gerade Verbindung mit Pfeil 29">
-              <a:extLst>
-                <a:ext uri="{FF2B5EF4-FFF2-40B4-BE49-F238E27FC236}">
-                  <a16:creationId xmlns:a16="http://schemas.microsoft.com/office/drawing/2014/main" id="{8CCFEBB7-52A2-BCE3-F9E4-312736E93D3F}"/>
-                </a:ext>
-              </a:extLst>
-            </p:cNvPr>
-            <p:cNvCxnSpPr>
-              <a:cxnSpLocks/>
-              <a:stCxn id="20" idx="2"/>
-              <a:endCxn id="29" idx="0"/>
-            </p:cNvCxnSpPr>
-            <p:nvPr/>
-          </p:nvCxnSpPr>
-          <p:spPr>
-            <a:xfrm>
-              <a:off x="6823529" y="5626100"/>
-              <a:ext cx="0" cy="482600"/>
-            </a:xfrm>
-            <a:prstGeom prst="straightConnector1">
-              <a:avLst/>
-            </a:prstGeom>
-            <a:ln w="38100">
-              <a:tailEnd type="triangle"/>
-            </a:ln>
-          </p:spPr>
-          <p:style>
-            <a:lnRef idx="1">
-              <a:schemeClr val="accent1"/>
-            </a:lnRef>
-            <a:fillRef idx="0">
-              <a:schemeClr val="accent1"/>
-            </a:fillRef>
-            <a:effectRef idx="0">
-              <a:schemeClr val="accent1"/>
-            </a:effectRef>
-            <a:fontRef idx="minor">
-              <a:schemeClr val="tx1"/>
-            </a:fontRef>
-          </p:style>
-        </p:cxnSp>
-      </p:grpSp>
-      <p:grpSp>
-        <p:nvGrpSpPr>
-          <p:cNvPr id="18" name="Gruppieren 17">
-            <a:extLst>
-              <a:ext uri="{FF2B5EF4-FFF2-40B4-BE49-F238E27FC236}">
-                <a16:creationId xmlns:a16="http://schemas.microsoft.com/office/drawing/2014/main" id="{6E0494A1-F17E-C1A1-BDFE-BA33F82A17F5}"/>
-              </a:ext>
-            </a:extLst>
-          </p:cNvPr>
-          <p:cNvGrpSpPr/>
-          <p:nvPr/>
-        </p:nvGrpSpPr>
-        <p:grpSpPr>
-          <a:xfrm>
-            <a:off x="65317" y="1534206"/>
-            <a:ext cx="4849585" cy="5303497"/>
-            <a:chOff x="5163458" y="1491003"/>
-            <a:chExt cx="4849585" cy="5303497"/>
-          </a:xfrm>
-        </p:grpSpPr>
-        <p:sp>
-          <p:nvSpPr>
-            <p:cNvPr id="19" name="Rechteck 18">
-              <a:extLst>
-                <a:ext uri="{FF2B5EF4-FFF2-40B4-BE49-F238E27FC236}">
-                  <a16:creationId xmlns:a16="http://schemas.microsoft.com/office/drawing/2014/main" id="{A47B5E26-0EDF-C158-EBA0-6BF1021EE9BB}"/>
-                </a:ext>
-              </a:extLst>
-            </p:cNvPr>
-            <p:cNvSpPr/>
-            <p:nvPr/>
-          </p:nvSpPr>
-          <p:spPr>
-            <a:xfrm>
-              <a:off x="6692901" y="1491003"/>
-              <a:ext cx="3320142" cy="685800"/>
-            </a:xfrm>
-            <a:prstGeom prst="rect">
-              <a:avLst/>
-            </a:prstGeom>
-            <a:solidFill>
-              <a:schemeClr val="accent2"/>
-            </a:solidFill>
-          </p:spPr>
-          <p:style>
-            <a:lnRef idx="2">
-              <a:schemeClr val="accent1">
-                <a:shade val="50000"/>
-              </a:schemeClr>
-            </a:lnRef>
-            <a:fillRef idx="1">
-              <a:schemeClr val="accent1"/>
-            </a:fillRef>
-            <a:effectRef idx="0">
-              <a:schemeClr val="accent1"/>
-            </a:effectRef>
-            <a:fontRef idx="minor">
-              <a:schemeClr val="lt1"/>
-            </a:fontRef>
-          </p:style>
-          <p:txBody>
-            <a:bodyPr rtlCol="0" anchor="ctr"/>
-            <a:lstStyle/>
-            <a:p>
-              <a:pPr algn="ctr"/>
-              <a:r>
-                <a:rPr lang="de-DE" dirty="0"/>
-                <a:t>@</a:t>
-              </a:r>
-              <a:r>
-                <a:rPr lang="de-DE" dirty="0" err="1"/>
-                <a:t>SpringBootApplication</a:t>
-              </a:r>
-              <a:br>
-                <a:rPr lang="de-DE" dirty="0"/>
-              </a:br>
-              <a:r>
-                <a:rPr lang="de-DE" dirty="0"/>
-                <a:t>StarterApplication1</a:t>
-              </a:r>
-            </a:p>
-          </p:txBody>
-        </p:sp>
-        <p:sp>
-          <p:nvSpPr>
-            <p:cNvPr id="22" name="Rechteck 21">
-              <a:extLst>
-                <a:ext uri="{FF2B5EF4-FFF2-40B4-BE49-F238E27FC236}">
-                  <a16:creationId xmlns:a16="http://schemas.microsoft.com/office/drawing/2014/main" id="{7589F2FB-2076-E6CE-6522-3C229DD88B4C}"/>
-                </a:ext>
-              </a:extLst>
-            </p:cNvPr>
-            <p:cNvSpPr/>
-            <p:nvPr/>
-          </p:nvSpPr>
-          <p:spPr>
-            <a:xfrm>
-              <a:off x="6692901" y="3429000"/>
-              <a:ext cx="3320142" cy="685800"/>
-            </a:xfrm>
-            <a:prstGeom prst="rect">
-              <a:avLst/>
-            </a:prstGeom>
-          </p:spPr>
-          <p:style>
-            <a:lnRef idx="2">
-              <a:schemeClr val="accent1">
-                <a:shade val="50000"/>
-              </a:schemeClr>
-            </a:lnRef>
-            <a:fillRef idx="1">
-              <a:schemeClr val="accent1"/>
-            </a:fillRef>
-            <a:effectRef idx="0">
-              <a:schemeClr val="accent1"/>
-            </a:effectRef>
-            <a:fontRef idx="minor">
-              <a:schemeClr val="lt1"/>
-            </a:fontRef>
-          </p:style>
-          <p:txBody>
-            <a:bodyPr rtlCol="0" anchor="ctr"/>
-            <a:lstStyle/>
-            <a:p>
-              <a:pPr algn="ctr"/>
-              <a:r>
-                <a:rPr lang="de-DE" dirty="0"/>
-                <a:t>@</a:t>
-              </a:r>
-              <a:r>
-                <a:rPr lang="de-DE" dirty="0" err="1"/>
-                <a:t>RestController</a:t>
-              </a:r>
-              <a:br>
-                <a:rPr lang="de-DE" dirty="0"/>
-              </a:br>
-              <a:r>
-                <a:rPr lang="de-DE" dirty="0"/>
-                <a:t>OtherController1</a:t>
-              </a:r>
-            </a:p>
-          </p:txBody>
-        </p:sp>
-        <p:cxnSp>
-          <p:nvCxnSpPr>
-            <p:cNvPr id="24" name="Gerade Verbindung mit Pfeil 23">
-              <a:extLst>
-                <a:ext uri="{FF2B5EF4-FFF2-40B4-BE49-F238E27FC236}">
-                  <a16:creationId xmlns:a16="http://schemas.microsoft.com/office/drawing/2014/main" id="{4D5F9213-B800-A89B-E38D-37102A0BD698}"/>
-                </a:ext>
-              </a:extLst>
-            </p:cNvPr>
-            <p:cNvCxnSpPr>
-              <a:cxnSpLocks/>
-              <a:stCxn id="19" idx="2"/>
-              <a:endCxn id="22" idx="0"/>
-            </p:cNvCxnSpPr>
-            <p:nvPr/>
-          </p:nvCxnSpPr>
-          <p:spPr>
-            <a:xfrm>
-              <a:off x="8352972" y="2176803"/>
-              <a:ext cx="0" cy="1252197"/>
-            </a:xfrm>
-            <a:prstGeom prst="straightConnector1">
-              <a:avLst/>
-            </a:prstGeom>
-            <a:ln w="38100">
-              <a:tailEnd type="triangle"/>
-            </a:ln>
-          </p:spPr>
-          <p:style>
-            <a:lnRef idx="1">
-              <a:schemeClr val="accent1"/>
-            </a:lnRef>
-            <a:fillRef idx="0">
-              <a:schemeClr val="accent1"/>
-            </a:fillRef>
-            <a:effectRef idx="0">
-              <a:schemeClr val="accent1"/>
-            </a:effectRef>
-            <a:fontRef idx="minor">
-              <a:schemeClr val="tx1"/>
-            </a:fontRef>
-          </p:style>
-        </p:cxnSp>
-        <p:sp>
-          <p:nvSpPr>
-            <p:cNvPr id="25" name="Rechteck 24">
-              <a:extLst>
-                <a:ext uri="{FF2B5EF4-FFF2-40B4-BE49-F238E27FC236}">
-                  <a16:creationId xmlns:a16="http://schemas.microsoft.com/office/drawing/2014/main" id="{6DEEBBEE-B7FB-BE68-C60B-1527E22EEBCD}"/>
-                </a:ext>
-              </a:extLst>
-            </p:cNvPr>
-            <p:cNvSpPr/>
-            <p:nvPr/>
-          </p:nvSpPr>
-          <p:spPr>
-            <a:xfrm>
-              <a:off x="5163458" y="4940300"/>
-              <a:ext cx="3320142" cy="685800"/>
-            </a:xfrm>
-            <a:prstGeom prst="rect">
-              <a:avLst/>
-            </a:prstGeom>
-            <a:solidFill>
-              <a:schemeClr val="accent6"/>
-            </a:solidFill>
-          </p:spPr>
-          <p:style>
-            <a:lnRef idx="2">
-              <a:schemeClr val="accent1">
-                <a:shade val="50000"/>
-              </a:schemeClr>
-            </a:lnRef>
-            <a:fillRef idx="1">
-              <a:schemeClr val="accent1"/>
-            </a:fillRef>
-            <a:effectRef idx="0">
-              <a:schemeClr val="accent1"/>
-            </a:effectRef>
-            <a:fontRef idx="minor">
-              <a:schemeClr val="lt1"/>
-            </a:fontRef>
-          </p:style>
-          <p:txBody>
-            <a:bodyPr rtlCol="0" anchor="ctr"/>
-            <a:lstStyle/>
-            <a:p>
-              <a:pPr algn="ctr"/>
-              <a:r>
-                <a:rPr lang="de-DE" dirty="0"/>
-                <a:t>@Service</a:t>
-              </a:r>
-              <a:br>
-                <a:rPr lang="de-DE" dirty="0"/>
-              </a:br>
-              <a:r>
-                <a:rPr lang="de-DE" dirty="0"/>
-                <a:t>AnotherService1</a:t>
-              </a:r>
-            </a:p>
-          </p:txBody>
-        </p:sp>
-        <p:cxnSp>
-          <p:nvCxnSpPr>
-            <p:cNvPr id="31" name="Gerade Verbindung mit Pfeil 30">
-              <a:extLst>
-                <a:ext uri="{FF2B5EF4-FFF2-40B4-BE49-F238E27FC236}">
-                  <a16:creationId xmlns:a16="http://schemas.microsoft.com/office/drawing/2014/main" id="{76BD43A4-B4CB-69D3-3812-F057451D519E}"/>
-                </a:ext>
-              </a:extLst>
-            </p:cNvPr>
-            <p:cNvCxnSpPr>
-              <a:cxnSpLocks/>
-              <a:stCxn id="22" idx="2"/>
-              <a:endCxn id="25" idx="0"/>
-            </p:cNvCxnSpPr>
-            <p:nvPr/>
-          </p:nvCxnSpPr>
-          <p:spPr>
-            <a:xfrm flipH="1">
-              <a:off x="6823529" y="4114800"/>
-              <a:ext cx="1529443" cy="825500"/>
-            </a:xfrm>
-            <a:prstGeom prst="straightConnector1">
-              <a:avLst/>
-            </a:prstGeom>
-            <a:ln w="38100">
-              <a:tailEnd type="triangle"/>
-            </a:ln>
-          </p:spPr>
-          <p:style>
-            <a:lnRef idx="1">
-              <a:schemeClr val="accent1"/>
-            </a:lnRef>
-            <a:fillRef idx="0">
-              <a:schemeClr val="accent1"/>
-            </a:fillRef>
-            <a:effectRef idx="0">
-              <a:schemeClr val="accent1"/>
-            </a:effectRef>
-            <a:fontRef idx="minor">
-              <a:schemeClr val="tx1"/>
-            </a:fontRef>
-          </p:style>
-        </p:cxnSp>
-        <p:sp>
-          <p:nvSpPr>
-            <p:cNvPr id="32" name="Rechteck 31">
-              <a:extLst>
-                <a:ext uri="{FF2B5EF4-FFF2-40B4-BE49-F238E27FC236}">
-                  <a16:creationId xmlns:a16="http://schemas.microsoft.com/office/drawing/2014/main" id="{DE7E185F-3A61-3191-BF30-4BAE9B5E6BF6}"/>
-                </a:ext>
-              </a:extLst>
-            </p:cNvPr>
-            <p:cNvSpPr/>
-            <p:nvPr/>
-          </p:nvSpPr>
-          <p:spPr>
-            <a:xfrm>
-              <a:off x="5163458" y="6108700"/>
-              <a:ext cx="3320142" cy="685800"/>
-            </a:xfrm>
-            <a:prstGeom prst="rect">
-              <a:avLst/>
-            </a:prstGeom>
-            <a:solidFill>
-              <a:schemeClr val="accent6"/>
-            </a:solidFill>
-          </p:spPr>
-          <p:style>
-            <a:lnRef idx="2">
-              <a:schemeClr val="accent1">
-                <a:shade val="50000"/>
-              </a:schemeClr>
-            </a:lnRef>
-            <a:fillRef idx="1">
-              <a:schemeClr val="accent1"/>
-            </a:fillRef>
-            <a:effectRef idx="0">
-              <a:schemeClr val="accent1"/>
-            </a:effectRef>
-            <a:fontRef idx="minor">
-              <a:schemeClr val="lt1"/>
-            </a:fontRef>
-          </p:style>
-          <p:txBody>
-            <a:bodyPr rtlCol="0" anchor="ctr"/>
-            <a:lstStyle/>
-            <a:p>
-              <a:pPr algn="ctr"/>
-              <a:r>
-                <a:rPr lang="de-DE" dirty="0"/>
-                <a:t>@Service</a:t>
-              </a:r>
-              <a:br>
-                <a:rPr lang="de-DE" dirty="0"/>
-              </a:br>
-              <a:r>
-                <a:rPr lang="de-DE" dirty="0"/>
-                <a:t>SubService1</a:t>
-              </a:r>
-            </a:p>
-          </p:txBody>
-        </p:sp>
-        <p:cxnSp>
-          <p:nvCxnSpPr>
-            <p:cNvPr id="33" name="Gerade Verbindung mit Pfeil 32">
-              <a:extLst>
-                <a:ext uri="{FF2B5EF4-FFF2-40B4-BE49-F238E27FC236}">
-                  <a16:creationId xmlns:a16="http://schemas.microsoft.com/office/drawing/2014/main" id="{C37F8B4D-FB24-089E-987C-E59DD21B44A4}"/>
-                </a:ext>
-              </a:extLst>
-            </p:cNvPr>
-            <p:cNvCxnSpPr>
-              <a:cxnSpLocks/>
-              <a:stCxn id="25" idx="2"/>
-              <a:endCxn id="32" idx="0"/>
-            </p:cNvCxnSpPr>
-            <p:nvPr/>
-          </p:nvCxnSpPr>
-          <p:spPr>
-            <a:xfrm>
-              <a:off x="6823529" y="5626100"/>
-              <a:ext cx="0" cy="482600"/>
-            </a:xfrm>
-            <a:prstGeom prst="straightConnector1">
-              <a:avLst/>
-            </a:prstGeom>
-            <a:ln w="38100">
-              <a:tailEnd type="triangle"/>
-            </a:ln>
-          </p:spPr>
-          <p:style>
-            <a:lnRef idx="1">
-              <a:schemeClr val="accent1"/>
-            </a:lnRef>
-            <a:fillRef idx="0">
-              <a:schemeClr val="accent1"/>
-            </a:fillRef>
-            <a:effectRef idx="0">
-              <a:schemeClr val="accent1"/>
-            </a:effectRef>
-            <a:fontRef idx="minor">
-              <a:schemeClr val="tx1"/>
-            </a:fontRef>
-          </p:style>
-        </p:cxnSp>
-      </p:grpSp>
-      <p:grpSp>
-        <p:nvGrpSpPr>
-          <p:cNvPr id="13" name="Gruppieren 12">
-            <a:extLst>
-              <a:ext uri="{FF2B5EF4-FFF2-40B4-BE49-F238E27FC236}">
-                <a16:creationId xmlns:a16="http://schemas.microsoft.com/office/drawing/2014/main" id="{EAB2DF71-0B5A-2D66-7E51-6C06E8AB8803}"/>
-              </a:ext>
-            </a:extLst>
-          </p:cNvPr>
-          <p:cNvGrpSpPr/>
-          <p:nvPr/>
-        </p:nvGrpSpPr>
-        <p:grpSpPr>
-          <a:xfrm>
-            <a:off x="3385459" y="1833903"/>
-            <a:ext cx="3643239" cy="4660900"/>
-            <a:chOff x="3385459" y="1833903"/>
-            <a:chExt cx="3643239" cy="4660900"/>
-          </a:xfrm>
-        </p:grpSpPr>
-        <p:cxnSp>
-          <p:nvCxnSpPr>
-            <p:cNvPr id="8" name="Gerade Verbindung mit Pfeil 7">
-              <a:extLst>
-                <a:ext uri="{FF2B5EF4-FFF2-40B4-BE49-F238E27FC236}">
-                  <a16:creationId xmlns:a16="http://schemas.microsoft.com/office/drawing/2014/main" id="{608399C1-311D-C155-AB94-C7FDACB127E2}"/>
-                </a:ext>
-              </a:extLst>
-            </p:cNvPr>
-            <p:cNvCxnSpPr>
-              <a:stCxn id="32" idx="3"/>
-              <a:endCxn id="6" idx="1"/>
-            </p:cNvCxnSpPr>
-            <p:nvPr/>
-          </p:nvCxnSpPr>
-          <p:spPr>
-            <a:xfrm flipV="1">
-              <a:off x="3385459" y="1833903"/>
-              <a:ext cx="3307442" cy="4660900"/>
-            </a:xfrm>
-            <a:prstGeom prst="straightConnector1">
-              <a:avLst/>
-            </a:prstGeom>
-            <a:ln w="38100">
-              <a:solidFill>
-                <a:srgbClr val="FF0000"/>
-              </a:solidFill>
-              <a:tailEnd type="triangle"/>
-            </a:ln>
-          </p:spPr>
-          <p:style>
-            <a:lnRef idx="1">
-              <a:schemeClr val="accent1"/>
-            </a:lnRef>
-            <a:fillRef idx="0">
-              <a:schemeClr val="accent1"/>
-            </a:fillRef>
-            <a:effectRef idx="0">
-              <a:schemeClr val="accent1"/>
-            </a:effectRef>
-            <a:fontRef idx="minor">
-              <a:schemeClr val="tx1"/>
-            </a:fontRef>
-          </p:style>
-        </p:cxnSp>
-        <p:sp>
-          <p:nvSpPr>
-            <p:cNvPr id="12" name="Textfeld 11">
-              <a:extLst>
-                <a:ext uri="{FF2B5EF4-FFF2-40B4-BE49-F238E27FC236}">
-                  <a16:creationId xmlns:a16="http://schemas.microsoft.com/office/drawing/2014/main" id="{A7A14BBD-2626-FB21-FFD9-09C88A0F5360}"/>
-                </a:ext>
-              </a:extLst>
-            </p:cNvPr>
-            <p:cNvSpPr txBox="1"/>
-            <p:nvPr/>
-          </p:nvSpPr>
-          <p:spPr>
-            <a:xfrm>
-              <a:off x="6040222" y="2677937"/>
-              <a:ext cx="988476" cy="369332"/>
-            </a:xfrm>
-            <a:prstGeom prst="rect">
-              <a:avLst/>
-            </a:prstGeom>
-            <a:noFill/>
-          </p:spPr>
-          <p:txBody>
-            <a:bodyPr wrap="none" rtlCol="0">
-              <a:spAutoFit/>
-            </a:bodyPr>
-            <a:lstStyle/>
-            <a:p>
-              <a:r>
-                <a:rPr lang="de-DE" dirty="0"/>
-                <a:t>Rest-Call</a:t>
-              </a:r>
-            </a:p>
-          </p:txBody>
-        </p:sp>
-      </p:grpSp>
+              <a:t> 90</a:t>
+            </a:r>
+          </a:p>
+        </p:txBody>
+      </p:sp>
+      <p:sp>
+        <p:nvSpPr>
+          <p:cNvPr id="3" name="Inhaltsplatzhalter 2">
+            <a:extLst>
+              <a:ext uri="{FF2B5EF4-FFF2-40B4-BE49-F238E27FC236}">
+                <a16:creationId xmlns:a16="http://schemas.microsoft.com/office/drawing/2014/main" id="{2A5EBA90-6155-FD45-A74C-ECC42BCA72DF}"/>
+              </a:ext>
+            </a:extLst>
+          </p:cNvPr>
+          <p:cNvSpPr>
+            <a:spLocks noGrp="1"/>
+          </p:cNvSpPr>
+          <p:nvPr>
+            <p:ph idx="1"/>
+          </p:nvPr>
+        </p:nvSpPr>
+        <p:spPr/>
+        <p:txBody>
+          <a:bodyPr/>
+          <a:lstStyle/>
+          <a:p>
+            <a:r>
+              <a:rPr lang="de-DE" dirty="0"/>
+              <a:t>Thema: Persistenz mit Spring Data</a:t>
+            </a:r>
+          </a:p>
+        </p:txBody>
+      </p:sp>
     </p:spTree>
     <p:extLst>
       <p:ext uri="{BB962C8B-B14F-4D97-AF65-F5344CB8AC3E}">
-        <p14:creationId xmlns:p14="http://schemas.microsoft.com/office/powerpoint/2010/main" val="1629891405"/>
+        <p14:creationId xmlns:p14="http://schemas.microsoft.com/office/powerpoint/2010/main" val="1148256691"/>
       </p:ext>
     </p:extLst>
   </p:cSld>
@@ -13902,3140 +11966,6 @@
             </a:r>
             <a:r>
               <a:rPr lang="de-DE" dirty="0"/>
-              <a:t> 65</a:t>
-            </a:r>
-          </a:p>
-        </p:txBody>
-      </p:sp>
-      <p:sp>
-        <p:nvSpPr>
-          <p:cNvPr id="3" name="Inhaltsplatzhalter 2">
-            <a:extLst>
-              <a:ext uri="{FF2B5EF4-FFF2-40B4-BE49-F238E27FC236}">
-                <a16:creationId xmlns:a16="http://schemas.microsoft.com/office/drawing/2014/main" id="{2A5EBA90-6155-FD45-A74C-ECC42BCA72DF}"/>
-              </a:ext>
-            </a:extLst>
-          </p:cNvPr>
-          <p:cNvSpPr>
-            <a:spLocks noGrp="1"/>
-          </p:cNvSpPr>
-          <p:nvPr>
-            <p:ph idx="1"/>
-          </p:nvPr>
-        </p:nvSpPr>
-        <p:spPr/>
-        <p:txBody>
-          <a:bodyPr/>
-          <a:lstStyle/>
-          <a:p>
-            <a:r>
-              <a:rPr lang="de-DE" dirty="0"/>
-              <a:t>Thema: REST-Endpunkt mit Pfad-Variable</a:t>
-            </a:r>
-          </a:p>
-          <a:p>
-            <a:pPr lvl="1"/>
-            <a:r>
-              <a:rPr lang="de-DE" dirty="0"/>
-              <a:t>Query-Parameter (HTML-Form)</a:t>
-            </a:r>
-          </a:p>
-          <a:p>
-            <a:pPr lvl="2"/>
-            <a:r>
-              <a:rPr lang="de-DE" dirty="0">
-                <a:hlinkClick r:id="rId2"/>
-              </a:rPr>
-              <a:t>http://localhost:8080/api/hello?name=Georg</a:t>
-            </a:r>
-            <a:endParaRPr lang="de-DE" dirty="0"/>
-          </a:p>
-          <a:p>
-            <a:pPr lvl="2"/>
-            <a:r>
-              <a:rPr lang="de-DE" dirty="0">
-                <a:hlinkClick r:id="rId3"/>
-              </a:rPr>
-              <a:t>http://localhost:8080/api/person?id=1</a:t>
-            </a:r>
-            <a:endParaRPr lang="de-DE" dirty="0"/>
-          </a:p>
-          <a:p>
-            <a:pPr lvl="1"/>
-            <a:r>
-              <a:rPr lang="de-DE" dirty="0"/>
-              <a:t>Pfad-Variable</a:t>
-            </a:r>
-          </a:p>
-          <a:p>
-            <a:pPr lvl="2"/>
-            <a:r>
-              <a:rPr lang="de-DE" dirty="0">
-                <a:hlinkClick r:id="rId4"/>
-              </a:rPr>
-              <a:t>http://localhost:8080/api/hello/Georg</a:t>
-            </a:r>
-            <a:endParaRPr lang="de-DE" dirty="0"/>
-          </a:p>
-          <a:p>
-            <a:pPr lvl="2"/>
-            <a:r>
-              <a:rPr lang="de-DE" dirty="0">
-                <a:hlinkClick r:id="rId5"/>
-              </a:rPr>
-              <a:t>http://localhost:8080/api/person/1</a:t>
-            </a:r>
-            <a:endParaRPr lang="de-DE" dirty="0"/>
-          </a:p>
-        </p:txBody>
-      </p:sp>
-    </p:spTree>
-    <p:extLst>
-      <p:ext uri="{BB962C8B-B14F-4D97-AF65-F5344CB8AC3E}">
-        <p14:creationId xmlns:p14="http://schemas.microsoft.com/office/powerpoint/2010/main" val="1108630757"/>
-      </p:ext>
-    </p:extLst>
-  </p:cSld>
-  <p:clrMapOvr>
-    <a:masterClrMapping/>
-  </p:clrMapOvr>
-</p:sld>
-</file>
-
-<file path=ppt/slides/slide43.xml><?xml version="1.0" encoding="utf-8"?>
-<p:sld xmlns:a="http://schemas.openxmlformats.org/drawingml/2006/main" xmlns:r="http://schemas.openxmlformats.org/officeDocument/2006/relationships" xmlns:p="http://schemas.openxmlformats.org/presentationml/2006/main">
-  <p:cSld>
-    <p:spTree>
-      <p:nvGrpSpPr>
-        <p:cNvPr id="1" name=""/>
-        <p:cNvGrpSpPr/>
-        <p:nvPr/>
-      </p:nvGrpSpPr>
-      <p:grpSpPr>
-        <a:xfrm>
-          <a:off x="0" y="0"/>
-          <a:ext cx="0" cy="0"/>
-          <a:chOff x="0" y="0"/>
-          <a:chExt cx="0" cy="0"/>
-        </a:xfrm>
-      </p:grpSpPr>
-      <p:sp>
-        <p:nvSpPr>
-          <p:cNvPr id="2" name="Titel 1">
-            <a:extLst>
-              <a:ext uri="{FF2B5EF4-FFF2-40B4-BE49-F238E27FC236}">
-                <a16:creationId xmlns:a16="http://schemas.microsoft.com/office/drawing/2014/main" id="{0EC7A146-A8F2-A844-9033-A0ACC828AF47}"/>
-              </a:ext>
-            </a:extLst>
-          </p:cNvPr>
-          <p:cNvSpPr>
-            <a:spLocks noGrp="1"/>
-          </p:cNvSpPr>
-          <p:nvPr>
-            <p:ph type="title"/>
-          </p:nvPr>
-        </p:nvSpPr>
-        <p:spPr/>
-        <p:txBody>
-          <a:bodyPr/>
-          <a:lstStyle/>
-          <a:p>
-            <a:r>
-              <a:rPr lang="de-DE" dirty="0" err="1"/>
-              <a:t>Step</a:t>
-            </a:r>
-            <a:r>
-              <a:rPr lang="de-DE" dirty="0"/>
-              <a:t> </a:t>
-            </a:r>
-            <a:r>
-              <a:rPr lang="de-DE" dirty="0" err="1"/>
-              <a:t>calculator</a:t>
-            </a:r>
-            <a:r>
-              <a:rPr lang="de-DE" dirty="0"/>
-              <a:t> 62</a:t>
-            </a:r>
-          </a:p>
-        </p:txBody>
-      </p:sp>
-      <p:sp>
-        <p:nvSpPr>
-          <p:cNvPr id="3" name="Inhaltsplatzhalter 2">
-            <a:extLst>
-              <a:ext uri="{FF2B5EF4-FFF2-40B4-BE49-F238E27FC236}">
-                <a16:creationId xmlns:a16="http://schemas.microsoft.com/office/drawing/2014/main" id="{2A5EBA90-6155-FD45-A74C-ECC42BCA72DF}"/>
-              </a:ext>
-            </a:extLst>
-          </p:cNvPr>
-          <p:cNvSpPr>
-            <a:spLocks noGrp="1"/>
-          </p:cNvSpPr>
-          <p:nvPr>
-            <p:ph idx="1"/>
-          </p:nvPr>
-        </p:nvSpPr>
-        <p:spPr/>
-        <p:txBody>
-          <a:bodyPr>
-            <a:normAutofit/>
-          </a:bodyPr>
-          <a:lstStyle/>
-          <a:p>
-            <a:r>
-              <a:rPr lang="de-DE" dirty="0"/>
-              <a:t>Thema: JSON</a:t>
-            </a:r>
-            <a:endParaRPr lang="de-DE" dirty="0">
-              <a:latin typeface="Courier New" panose="02070309020205020404" pitchFamily="49" charset="0"/>
-              <a:cs typeface="Courier New" panose="02070309020205020404" pitchFamily="49" charset="0"/>
-            </a:endParaRPr>
-          </a:p>
-          <a:p>
-            <a:r>
-              <a:rPr lang="de-DE" dirty="0"/>
-              <a:t>Request </a:t>
-            </a:r>
-            <a:r>
-              <a:rPr lang="de-DE" dirty="0" err="1"/>
-              <a:t>body</a:t>
-            </a:r>
-            <a:r>
-              <a:rPr lang="de-DE" dirty="0"/>
-              <a:t>:</a:t>
-            </a:r>
-          </a:p>
-          <a:p>
-            <a:pPr marL="0" indent="0">
-              <a:buNone/>
-            </a:pPr>
-            <a:r>
-              <a:rPr lang="de-DE" dirty="0">
-                <a:latin typeface="Courier New" panose="02070309020205020404" pitchFamily="49" charset="0"/>
-                <a:cs typeface="Courier New" panose="02070309020205020404" pitchFamily="49" charset="0"/>
-              </a:rPr>
-              <a:t>   {</a:t>
-            </a:r>
-          </a:p>
-          <a:p>
-            <a:pPr marL="0" indent="0">
-              <a:buNone/>
-            </a:pPr>
-            <a:r>
-              <a:rPr lang="de-DE" dirty="0">
-                <a:latin typeface="Courier New" panose="02070309020205020404" pitchFamily="49" charset="0"/>
-                <a:cs typeface="Courier New" panose="02070309020205020404" pitchFamily="49" charset="0"/>
-              </a:rPr>
-              <a:t>      "</a:t>
-            </a:r>
-            <a:r>
-              <a:rPr lang="de-DE" dirty="0" err="1">
-                <a:latin typeface="Courier New" panose="02070309020205020404" pitchFamily="49" charset="0"/>
-                <a:cs typeface="Courier New" panose="02070309020205020404" pitchFamily="49" charset="0"/>
-              </a:rPr>
-              <a:t>firstNumber</a:t>
-            </a:r>
-            <a:r>
-              <a:rPr lang="de-DE" dirty="0">
-                <a:latin typeface="Courier New" panose="02070309020205020404" pitchFamily="49" charset="0"/>
-                <a:cs typeface="Courier New" panose="02070309020205020404" pitchFamily="49" charset="0"/>
-              </a:rPr>
-              <a:t>": 3.0,</a:t>
-            </a:r>
-          </a:p>
-          <a:p>
-            <a:pPr marL="0" indent="0">
-              <a:buNone/>
-            </a:pPr>
-            <a:r>
-              <a:rPr lang="de-DE" dirty="0">
-                <a:latin typeface="Courier New" panose="02070309020205020404" pitchFamily="49" charset="0"/>
-                <a:cs typeface="Courier New" panose="02070309020205020404" pitchFamily="49" charset="0"/>
-              </a:rPr>
-              <a:t>      "</a:t>
-            </a:r>
-            <a:r>
-              <a:rPr lang="de-DE" dirty="0" err="1">
-                <a:latin typeface="Courier New" panose="02070309020205020404" pitchFamily="49" charset="0"/>
-                <a:cs typeface="Courier New" panose="02070309020205020404" pitchFamily="49" charset="0"/>
-              </a:rPr>
-              <a:t>secondNumber</a:t>
-            </a:r>
-            <a:r>
-              <a:rPr lang="de-DE" dirty="0">
-                <a:latin typeface="Courier New" panose="02070309020205020404" pitchFamily="49" charset="0"/>
-                <a:cs typeface="Courier New" panose="02070309020205020404" pitchFamily="49" charset="0"/>
-              </a:rPr>
-              <a:t>": 4.0,</a:t>
-            </a:r>
-          </a:p>
-          <a:p>
-            <a:pPr marL="0" indent="0">
-              <a:buNone/>
-            </a:pPr>
-            <a:r>
-              <a:rPr lang="de-DE" dirty="0">
-                <a:latin typeface="Courier New" panose="02070309020205020404" pitchFamily="49" charset="0"/>
-                <a:cs typeface="Courier New" panose="02070309020205020404" pitchFamily="49" charset="0"/>
-              </a:rPr>
-              <a:t>      "</a:t>
-            </a:r>
-            <a:r>
-              <a:rPr lang="de-DE" dirty="0" err="1">
-                <a:latin typeface="Courier New" panose="02070309020205020404" pitchFamily="49" charset="0"/>
-                <a:cs typeface="Courier New" panose="02070309020205020404" pitchFamily="49" charset="0"/>
-              </a:rPr>
-              <a:t>operator</a:t>
-            </a:r>
-            <a:r>
-              <a:rPr lang="de-DE" dirty="0">
-                <a:latin typeface="Courier New" panose="02070309020205020404" pitchFamily="49" charset="0"/>
-                <a:cs typeface="Courier New" panose="02070309020205020404" pitchFamily="49" charset="0"/>
-              </a:rPr>
-              <a:t>": "+"</a:t>
-            </a:r>
-          </a:p>
-          <a:p>
-            <a:pPr marL="0" indent="0">
-              <a:buNone/>
-            </a:pPr>
-            <a:r>
-              <a:rPr lang="de-DE" dirty="0">
-                <a:latin typeface="Courier New" panose="02070309020205020404" pitchFamily="49" charset="0"/>
-                <a:cs typeface="Courier New" panose="02070309020205020404" pitchFamily="49" charset="0"/>
-              </a:rPr>
-              <a:t>   }</a:t>
-            </a:r>
-          </a:p>
-          <a:p>
-            <a:r>
-              <a:rPr lang="de-DE" dirty="0"/>
-              <a:t>Repräsentiert durch: </a:t>
-            </a:r>
-            <a:r>
-              <a:rPr lang="de-DE" dirty="0" err="1">
-                <a:latin typeface="Courier New" panose="02070309020205020404" pitchFamily="49" charset="0"/>
-                <a:cs typeface="Courier New" panose="02070309020205020404" pitchFamily="49" charset="0"/>
-              </a:rPr>
-              <a:t>CalculatorRequestRepresentation</a:t>
-            </a:r>
-            <a:endParaRPr lang="de-DE" dirty="0">
-              <a:latin typeface="Courier New" panose="02070309020205020404" pitchFamily="49" charset="0"/>
-              <a:cs typeface="Courier New" panose="02070309020205020404" pitchFamily="49" charset="0"/>
-            </a:endParaRPr>
-          </a:p>
-        </p:txBody>
-      </p:sp>
-    </p:spTree>
-    <p:extLst>
-      <p:ext uri="{BB962C8B-B14F-4D97-AF65-F5344CB8AC3E}">
-        <p14:creationId xmlns:p14="http://schemas.microsoft.com/office/powerpoint/2010/main" val="2804024451"/>
-      </p:ext>
-    </p:extLst>
-  </p:cSld>
-  <p:clrMapOvr>
-    <a:masterClrMapping/>
-  </p:clrMapOvr>
-</p:sld>
-</file>
-
-<file path=ppt/slides/slide44.xml><?xml version="1.0" encoding="utf-8"?>
-<p:sld xmlns:a="http://schemas.openxmlformats.org/drawingml/2006/main" xmlns:r="http://schemas.openxmlformats.org/officeDocument/2006/relationships" xmlns:p="http://schemas.openxmlformats.org/presentationml/2006/main">
-  <p:cSld>
-    <p:spTree>
-      <p:nvGrpSpPr>
-        <p:cNvPr id="1" name=""/>
-        <p:cNvGrpSpPr/>
-        <p:nvPr/>
-      </p:nvGrpSpPr>
-      <p:grpSpPr>
-        <a:xfrm>
-          <a:off x="0" y="0"/>
-          <a:ext cx="0" cy="0"/>
-          <a:chOff x="0" y="0"/>
-          <a:chExt cx="0" cy="0"/>
-        </a:xfrm>
-      </p:grpSpPr>
-      <p:sp>
-        <p:nvSpPr>
-          <p:cNvPr id="2" name="Titel 1">
-            <a:extLst>
-              <a:ext uri="{FF2B5EF4-FFF2-40B4-BE49-F238E27FC236}">
-                <a16:creationId xmlns:a16="http://schemas.microsoft.com/office/drawing/2014/main" id="{0EC7A146-A8F2-A844-9033-A0ACC828AF47}"/>
-              </a:ext>
-            </a:extLst>
-          </p:cNvPr>
-          <p:cNvSpPr>
-            <a:spLocks noGrp="1"/>
-          </p:cNvSpPr>
-          <p:nvPr>
-            <p:ph type="title"/>
-          </p:nvPr>
-        </p:nvSpPr>
-        <p:spPr/>
-        <p:txBody>
-          <a:bodyPr/>
-          <a:lstStyle/>
-          <a:p>
-            <a:r>
-              <a:rPr lang="de-DE" dirty="0" err="1"/>
-              <a:t>Step</a:t>
-            </a:r>
-            <a:r>
-              <a:rPr lang="de-DE" dirty="0"/>
-              <a:t> </a:t>
-            </a:r>
-            <a:r>
-              <a:rPr lang="de-DE" dirty="0" err="1"/>
-              <a:t>calculator</a:t>
-            </a:r>
-            <a:r>
-              <a:rPr lang="de-DE" dirty="0"/>
-              <a:t> 62</a:t>
-            </a:r>
-          </a:p>
-        </p:txBody>
-      </p:sp>
-      <p:sp>
-        <p:nvSpPr>
-          <p:cNvPr id="3" name="Inhaltsplatzhalter 2">
-            <a:extLst>
-              <a:ext uri="{FF2B5EF4-FFF2-40B4-BE49-F238E27FC236}">
-                <a16:creationId xmlns:a16="http://schemas.microsoft.com/office/drawing/2014/main" id="{2A5EBA90-6155-FD45-A74C-ECC42BCA72DF}"/>
-              </a:ext>
-            </a:extLst>
-          </p:cNvPr>
-          <p:cNvSpPr>
-            <a:spLocks noGrp="1"/>
-          </p:cNvSpPr>
-          <p:nvPr>
-            <p:ph idx="1"/>
-          </p:nvPr>
-        </p:nvSpPr>
-        <p:spPr/>
-        <p:txBody>
-          <a:bodyPr>
-            <a:normAutofit/>
-          </a:bodyPr>
-          <a:lstStyle/>
-          <a:p>
-            <a:r>
-              <a:rPr lang="de-DE" dirty="0"/>
-              <a:t>Thema: JSON</a:t>
-            </a:r>
-            <a:endParaRPr lang="de-DE" dirty="0">
-              <a:latin typeface="Courier New" panose="02070309020205020404" pitchFamily="49" charset="0"/>
-              <a:cs typeface="Courier New" panose="02070309020205020404" pitchFamily="49" charset="0"/>
-            </a:endParaRPr>
-          </a:p>
-          <a:p>
-            <a:r>
-              <a:rPr lang="de-DE" dirty="0"/>
-              <a:t>Response </a:t>
-            </a:r>
-            <a:r>
-              <a:rPr lang="de-DE" dirty="0" err="1"/>
-              <a:t>body</a:t>
-            </a:r>
-            <a:r>
-              <a:rPr lang="de-DE" dirty="0"/>
-              <a:t>:</a:t>
-            </a:r>
-          </a:p>
-          <a:p>
-            <a:pPr marL="0" indent="0">
-              <a:buNone/>
-            </a:pPr>
-            <a:r>
-              <a:rPr lang="de-DE" dirty="0">
-                <a:latin typeface="Courier New" panose="02070309020205020404" pitchFamily="49" charset="0"/>
-                <a:cs typeface="Courier New" panose="02070309020205020404" pitchFamily="49" charset="0"/>
-              </a:rPr>
-              <a:t>   {</a:t>
-            </a:r>
-          </a:p>
-          <a:p>
-            <a:pPr marL="0" indent="0">
-              <a:buNone/>
-            </a:pPr>
-            <a:r>
-              <a:rPr lang="de-DE" dirty="0">
-                <a:latin typeface="Courier New" panose="02070309020205020404" pitchFamily="49" charset="0"/>
-                <a:cs typeface="Courier New" panose="02070309020205020404" pitchFamily="49" charset="0"/>
-              </a:rPr>
-              <a:t>      "</a:t>
-            </a:r>
-            <a:r>
-              <a:rPr lang="de-DE" dirty="0" err="1">
-                <a:latin typeface="Courier New" panose="02070309020205020404" pitchFamily="49" charset="0"/>
-                <a:cs typeface="Courier New" panose="02070309020205020404" pitchFamily="49" charset="0"/>
-              </a:rPr>
-              <a:t>result</a:t>
-            </a:r>
-            <a:r>
-              <a:rPr lang="de-DE" dirty="0">
-                <a:latin typeface="Courier New" panose="02070309020205020404" pitchFamily="49" charset="0"/>
-                <a:cs typeface="Courier New" panose="02070309020205020404" pitchFamily="49" charset="0"/>
-              </a:rPr>
-              <a:t>": 7.0</a:t>
-            </a:r>
-          </a:p>
-          <a:p>
-            <a:pPr marL="0" indent="0">
-              <a:buNone/>
-            </a:pPr>
-            <a:r>
-              <a:rPr lang="de-DE" dirty="0">
-                <a:latin typeface="Courier New" panose="02070309020205020404" pitchFamily="49" charset="0"/>
-                <a:cs typeface="Courier New" panose="02070309020205020404" pitchFamily="49" charset="0"/>
-              </a:rPr>
-              <a:t>   }</a:t>
-            </a:r>
-          </a:p>
-          <a:p>
-            <a:r>
-              <a:rPr lang="de-DE" dirty="0"/>
-              <a:t>Repräsentiert durch: </a:t>
-            </a:r>
-            <a:r>
-              <a:rPr lang="de-DE" dirty="0" err="1">
-                <a:latin typeface="Courier New" panose="02070309020205020404" pitchFamily="49" charset="0"/>
-                <a:cs typeface="Courier New" panose="02070309020205020404" pitchFamily="49" charset="0"/>
-              </a:rPr>
-              <a:t>CalculatorResponseRepresentation</a:t>
-            </a:r>
-            <a:endParaRPr lang="de-DE" dirty="0">
-              <a:latin typeface="Courier New" panose="02070309020205020404" pitchFamily="49" charset="0"/>
-              <a:cs typeface="Courier New" panose="02070309020205020404" pitchFamily="49" charset="0"/>
-            </a:endParaRPr>
-          </a:p>
-        </p:txBody>
-      </p:sp>
-    </p:spTree>
-    <p:extLst>
-      <p:ext uri="{BB962C8B-B14F-4D97-AF65-F5344CB8AC3E}">
-        <p14:creationId xmlns:p14="http://schemas.microsoft.com/office/powerpoint/2010/main" val="135822244"/>
-      </p:ext>
-    </p:extLst>
-  </p:cSld>
-  <p:clrMapOvr>
-    <a:masterClrMapping/>
-  </p:clrMapOvr>
-</p:sld>
-</file>
-
-<file path=ppt/slides/slide45.xml><?xml version="1.0" encoding="utf-8"?>
-<p:sld xmlns:a="http://schemas.openxmlformats.org/drawingml/2006/main" xmlns:r="http://schemas.openxmlformats.org/officeDocument/2006/relationships" xmlns:p="http://schemas.openxmlformats.org/presentationml/2006/main">
-  <p:cSld>
-    <p:spTree>
-      <p:nvGrpSpPr>
-        <p:cNvPr id="1" name=""/>
-        <p:cNvGrpSpPr/>
-        <p:nvPr/>
-      </p:nvGrpSpPr>
-      <p:grpSpPr>
-        <a:xfrm>
-          <a:off x="0" y="0"/>
-          <a:ext cx="0" cy="0"/>
-          <a:chOff x="0" y="0"/>
-          <a:chExt cx="0" cy="0"/>
-        </a:xfrm>
-      </p:grpSpPr>
-      <p:sp>
-        <p:nvSpPr>
-          <p:cNvPr id="2" name="Titel 1">
-            <a:extLst>
-              <a:ext uri="{FF2B5EF4-FFF2-40B4-BE49-F238E27FC236}">
-                <a16:creationId xmlns:a16="http://schemas.microsoft.com/office/drawing/2014/main" id="{0EC7A146-A8F2-A844-9033-A0ACC828AF47}"/>
-              </a:ext>
-            </a:extLst>
-          </p:cNvPr>
-          <p:cNvSpPr>
-            <a:spLocks noGrp="1"/>
-          </p:cNvSpPr>
-          <p:nvPr>
-            <p:ph type="title"/>
-          </p:nvPr>
-        </p:nvSpPr>
-        <p:spPr/>
-        <p:txBody>
-          <a:bodyPr/>
-          <a:lstStyle/>
-          <a:p>
-            <a:r>
-              <a:rPr lang="de-DE" dirty="0" err="1"/>
-              <a:t>Step</a:t>
-            </a:r>
-            <a:r>
-              <a:rPr lang="de-DE" dirty="0"/>
-              <a:t> </a:t>
-            </a:r>
-            <a:r>
-              <a:rPr lang="de-DE" dirty="0" err="1"/>
-              <a:t>calculator</a:t>
-            </a:r>
-            <a:r>
-              <a:rPr lang="de-DE" dirty="0"/>
-              <a:t> 63 (</a:t>
-            </a:r>
-            <a:r>
-              <a:rPr lang="de-DE" dirty="0" err="1"/>
-              <a:t>Step</a:t>
-            </a:r>
-            <a:r>
-              <a:rPr lang="de-DE" dirty="0"/>
-              <a:t> 70 + 80)</a:t>
-            </a:r>
-          </a:p>
-        </p:txBody>
-      </p:sp>
-      <p:sp>
-        <p:nvSpPr>
-          <p:cNvPr id="3" name="Inhaltsplatzhalter 2">
-            <a:extLst>
-              <a:ext uri="{FF2B5EF4-FFF2-40B4-BE49-F238E27FC236}">
-                <a16:creationId xmlns:a16="http://schemas.microsoft.com/office/drawing/2014/main" id="{2A5EBA90-6155-FD45-A74C-ECC42BCA72DF}"/>
-              </a:ext>
-            </a:extLst>
-          </p:cNvPr>
-          <p:cNvSpPr>
-            <a:spLocks noGrp="1"/>
-          </p:cNvSpPr>
-          <p:nvPr>
-            <p:ph idx="1"/>
-          </p:nvPr>
-        </p:nvSpPr>
-        <p:spPr/>
-        <p:txBody>
-          <a:bodyPr/>
-          <a:lstStyle/>
-          <a:p>
-            <a:r>
-              <a:rPr lang="de-DE" dirty="0"/>
-              <a:t>Thema: </a:t>
-            </a:r>
-            <a:r>
-              <a:rPr lang="de-DE" dirty="0" err="1"/>
-              <a:t>Dependency</a:t>
-            </a:r>
-            <a:r>
-              <a:rPr lang="de-DE" dirty="0"/>
-              <a:t> </a:t>
-            </a:r>
-            <a:r>
-              <a:rPr lang="de-DE" dirty="0" err="1"/>
-              <a:t>Injection</a:t>
-            </a:r>
-            <a:r>
-              <a:rPr lang="de-DE" dirty="0"/>
-              <a:t> mit Spring</a:t>
-            </a:r>
-          </a:p>
-          <a:p>
-            <a:r>
-              <a:rPr lang="de-DE" dirty="0"/>
-              <a:t>Thema: Testen mit Mocks</a:t>
-            </a:r>
-          </a:p>
-          <a:p>
-            <a:pPr lvl="1"/>
-            <a:r>
-              <a:rPr lang="de-DE" dirty="0" err="1"/>
-              <a:t>Mockito</a:t>
-            </a:r>
-            <a:r>
-              <a:rPr lang="de-DE" dirty="0"/>
-              <a:t>: Bibliothek zum Erstellen von Mock-Objekten in Unit-Tests</a:t>
-            </a:r>
-          </a:p>
-          <a:p>
-            <a:endParaRPr lang="de-DE" dirty="0"/>
-          </a:p>
-        </p:txBody>
-      </p:sp>
-    </p:spTree>
-    <p:extLst>
-      <p:ext uri="{BB962C8B-B14F-4D97-AF65-F5344CB8AC3E}">
-        <p14:creationId xmlns:p14="http://schemas.microsoft.com/office/powerpoint/2010/main" val="653769003"/>
-      </p:ext>
-    </p:extLst>
-  </p:cSld>
-  <p:clrMapOvr>
-    <a:masterClrMapping/>
-  </p:clrMapOvr>
-</p:sld>
-</file>
-
-<file path=ppt/slides/slide46.xml><?xml version="1.0" encoding="utf-8"?>
-<p:sld xmlns:a="http://schemas.openxmlformats.org/drawingml/2006/main" xmlns:r="http://schemas.openxmlformats.org/officeDocument/2006/relationships" xmlns:p="http://schemas.openxmlformats.org/presentationml/2006/main">
-  <p:cSld>
-    <p:spTree>
-      <p:nvGrpSpPr>
-        <p:cNvPr id="1" name=""/>
-        <p:cNvGrpSpPr/>
-        <p:nvPr/>
-      </p:nvGrpSpPr>
-      <p:grpSpPr>
-        <a:xfrm>
-          <a:off x="0" y="0"/>
-          <a:ext cx="0" cy="0"/>
-          <a:chOff x="0" y="0"/>
-          <a:chExt cx="0" cy="0"/>
-        </a:xfrm>
-      </p:grpSpPr>
-      <p:sp>
-        <p:nvSpPr>
-          <p:cNvPr id="2" name="Titel 1">
-            <a:extLst>
-              <a:ext uri="{FF2B5EF4-FFF2-40B4-BE49-F238E27FC236}">
-                <a16:creationId xmlns:a16="http://schemas.microsoft.com/office/drawing/2014/main" id="{0EC7A146-A8F2-A844-9033-A0ACC828AF47}"/>
-              </a:ext>
-            </a:extLst>
-          </p:cNvPr>
-          <p:cNvSpPr>
-            <a:spLocks noGrp="1"/>
-          </p:cNvSpPr>
-          <p:nvPr>
-            <p:ph type="title"/>
-          </p:nvPr>
-        </p:nvSpPr>
-        <p:spPr/>
-        <p:txBody>
-          <a:bodyPr/>
-          <a:lstStyle/>
-          <a:p>
-            <a:r>
-              <a:rPr lang="de-DE" dirty="0" err="1"/>
-              <a:t>Step</a:t>
-            </a:r>
-            <a:r>
-              <a:rPr lang="de-DE" dirty="0"/>
-              <a:t> 63</a:t>
-            </a:r>
-          </a:p>
-        </p:txBody>
-      </p:sp>
-      <p:sp>
-        <p:nvSpPr>
-          <p:cNvPr id="3" name="Inhaltsplatzhalter 2">
-            <a:extLst>
-              <a:ext uri="{FF2B5EF4-FFF2-40B4-BE49-F238E27FC236}">
-                <a16:creationId xmlns:a16="http://schemas.microsoft.com/office/drawing/2014/main" id="{2A5EBA90-6155-FD45-A74C-ECC42BCA72DF}"/>
-              </a:ext>
-            </a:extLst>
-          </p:cNvPr>
-          <p:cNvSpPr>
-            <a:spLocks noGrp="1"/>
-          </p:cNvSpPr>
-          <p:nvPr>
-            <p:ph idx="1"/>
-          </p:nvPr>
-        </p:nvSpPr>
-        <p:spPr/>
-        <p:txBody>
-          <a:bodyPr/>
-          <a:lstStyle/>
-          <a:p>
-            <a:r>
-              <a:rPr lang="de-DE" dirty="0"/>
-              <a:t>Thema: Unit-Tests</a:t>
-            </a:r>
-            <a:endParaRPr lang="de-DE" dirty="0">
-              <a:latin typeface="Courier New" panose="02070309020205020404" pitchFamily="49" charset="0"/>
-              <a:cs typeface="Courier New" panose="02070309020205020404" pitchFamily="49" charset="0"/>
-            </a:endParaRPr>
-          </a:p>
-          <a:p>
-            <a:pPr lvl="1"/>
-            <a:r>
-              <a:rPr lang="de-DE" dirty="0" err="1">
-                <a:latin typeface="Courier New" panose="02070309020205020404" pitchFamily="49" charset="0"/>
-                <a:cs typeface="Courier New" panose="02070309020205020404" pitchFamily="49" charset="0"/>
-              </a:rPr>
-              <a:t>CalculatorController</a:t>
-            </a:r>
-            <a:r>
-              <a:rPr lang="de-DE" dirty="0"/>
-              <a:t> lässt sich schlecht testen</a:t>
-            </a:r>
-          </a:p>
-          <a:p>
-            <a:pPr lvl="1"/>
-            <a:r>
-              <a:rPr lang="de-DE" dirty="0"/>
-              <a:t>Wie lässt sich das verbessern?</a:t>
-            </a:r>
-          </a:p>
-          <a:p>
-            <a:pPr lvl="2"/>
-            <a:r>
-              <a:rPr lang="de-DE" dirty="0" err="1"/>
-              <a:t>Dependency</a:t>
-            </a:r>
-            <a:r>
-              <a:rPr lang="de-DE" dirty="0"/>
-              <a:t> </a:t>
-            </a:r>
-            <a:r>
-              <a:rPr lang="de-DE" dirty="0" err="1"/>
-              <a:t>injection</a:t>
-            </a:r>
-            <a:endParaRPr lang="de-DE" dirty="0"/>
-          </a:p>
-          <a:p>
-            <a:pPr lvl="3"/>
-            <a:r>
-              <a:rPr lang="de-DE" dirty="0"/>
-              <a:t>Ein </a:t>
-            </a:r>
-            <a:r>
-              <a:rPr lang="de-DE" dirty="0" err="1">
-                <a:latin typeface="Courier New" panose="02070309020205020404" pitchFamily="49" charset="0"/>
-                <a:cs typeface="Courier New" panose="02070309020205020404" pitchFamily="49" charset="0"/>
-              </a:rPr>
-              <a:t>Calculator</a:t>
-            </a:r>
-            <a:r>
-              <a:rPr lang="de-DE" dirty="0"/>
-              <a:t> wird nicht innerhalb </a:t>
-            </a:r>
-            <a:r>
-              <a:rPr lang="de-DE" dirty="0" err="1">
-                <a:latin typeface="Courier New" panose="02070309020205020404" pitchFamily="49" charset="0"/>
-                <a:cs typeface="Courier New" panose="02070309020205020404" pitchFamily="49" charset="0"/>
-              </a:rPr>
-              <a:t>CalculatorController</a:t>
-            </a:r>
-            <a:r>
-              <a:rPr lang="de-DE" dirty="0"/>
-              <a:t> erzeugt, sondern von außen übergeben (</a:t>
-            </a:r>
-            <a:r>
-              <a:rPr lang="de-DE" dirty="0" err="1"/>
-              <a:t>injected</a:t>
-            </a:r>
-            <a:r>
-              <a:rPr lang="de-DE" dirty="0"/>
-              <a:t>)</a:t>
-            </a:r>
-          </a:p>
-          <a:p>
-            <a:pPr lvl="3"/>
-            <a:r>
-              <a:rPr lang="de-DE" dirty="0"/>
-              <a:t>Vorteil: wir können ein spezielles Test-Objekt nutzen</a:t>
-            </a:r>
-          </a:p>
-          <a:p>
-            <a:pPr lvl="2"/>
-            <a:r>
-              <a:rPr lang="de-DE" dirty="0" err="1"/>
-              <a:t>Mocking</a:t>
-            </a:r>
-            <a:endParaRPr lang="de-DE" dirty="0"/>
-          </a:p>
-          <a:p>
-            <a:pPr lvl="3"/>
-            <a:r>
-              <a:rPr lang="de-DE" dirty="0"/>
-              <a:t>Statt des </a:t>
-            </a:r>
-            <a:r>
-              <a:rPr lang="de-DE" dirty="0" err="1">
-                <a:latin typeface="Courier New" panose="02070309020205020404" pitchFamily="49" charset="0"/>
-                <a:cs typeface="Courier New" panose="02070309020205020404" pitchFamily="49" charset="0"/>
-              </a:rPr>
-              <a:t>CalculatorService</a:t>
-            </a:r>
-            <a:r>
-              <a:rPr lang="de-DE" dirty="0"/>
-              <a:t> wird ein spezielles Test-Objekt (</a:t>
-            </a:r>
-            <a:r>
-              <a:rPr lang="de-DE" dirty="0" err="1">
-                <a:latin typeface="Courier New" panose="02070309020205020404" pitchFamily="49" charset="0"/>
-                <a:cs typeface="Courier New" panose="02070309020205020404" pitchFamily="49" charset="0"/>
-              </a:rPr>
-              <a:t>CalculatorMock</a:t>
-            </a:r>
-            <a:r>
-              <a:rPr lang="de-DE" dirty="0"/>
-              <a:t>) genutzt</a:t>
-            </a:r>
-          </a:p>
-          <a:p>
-            <a:pPr lvl="3"/>
-            <a:r>
-              <a:rPr lang="de-DE" dirty="0"/>
-              <a:t>Dieses Test-Objekt ermöglicht uns zu prüfen, was </a:t>
-            </a:r>
-            <a:r>
-              <a:rPr lang="de-DE" dirty="0" err="1">
-                <a:latin typeface="Courier New" panose="02070309020205020404" pitchFamily="49" charset="0"/>
-                <a:cs typeface="Courier New" panose="02070309020205020404" pitchFamily="49" charset="0"/>
-              </a:rPr>
-              <a:t>CalculatorController</a:t>
-            </a:r>
-            <a:r>
-              <a:rPr lang="de-DE" dirty="0"/>
-              <a:t> tatsächlich tut</a:t>
-            </a:r>
-          </a:p>
-        </p:txBody>
-      </p:sp>
-    </p:spTree>
-    <p:extLst>
-      <p:ext uri="{BB962C8B-B14F-4D97-AF65-F5344CB8AC3E}">
-        <p14:creationId xmlns:p14="http://schemas.microsoft.com/office/powerpoint/2010/main" val="1186333636"/>
-      </p:ext>
-    </p:extLst>
-  </p:cSld>
-  <p:clrMapOvr>
-    <a:masterClrMapping/>
-  </p:clrMapOvr>
-</p:sld>
-</file>
-
-<file path=ppt/slides/slide47.xml><?xml version="1.0" encoding="utf-8"?>
-<p:sld xmlns:a="http://schemas.openxmlformats.org/drawingml/2006/main" xmlns:r="http://schemas.openxmlformats.org/officeDocument/2006/relationships" xmlns:p="http://schemas.openxmlformats.org/presentationml/2006/main">
-  <p:cSld>
-    <p:spTree>
-      <p:nvGrpSpPr>
-        <p:cNvPr id="1" name=""/>
-        <p:cNvGrpSpPr/>
-        <p:nvPr/>
-      </p:nvGrpSpPr>
-      <p:grpSpPr>
-        <a:xfrm>
-          <a:off x="0" y="0"/>
-          <a:ext cx="0" cy="0"/>
-          <a:chOff x="0" y="0"/>
-          <a:chExt cx="0" cy="0"/>
-        </a:xfrm>
-      </p:grpSpPr>
-      <p:sp>
-        <p:nvSpPr>
-          <p:cNvPr id="2" name="Titel 1">
-            <a:extLst>
-              <a:ext uri="{FF2B5EF4-FFF2-40B4-BE49-F238E27FC236}">
-                <a16:creationId xmlns:a16="http://schemas.microsoft.com/office/drawing/2014/main" id="{0EC7A146-A8F2-A844-9033-A0ACC828AF47}"/>
-              </a:ext>
-            </a:extLst>
-          </p:cNvPr>
-          <p:cNvSpPr>
-            <a:spLocks noGrp="1"/>
-          </p:cNvSpPr>
-          <p:nvPr>
-            <p:ph type="title"/>
-          </p:nvPr>
-        </p:nvSpPr>
-        <p:spPr/>
-        <p:txBody>
-          <a:bodyPr/>
-          <a:lstStyle/>
-          <a:p>
-            <a:r>
-              <a:rPr lang="de-DE" dirty="0" err="1"/>
-              <a:t>Step</a:t>
-            </a:r>
-            <a:r>
-              <a:rPr lang="de-DE" dirty="0"/>
-              <a:t> 63</a:t>
-            </a:r>
-          </a:p>
-        </p:txBody>
-      </p:sp>
-      <p:sp>
-        <p:nvSpPr>
-          <p:cNvPr id="6" name="Rechteck 5">
-            <a:extLst>
-              <a:ext uri="{FF2B5EF4-FFF2-40B4-BE49-F238E27FC236}">
-                <a16:creationId xmlns:a16="http://schemas.microsoft.com/office/drawing/2014/main" id="{54AACB2F-05E1-71A8-E1DF-AD16C9F0C8ED}"/>
-              </a:ext>
-            </a:extLst>
-          </p:cNvPr>
-          <p:cNvSpPr/>
-          <p:nvPr/>
-        </p:nvSpPr>
-        <p:spPr>
-          <a:xfrm>
-            <a:off x="4025256" y="3233057"/>
-            <a:ext cx="2808515" cy="1077686"/>
-          </a:xfrm>
-          <a:prstGeom prst="rect">
-            <a:avLst/>
-          </a:prstGeom>
-          <a:solidFill>
-            <a:schemeClr val="accent6"/>
-          </a:solidFill>
-        </p:spPr>
-        <p:style>
-          <a:lnRef idx="2">
-            <a:schemeClr val="accent1">
-              <a:shade val="50000"/>
-            </a:schemeClr>
-          </a:lnRef>
-          <a:fillRef idx="1">
-            <a:schemeClr val="accent1"/>
-          </a:fillRef>
-          <a:effectRef idx="0">
-            <a:schemeClr val="accent1"/>
-          </a:effectRef>
-          <a:fontRef idx="minor">
-            <a:schemeClr val="lt1"/>
-          </a:fontRef>
-        </p:style>
-        <p:txBody>
-          <a:bodyPr rtlCol="0" anchor="ctr"/>
-          <a:lstStyle/>
-          <a:p>
-            <a:pPr algn="ctr"/>
-            <a:r>
-              <a:rPr lang="de-DE" dirty="0" err="1"/>
-              <a:t>CalculatorController</a:t>
-            </a:r>
-            <a:endParaRPr lang="de-DE" dirty="0"/>
-          </a:p>
-        </p:txBody>
-      </p:sp>
-      <p:sp>
-        <p:nvSpPr>
-          <p:cNvPr id="7" name="Rechteck 6">
-            <a:extLst>
-              <a:ext uri="{FF2B5EF4-FFF2-40B4-BE49-F238E27FC236}">
-                <a16:creationId xmlns:a16="http://schemas.microsoft.com/office/drawing/2014/main" id="{F7F585F3-2612-9559-466D-F24C2DA25FC7}"/>
-              </a:ext>
-            </a:extLst>
-          </p:cNvPr>
-          <p:cNvSpPr/>
-          <p:nvPr/>
-        </p:nvSpPr>
-        <p:spPr>
-          <a:xfrm>
-            <a:off x="7924800" y="3233057"/>
-            <a:ext cx="2808515" cy="1077686"/>
-          </a:xfrm>
-          <a:prstGeom prst="rect">
-            <a:avLst/>
-          </a:prstGeom>
-        </p:spPr>
-        <p:style>
-          <a:lnRef idx="2">
-            <a:schemeClr val="accent1">
-              <a:shade val="50000"/>
-            </a:schemeClr>
-          </a:lnRef>
-          <a:fillRef idx="1">
-            <a:schemeClr val="accent1"/>
-          </a:fillRef>
-          <a:effectRef idx="0">
-            <a:schemeClr val="accent1"/>
-          </a:effectRef>
-          <a:fontRef idx="minor">
-            <a:schemeClr val="lt1"/>
-          </a:fontRef>
-        </p:style>
-        <p:txBody>
-          <a:bodyPr rtlCol="0" anchor="ctr"/>
-          <a:lstStyle/>
-          <a:p>
-            <a:pPr algn="ctr"/>
-            <a:r>
-              <a:rPr lang="de-DE" dirty="0"/>
-              <a:t>&lt;&lt;interface&gt;&gt;</a:t>
-            </a:r>
-            <a:br>
-              <a:rPr lang="de-DE" dirty="0"/>
-            </a:br>
-            <a:r>
-              <a:rPr lang="de-DE" dirty="0" err="1"/>
-              <a:t>Calculator</a:t>
-            </a:r>
-            <a:endParaRPr lang="de-DE" dirty="0"/>
-          </a:p>
-        </p:txBody>
-      </p:sp>
-      <p:sp>
-        <p:nvSpPr>
-          <p:cNvPr id="8" name="Rechteck 7">
-            <a:extLst>
-              <a:ext uri="{FF2B5EF4-FFF2-40B4-BE49-F238E27FC236}">
-                <a16:creationId xmlns:a16="http://schemas.microsoft.com/office/drawing/2014/main" id="{B33B5C98-457E-A17F-5A02-71FE92E5CF64}"/>
-              </a:ext>
-            </a:extLst>
-          </p:cNvPr>
-          <p:cNvSpPr/>
-          <p:nvPr/>
-        </p:nvSpPr>
-        <p:spPr>
-          <a:xfrm>
-            <a:off x="7924800" y="4775426"/>
-            <a:ext cx="2808515" cy="1077686"/>
-          </a:xfrm>
-          <a:prstGeom prst="rect">
-            <a:avLst/>
-          </a:prstGeom>
-        </p:spPr>
-        <p:style>
-          <a:lnRef idx="2">
-            <a:schemeClr val="accent1">
-              <a:shade val="50000"/>
-            </a:schemeClr>
-          </a:lnRef>
-          <a:fillRef idx="1">
-            <a:schemeClr val="accent1"/>
-          </a:fillRef>
-          <a:effectRef idx="0">
-            <a:schemeClr val="accent1"/>
-          </a:effectRef>
-          <a:fontRef idx="minor">
-            <a:schemeClr val="lt1"/>
-          </a:fontRef>
-        </p:style>
-        <p:txBody>
-          <a:bodyPr rtlCol="0" anchor="ctr"/>
-          <a:lstStyle/>
-          <a:p>
-            <a:pPr algn="ctr"/>
-            <a:r>
-              <a:rPr lang="de-DE" dirty="0" err="1"/>
-              <a:t>CalculatorService</a:t>
-            </a:r>
-            <a:endParaRPr lang="de-DE" dirty="0"/>
-          </a:p>
-        </p:txBody>
-      </p:sp>
-      <p:cxnSp>
-        <p:nvCxnSpPr>
-          <p:cNvPr id="10" name="Gerade Verbindung mit Pfeil 9">
-            <a:extLst>
-              <a:ext uri="{FF2B5EF4-FFF2-40B4-BE49-F238E27FC236}">
-                <a16:creationId xmlns:a16="http://schemas.microsoft.com/office/drawing/2014/main" id="{5A77A913-AE8E-5063-4A5B-442C1BEBB710}"/>
-              </a:ext>
-            </a:extLst>
-          </p:cNvPr>
-          <p:cNvCxnSpPr>
-            <a:stCxn id="8" idx="0"/>
-            <a:endCxn id="7" idx="2"/>
-          </p:cNvCxnSpPr>
-          <p:nvPr/>
-        </p:nvCxnSpPr>
-        <p:spPr>
-          <a:xfrm flipV="1">
-            <a:off x="9329058" y="4310743"/>
-            <a:ext cx="0" cy="464683"/>
-          </a:xfrm>
-          <a:prstGeom prst="straightConnector1">
-            <a:avLst/>
-          </a:prstGeom>
-          <a:ln w="38100">
-            <a:tailEnd type="triangle" w="lg" len="med"/>
-          </a:ln>
-        </p:spPr>
-        <p:style>
-          <a:lnRef idx="1">
-            <a:schemeClr val="accent1"/>
-          </a:lnRef>
-          <a:fillRef idx="0">
-            <a:schemeClr val="accent1"/>
-          </a:fillRef>
-          <a:effectRef idx="0">
-            <a:schemeClr val="accent1"/>
-          </a:effectRef>
-          <a:fontRef idx="minor">
-            <a:schemeClr val="tx1"/>
-          </a:fontRef>
-        </p:style>
-      </p:cxnSp>
-      <p:cxnSp>
-        <p:nvCxnSpPr>
-          <p:cNvPr id="12" name="Gerade Verbindung mit Pfeil 11">
-            <a:extLst>
-              <a:ext uri="{FF2B5EF4-FFF2-40B4-BE49-F238E27FC236}">
-                <a16:creationId xmlns:a16="http://schemas.microsoft.com/office/drawing/2014/main" id="{023DB8D5-AE27-6341-4963-3517A5F8BD62}"/>
-              </a:ext>
-            </a:extLst>
-          </p:cNvPr>
-          <p:cNvCxnSpPr>
-            <a:stCxn id="6" idx="2"/>
-            <a:endCxn id="8" idx="1"/>
-          </p:cNvCxnSpPr>
-          <p:nvPr/>
-        </p:nvCxnSpPr>
-        <p:spPr>
-          <a:xfrm>
-            <a:off x="5429514" y="4310743"/>
-            <a:ext cx="2495286" cy="1003526"/>
-          </a:xfrm>
-          <a:prstGeom prst="straightConnector1">
-            <a:avLst/>
-          </a:prstGeom>
-          <a:ln w="38100">
-            <a:tailEnd type="triangle"/>
-          </a:ln>
-        </p:spPr>
-        <p:style>
-          <a:lnRef idx="1">
-            <a:schemeClr val="accent1"/>
-          </a:lnRef>
-          <a:fillRef idx="0">
-            <a:schemeClr val="accent1"/>
-          </a:fillRef>
-          <a:effectRef idx="0">
-            <a:schemeClr val="accent1"/>
-          </a:effectRef>
-          <a:fontRef idx="minor">
-            <a:schemeClr val="tx1"/>
-          </a:fontRef>
-        </p:style>
-      </p:cxnSp>
-      <p:sp>
-        <p:nvSpPr>
-          <p:cNvPr id="13" name="Rechteck 12">
-            <a:extLst>
-              <a:ext uri="{FF2B5EF4-FFF2-40B4-BE49-F238E27FC236}">
-                <a16:creationId xmlns:a16="http://schemas.microsoft.com/office/drawing/2014/main" id="{1C5B0322-9465-7C1F-C6F7-892F43FBCA16}"/>
-              </a:ext>
-            </a:extLst>
-          </p:cNvPr>
-          <p:cNvSpPr/>
-          <p:nvPr/>
-        </p:nvSpPr>
-        <p:spPr>
-          <a:xfrm>
-            <a:off x="4025255" y="1161217"/>
-            <a:ext cx="2808515" cy="1077686"/>
-          </a:xfrm>
-          <a:prstGeom prst="rect">
-            <a:avLst/>
-          </a:prstGeom>
-          <a:solidFill>
-            <a:schemeClr val="accent2"/>
-          </a:solidFill>
-        </p:spPr>
-        <p:style>
-          <a:lnRef idx="2">
-            <a:schemeClr val="accent1">
-              <a:shade val="50000"/>
-            </a:schemeClr>
-          </a:lnRef>
-          <a:fillRef idx="1">
-            <a:schemeClr val="accent1"/>
-          </a:fillRef>
-          <a:effectRef idx="0">
-            <a:schemeClr val="accent1"/>
-          </a:effectRef>
-          <a:fontRef idx="minor">
-            <a:schemeClr val="lt1"/>
-          </a:fontRef>
-        </p:style>
-        <p:txBody>
-          <a:bodyPr rtlCol="0" anchor="ctr"/>
-          <a:lstStyle/>
-          <a:p>
-            <a:pPr algn="ctr"/>
-            <a:r>
-              <a:rPr lang="de-DE" dirty="0" err="1"/>
-              <a:t>CalculatorControllerTest</a:t>
-            </a:r>
-            <a:endParaRPr lang="de-DE" dirty="0"/>
-          </a:p>
-        </p:txBody>
-      </p:sp>
-      <p:cxnSp>
-        <p:nvCxnSpPr>
-          <p:cNvPr id="15" name="Gerade Verbindung mit Pfeil 14">
-            <a:extLst>
-              <a:ext uri="{FF2B5EF4-FFF2-40B4-BE49-F238E27FC236}">
-                <a16:creationId xmlns:a16="http://schemas.microsoft.com/office/drawing/2014/main" id="{6BDD012D-7075-7CA3-B8EB-5F632D051FA9}"/>
-              </a:ext>
-            </a:extLst>
-          </p:cNvPr>
-          <p:cNvCxnSpPr>
-            <a:stCxn id="13" idx="2"/>
-            <a:endCxn id="6" idx="0"/>
-          </p:cNvCxnSpPr>
-          <p:nvPr/>
-        </p:nvCxnSpPr>
-        <p:spPr>
-          <a:xfrm>
-            <a:off x="5429513" y="2238903"/>
-            <a:ext cx="1" cy="994154"/>
-          </a:xfrm>
-          <a:prstGeom prst="straightConnector1">
-            <a:avLst/>
-          </a:prstGeom>
-          <a:ln w="38100">
-            <a:tailEnd type="triangle"/>
-          </a:ln>
-        </p:spPr>
-        <p:style>
-          <a:lnRef idx="1">
-            <a:schemeClr val="accent1"/>
-          </a:lnRef>
-          <a:fillRef idx="0">
-            <a:schemeClr val="accent1"/>
-          </a:fillRef>
-          <a:effectRef idx="0">
-            <a:schemeClr val="accent1"/>
-          </a:effectRef>
-          <a:fontRef idx="minor">
-            <a:schemeClr val="tx1"/>
-          </a:fontRef>
-        </p:style>
-      </p:cxnSp>
-    </p:spTree>
-    <p:extLst>
-      <p:ext uri="{BB962C8B-B14F-4D97-AF65-F5344CB8AC3E}">
-        <p14:creationId xmlns:p14="http://schemas.microsoft.com/office/powerpoint/2010/main" val="2949412450"/>
-      </p:ext>
-    </p:extLst>
-  </p:cSld>
-  <p:clrMapOvr>
-    <a:masterClrMapping/>
-  </p:clrMapOvr>
-</p:sld>
-</file>
-
-<file path=ppt/slides/slide48.xml><?xml version="1.0" encoding="utf-8"?>
-<p:sld xmlns:a="http://schemas.openxmlformats.org/drawingml/2006/main" xmlns:r="http://schemas.openxmlformats.org/officeDocument/2006/relationships" xmlns:p="http://schemas.openxmlformats.org/presentationml/2006/main">
-  <p:cSld>
-    <p:spTree>
-      <p:nvGrpSpPr>
-        <p:cNvPr id="1" name=""/>
-        <p:cNvGrpSpPr/>
-        <p:nvPr/>
-      </p:nvGrpSpPr>
-      <p:grpSpPr>
-        <a:xfrm>
-          <a:off x="0" y="0"/>
-          <a:ext cx="0" cy="0"/>
-          <a:chOff x="0" y="0"/>
-          <a:chExt cx="0" cy="0"/>
-        </a:xfrm>
-      </p:grpSpPr>
-      <p:sp>
-        <p:nvSpPr>
-          <p:cNvPr id="2" name="Titel 1">
-            <a:extLst>
-              <a:ext uri="{FF2B5EF4-FFF2-40B4-BE49-F238E27FC236}">
-                <a16:creationId xmlns:a16="http://schemas.microsoft.com/office/drawing/2014/main" id="{0EC7A146-A8F2-A844-9033-A0ACC828AF47}"/>
-              </a:ext>
-            </a:extLst>
-          </p:cNvPr>
-          <p:cNvSpPr>
-            <a:spLocks noGrp="1"/>
-          </p:cNvSpPr>
-          <p:nvPr>
-            <p:ph type="title"/>
-          </p:nvPr>
-        </p:nvSpPr>
-        <p:spPr/>
-        <p:txBody>
-          <a:bodyPr/>
-          <a:lstStyle/>
-          <a:p>
-            <a:r>
-              <a:rPr lang="de-DE" dirty="0" err="1"/>
-              <a:t>Step</a:t>
-            </a:r>
-            <a:r>
-              <a:rPr lang="de-DE" dirty="0"/>
-              <a:t> 63</a:t>
-            </a:r>
-          </a:p>
-        </p:txBody>
-      </p:sp>
-      <p:sp>
-        <p:nvSpPr>
-          <p:cNvPr id="6" name="Rechteck 5">
-            <a:extLst>
-              <a:ext uri="{FF2B5EF4-FFF2-40B4-BE49-F238E27FC236}">
-                <a16:creationId xmlns:a16="http://schemas.microsoft.com/office/drawing/2014/main" id="{54AACB2F-05E1-71A8-E1DF-AD16C9F0C8ED}"/>
-              </a:ext>
-            </a:extLst>
-          </p:cNvPr>
-          <p:cNvSpPr/>
-          <p:nvPr/>
-        </p:nvSpPr>
-        <p:spPr>
-          <a:xfrm>
-            <a:off x="4025256" y="3233057"/>
-            <a:ext cx="2808515" cy="1077686"/>
-          </a:xfrm>
-          <a:prstGeom prst="rect">
-            <a:avLst/>
-          </a:prstGeom>
-          <a:solidFill>
-            <a:schemeClr val="accent6"/>
-          </a:solidFill>
-        </p:spPr>
-        <p:style>
-          <a:lnRef idx="2">
-            <a:schemeClr val="accent1">
-              <a:shade val="50000"/>
-            </a:schemeClr>
-          </a:lnRef>
-          <a:fillRef idx="1">
-            <a:schemeClr val="accent1"/>
-          </a:fillRef>
-          <a:effectRef idx="0">
-            <a:schemeClr val="accent1"/>
-          </a:effectRef>
-          <a:fontRef idx="minor">
-            <a:schemeClr val="lt1"/>
-          </a:fontRef>
-        </p:style>
-        <p:txBody>
-          <a:bodyPr rtlCol="0" anchor="ctr"/>
-          <a:lstStyle/>
-          <a:p>
-            <a:pPr algn="ctr"/>
-            <a:r>
-              <a:rPr lang="de-DE" dirty="0" err="1"/>
-              <a:t>CalculatorController</a:t>
-            </a:r>
-            <a:endParaRPr lang="de-DE" dirty="0"/>
-          </a:p>
-        </p:txBody>
-      </p:sp>
-      <p:sp>
-        <p:nvSpPr>
-          <p:cNvPr id="7" name="Rechteck 6">
-            <a:extLst>
-              <a:ext uri="{FF2B5EF4-FFF2-40B4-BE49-F238E27FC236}">
-                <a16:creationId xmlns:a16="http://schemas.microsoft.com/office/drawing/2014/main" id="{F7F585F3-2612-9559-466D-F24C2DA25FC7}"/>
-              </a:ext>
-            </a:extLst>
-          </p:cNvPr>
-          <p:cNvSpPr/>
-          <p:nvPr/>
-        </p:nvSpPr>
-        <p:spPr>
-          <a:xfrm>
-            <a:off x="7924800" y="3233057"/>
-            <a:ext cx="2808515" cy="1077686"/>
-          </a:xfrm>
-          <a:prstGeom prst="rect">
-            <a:avLst/>
-          </a:prstGeom>
-        </p:spPr>
-        <p:style>
-          <a:lnRef idx="2">
-            <a:schemeClr val="accent1">
-              <a:shade val="50000"/>
-            </a:schemeClr>
-          </a:lnRef>
-          <a:fillRef idx="1">
-            <a:schemeClr val="accent1"/>
-          </a:fillRef>
-          <a:effectRef idx="0">
-            <a:schemeClr val="accent1"/>
-          </a:effectRef>
-          <a:fontRef idx="minor">
-            <a:schemeClr val="lt1"/>
-          </a:fontRef>
-        </p:style>
-        <p:txBody>
-          <a:bodyPr rtlCol="0" anchor="ctr"/>
-          <a:lstStyle/>
-          <a:p>
-            <a:pPr algn="ctr"/>
-            <a:r>
-              <a:rPr lang="de-DE" dirty="0"/>
-              <a:t>&lt;&lt;interface&gt;&gt;</a:t>
-            </a:r>
-            <a:br>
-              <a:rPr lang="de-DE" dirty="0"/>
-            </a:br>
-            <a:r>
-              <a:rPr lang="de-DE" dirty="0" err="1"/>
-              <a:t>Calculator</a:t>
-            </a:r>
-            <a:endParaRPr lang="de-DE" dirty="0"/>
-          </a:p>
-        </p:txBody>
-      </p:sp>
-      <p:sp>
-        <p:nvSpPr>
-          <p:cNvPr id="8" name="Rechteck 7">
-            <a:extLst>
-              <a:ext uri="{FF2B5EF4-FFF2-40B4-BE49-F238E27FC236}">
-                <a16:creationId xmlns:a16="http://schemas.microsoft.com/office/drawing/2014/main" id="{B33B5C98-457E-A17F-5A02-71FE92E5CF64}"/>
-              </a:ext>
-            </a:extLst>
-          </p:cNvPr>
-          <p:cNvSpPr/>
-          <p:nvPr/>
-        </p:nvSpPr>
-        <p:spPr>
-          <a:xfrm>
-            <a:off x="7924800" y="4775426"/>
-            <a:ext cx="2808515" cy="1077686"/>
-          </a:xfrm>
-          <a:prstGeom prst="rect">
-            <a:avLst/>
-          </a:prstGeom>
-        </p:spPr>
-        <p:style>
-          <a:lnRef idx="2">
-            <a:schemeClr val="accent1">
-              <a:shade val="50000"/>
-            </a:schemeClr>
-          </a:lnRef>
-          <a:fillRef idx="1">
-            <a:schemeClr val="accent1"/>
-          </a:fillRef>
-          <a:effectRef idx="0">
-            <a:schemeClr val="accent1"/>
-          </a:effectRef>
-          <a:fontRef idx="minor">
-            <a:schemeClr val="lt1"/>
-          </a:fontRef>
-        </p:style>
-        <p:txBody>
-          <a:bodyPr rtlCol="0" anchor="ctr"/>
-          <a:lstStyle/>
-          <a:p>
-            <a:pPr algn="ctr"/>
-            <a:r>
-              <a:rPr lang="de-DE" dirty="0" err="1"/>
-              <a:t>CalculatorService</a:t>
-            </a:r>
-            <a:endParaRPr lang="de-DE" dirty="0"/>
-          </a:p>
-        </p:txBody>
-      </p:sp>
-      <p:cxnSp>
-        <p:nvCxnSpPr>
-          <p:cNvPr id="10" name="Gerade Verbindung mit Pfeil 9">
-            <a:extLst>
-              <a:ext uri="{FF2B5EF4-FFF2-40B4-BE49-F238E27FC236}">
-                <a16:creationId xmlns:a16="http://schemas.microsoft.com/office/drawing/2014/main" id="{5A77A913-AE8E-5063-4A5B-442C1BEBB710}"/>
-              </a:ext>
-            </a:extLst>
-          </p:cNvPr>
-          <p:cNvCxnSpPr>
-            <a:stCxn id="8" idx="0"/>
-            <a:endCxn id="7" idx="2"/>
-          </p:cNvCxnSpPr>
-          <p:nvPr/>
-        </p:nvCxnSpPr>
-        <p:spPr>
-          <a:xfrm flipV="1">
-            <a:off x="9329058" y="4310743"/>
-            <a:ext cx="0" cy="464683"/>
-          </a:xfrm>
-          <a:prstGeom prst="straightConnector1">
-            <a:avLst/>
-          </a:prstGeom>
-          <a:ln w="38100">
-            <a:tailEnd type="triangle" w="lg" len="med"/>
-          </a:ln>
-        </p:spPr>
-        <p:style>
-          <a:lnRef idx="1">
-            <a:schemeClr val="accent1"/>
-          </a:lnRef>
-          <a:fillRef idx="0">
-            <a:schemeClr val="accent1"/>
-          </a:fillRef>
-          <a:effectRef idx="0">
-            <a:schemeClr val="accent1"/>
-          </a:effectRef>
-          <a:fontRef idx="minor">
-            <a:schemeClr val="tx1"/>
-          </a:fontRef>
-        </p:style>
-      </p:cxnSp>
-      <p:cxnSp>
-        <p:nvCxnSpPr>
-          <p:cNvPr id="12" name="Gerade Verbindung mit Pfeil 11">
-            <a:extLst>
-              <a:ext uri="{FF2B5EF4-FFF2-40B4-BE49-F238E27FC236}">
-                <a16:creationId xmlns:a16="http://schemas.microsoft.com/office/drawing/2014/main" id="{023DB8D5-AE27-6341-4963-3517A5F8BD62}"/>
-              </a:ext>
-            </a:extLst>
-          </p:cNvPr>
-          <p:cNvCxnSpPr>
-            <a:stCxn id="6" idx="2"/>
-            <a:endCxn id="8" idx="1"/>
-          </p:cNvCxnSpPr>
-          <p:nvPr/>
-        </p:nvCxnSpPr>
-        <p:spPr>
-          <a:xfrm>
-            <a:off x="5429514" y="4310743"/>
-            <a:ext cx="2495286" cy="1003526"/>
-          </a:xfrm>
-          <a:prstGeom prst="straightConnector1">
-            <a:avLst/>
-          </a:prstGeom>
-          <a:ln w="38100">
-            <a:tailEnd type="triangle"/>
-          </a:ln>
-        </p:spPr>
-        <p:style>
-          <a:lnRef idx="1">
-            <a:schemeClr val="accent1"/>
-          </a:lnRef>
-          <a:fillRef idx="0">
-            <a:schemeClr val="accent1"/>
-          </a:fillRef>
-          <a:effectRef idx="0">
-            <a:schemeClr val="accent1"/>
-          </a:effectRef>
-          <a:fontRef idx="minor">
-            <a:schemeClr val="tx1"/>
-          </a:fontRef>
-        </p:style>
-      </p:cxnSp>
-      <p:sp>
-        <p:nvSpPr>
-          <p:cNvPr id="13" name="Rechteck 12">
-            <a:extLst>
-              <a:ext uri="{FF2B5EF4-FFF2-40B4-BE49-F238E27FC236}">
-                <a16:creationId xmlns:a16="http://schemas.microsoft.com/office/drawing/2014/main" id="{1C5B0322-9465-7C1F-C6F7-892F43FBCA16}"/>
-              </a:ext>
-            </a:extLst>
-          </p:cNvPr>
-          <p:cNvSpPr/>
-          <p:nvPr/>
-        </p:nvSpPr>
-        <p:spPr>
-          <a:xfrm>
-            <a:off x="4025255" y="1161217"/>
-            <a:ext cx="2808515" cy="1077686"/>
-          </a:xfrm>
-          <a:prstGeom prst="rect">
-            <a:avLst/>
-          </a:prstGeom>
-          <a:solidFill>
-            <a:schemeClr val="accent2"/>
-          </a:solidFill>
-        </p:spPr>
-        <p:style>
-          <a:lnRef idx="2">
-            <a:schemeClr val="accent1">
-              <a:shade val="50000"/>
-            </a:schemeClr>
-          </a:lnRef>
-          <a:fillRef idx="1">
-            <a:schemeClr val="accent1"/>
-          </a:fillRef>
-          <a:effectRef idx="0">
-            <a:schemeClr val="accent1"/>
-          </a:effectRef>
-          <a:fontRef idx="minor">
-            <a:schemeClr val="lt1"/>
-          </a:fontRef>
-        </p:style>
-        <p:txBody>
-          <a:bodyPr rtlCol="0" anchor="ctr"/>
-          <a:lstStyle/>
-          <a:p>
-            <a:pPr algn="ctr"/>
-            <a:r>
-              <a:rPr lang="de-DE" dirty="0" err="1"/>
-              <a:t>CalculatorControllerTest</a:t>
-            </a:r>
-            <a:endParaRPr lang="de-DE" dirty="0"/>
-          </a:p>
-        </p:txBody>
-      </p:sp>
-      <p:cxnSp>
-        <p:nvCxnSpPr>
-          <p:cNvPr id="15" name="Gerade Verbindung mit Pfeil 14">
-            <a:extLst>
-              <a:ext uri="{FF2B5EF4-FFF2-40B4-BE49-F238E27FC236}">
-                <a16:creationId xmlns:a16="http://schemas.microsoft.com/office/drawing/2014/main" id="{6BDD012D-7075-7CA3-B8EB-5F632D051FA9}"/>
-              </a:ext>
-            </a:extLst>
-          </p:cNvPr>
-          <p:cNvCxnSpPr>
-            <a:stCxn id="13" idx="2"/>
-            <a:endCxn id="6" idx="0"/>
-          </p:cNvCxnSpPr>
-          <p:nvPr/>
-        </p:nvCxnSpPr>
-        <p:spPr>
-          <a:xfrm>
-            <a:off x="5429513" y="2238903"/>
-            <a:ext cx="1" cy="994154"/>
-          </a:xfrm>
-          <a:prstGeom prst="straightConnector1">
-            <a:avLst/>
-          </a:prstGeom>
-          <a:ln w="38100">
-            <a:tailEnd type="triangle"/>
-          </a:ln>
-        </p:spPr>
-        <p:style>
-          <a:lnRef idx="1">
-            <a:schemeClr val="accent1"/>
-          </a:lnRef>
-          <a:fillRef idx="0">
-            <a:schemeClr val="accent1"/>
-          </a:fillRef>
-          <a:effectRef idx="0">
-            <a:schemeClr val="accent1"/>
-          </a:effectRef>
-          <a:fontRef idx="minor">
-            <a:schemeClr val="tx1"/>
-          </a:fontRef>
-        </p:style>
-      </p:cxnSp>
-      <p:sp>
-        <p:nvSpPr>
-          <p:cNvPr id="18" name="Gewitterblitz 17">
-            <a:extLst>
-              <a:ext uri="{FF2B5EF4-FFF2-40B4-BE49-F238E27FC236}">
-                <a16:creationId xmlns:a16="http://schemas.microsoft.com/office/drawing/2014/main" id="{050F5A1A-5F65-ACF7-D07D-B02E0525067F}"/>
-              </a:ext>
-            </a:extLst>
-          </p:cNvPr>
-          <p:cNvSpPr/>
-          <p:nvPr/>
-        </p:nvSpPr>
-        <p:spPr>
-          <a:xfrm>
-            <a:off x="8470495" y="4310743"/>
-            <a:ext cx="1717125" cy="2480889"/>
-          </a:xfrm>
-          <a:prstGeom prst="lightningBolt">
-            <a:avLst/>
-          </a:prstGeom>
-          <a:solidFill>
-            <a:srgbClr val="FF0000"/>
-          </a:solidFill>
-        </p:spPr>
-        <p:style>
-          <a:lnRef idx="2">
-            <a:schemeClr val="accent1">
-              <a:shade val="50000"/>
-            </a:schemeClr>
-          </a:lnRef>
-          <a:fillRef idx="1">
-            <a:schemeClr val="accent1"/>
-          </a:fillRef>
-          <a:effectRef idx="0">
-            <a:schemeClr val="accent1"/>
-          </a:effectRef>
-          <a:fontRef idx="minor">
-            <a:schemeClr val="lt1"/>
-          </a:fontRef>
-        </p:style>
-        <p:txBody>
-          <a:bodyPr rtlCol="0" anchor="ctr"/>
-          <a:lstStyle/>
-          <a:p>
-            <a:pPr algn="ctr"/>
-            <a:endParaRPr lang="de-DE"/>
-          </a:p>
-        </p:txBody>
-      </p:sp>
-      <p:sp>
-        <p:nvSpPr>
-          <p:cNvPr id="3" name="Textfeld 2">
-            <a:extLst>
-              <a:ext uri="{FF2B5EF4-FFF2-40B4-BE49-F238E27FC236}">
-                <a16:creationId xmlns:a16="http://schemas.microsoft.com/office/drawing/2014/main" id="{E7A2D6C1-2490-BFB8-7A4E-D4596D02CA9D}"/>
-              </a:ext>
-            </a:extLst>
-          </p:cNvPr>
-          <p:cNvSpPr txBox="1"/>
-          <p:nvPr/>
-        </p:nvSpPr>
-        <p:spPr>
-          <a:xfrm>
-            <a:off x="1184429" y="5235118"/>
-            <a:ext cx="6740371" cy="461665"/>
-          </a:xfrm>
-          <a:prstGeom prst="rect">
-            <a:avLst/>
-          </a:prstGeom>
-          <a:noFill/>
-        </p:spPr>
-        <p:txBody>
-          <a:bodyPr wrap="none" rtlCol="0">
-            <a:spAutoFit/>
-          </a:bodyPr>
-          <a:lstStyle/>
-          <a:p>
-            <a:r>
-              <a:rPr lang="de-DE" sz="2400" dirty="0">
-                <a:solidFill>
-                  <a:srgbClr val="FF0000"/>
-                </a:solidFill>
-              </a:rPr>
-              <a:t>Dies ist kein Unit-Test (sondern ein Integrations-Test)</a:t>
-            </a:r>
-          </a:p>
-        </p:txBody>
-      </p:sp>
-    </p:spTree>
-    <p:extLst>
-      <p:ext uri="{BB962C8B-B14F-4D97-AF65-F5344CB8AC3E}">
-        <p14:creationId xmlns:p14="http://schemas.microsoft.com/office/powerpoint/2010/main" val="28961527"/>
-      </p:ext>
-    </p:extLst>
-  </p:cSld>
-  <p:clrMapOvr>
-    <a:masterClrMapping/>
-  </p:clrMapOvr>
-</p:sld>
-</file>
-
-<file path=ppt/slides/slide49.xml><?xml version="1.0" encoding="utf-8"?>
-<p:sld xmlns:a="http://schemas.openxmlformats.org/drawingml/2006/main" xmlns:r="http://schemas.openxmlformats.org/officeDocument/2006/relationships" xmlns:p="http://schemas.openxmlformats.org/presentationml/2006/main">
-  <p:cSld>
-    <p:spTree>
-      <p:nvGrpSpPr>
-        <p:cNvPr id="1" name=""/>
-        <p:cNvGrpSpPr/>
-        <p:nvPr/>
-      </p:nvGrpSpPr>
-      <p:grpSpPr>
-        <a:xfrm>
-          <a:off x="0" y="0"/>
-          <a:ext cx="0" cy="0"/>
-          <a:chOff x="0" y="0"/>
-          <a:chExt cx="0" cy="0"/>
-        </a:xfrm>
-      </p:grpSpPr>
-      <p:sp>
-        <p:nvSpPr>
-          <p:cNvPr id="2" name="Titel 1">
-            <a:extLst>
-              <a:ext uri="{FF2B5EF4-FFF2-40B4-BE49-F238E27FC236}">
-                <a16:creationId xmlns:a16="http://schemas.microsoft.com/office/drawing/2014/main" id="{0EC7A146-A8F2-A844-9033-A0ACC828AF47}"/>
-              </a:ext>
-            </a:extLst>
-          </p:cNvPr>
-          <p:cNvSpPr>
-            <a:spLocks noGrp="1"/>
-          </p:cNvSpPr>
-          <p:nvPr>
-            <p:ph type="title"/>
-          </p:nvPr>
-        </p:nvSpPr>
-        <p:spPr/>
-        <p:txBody>
-          <a:bodyPr/>
-          <a:lstStyle/>
-          <a:p>
-            <a:r>
-              <a:rPr lang="de-DE" dirty="0" err="1"/>
-              <a:t>Step</a:t>
-            </a:r>
-            <a:r>
-              <a:rPr lang="de-DE" dirty="0"/>
-              <a:t> 63 – </a:t>
-            </a:r>
-            <a:r>
-              <a:rPr lang="de-DE" dirty="0" err="1"/>
-              <a:t>Dependency</a:t>
-            </a:r>
-            <a:r>
-              <a:rPr lang="de-DE" dirty="0"/>
-              <a:t> </a:t>
-            </a:r>
-            <a:r>
-              <a:rPr lang="de-DE" dirty="0" err="1"/>
-              <a:t>Injection</a:t>
-            </a:r>
-            <a:endParaRPr lang="de-DE" dirty="0"/>
-          </a:p>
-        </p:txBody>
-      </p:sp>
-      <p:sp>
-        <p:nvSpPr>
-          <p:cNvPr id="6" name="Rechteck 5">
-            <a:extLst>
-              <a:ext uri="{FF2B5EF4-FFF2-40B4-BE49-F238E27FC236}">
-                <a16:creationId xmlns:a16="http://schemas.microsoft.com/office/drawing/2014/main" id="{54AACB2F-05E1-71A8-E1DF-AD16C9F0C8ED}"/>
-              </a:ext>
-            </a:extLst>
-          </p:cNvPr>
-          <p:cNvSpPr/>
-          <p:nvPr/>
-        </p:nvSpPr>
-        <p:spPr>
-          <a:xfrm>
-            <a:off x="4025256" y="3233057"/>
-            <a:ext cx="2808515" cy="1077686"/>
-          </a:xfrm>
-          <a:prstGeom prst="rect">
-            <a:avLst/>
-          </a:prstGeom>
-          <a:solidFill>
-            <a:schemeClr val="accent6"/>
-          </a:solidFill>
-        </p:spPr>
-        <p:style>
-          <a:lnRef idx="2">
-            <a:schemeClr val="accent1">
-              <a:shade val="50000"/>
-            </a:schemeClr>
-          </a:lnRef>
-          <a:fillRef idx="1">
-            <a:schemeClr val="accent1"/>
-          </a:fillRef>
-          <a:effectRef idx="0">
-            <a:schemeClr val="accent1"/>
-          </a:effectRef>
-          <a:fontRef idx="minor">
-            <a:schemeClr val="lt1"/>
-          </a:fontRef>
-        </p:style>
-        <p:txBody>
-          <a:bodyPr rtlCol="0" anchor="ctr"/>
-          <a:lstStyle/>
-          <a:p>
-            <a:pPr algn="ctr"/>
-            <a:r>
-              <a:rPr lang="de-DE" dirty="0" err="1"/>
-              <a:t>CalculatorController</a:t>
-            </a:r>
-            <a:endParaRPr lang="de-DE" dirty="0"/>
-          </a:p>
-        </p:txBody>
-      </p:sp>
-      <p:sp>
-        <p:nvSpPr>
-          <p:cNvPr id="7" name="Rechteck 6">
-            <a:extLst>
-              <a:ext uri="{FF2B5EF4-FFF2-40B4-BE49-F238E27FC236}">
-                <a16:creationId xmlns:a16="http://schemas.microsoft.com/office/drawing/2014/main" id="{F7F585F3-2612-9559-466D-F24C2DA25FC7}"/>
-              </a:ext>
-            </a:extLst>
-          </p:cNvPr>
-          <p:cNvSpPr/>
-          <p:nvPr/>
-        </p:nvSpPr>
-        <p:spPr>
-          <a:xfrm>
-            <a:off x="7924800" y="3233057"/>
-            <a:ext cx="2808515" cy="1077686"/>
-          </a:xfrm>
-          <a:prstGeom prst="rect">
-            <a:avLst/>
-          </a:prstGeom>
-        </p:spPr>
-        <p:style>
-          <a:lnRef idx="2">
-            <a:schemeClr val="accent1">
-              <a:shade val="50000"/>
-            </a:schemeClr>
-          </a:lnRef>
-          <a:fillRef idx="1">
-            <a:schemeClr val="accent1"/>
-          </a:fillRef>
-          <a:effectRef idx="0">
-            <a:schemeClr val="accent1"/>
-          </a:effectRef>
-          <a:fontRef idx="minor">
-            <a:schemeClr val="lt1"/>
-          </a:fontRef>
-        </p:style>
-        <p:txBody>
-          <a:bodyPr rtlCol="0" anchor="ctr"/>
-          <a:lstStyle/>
-          <a:p>
-            <a:pPr algn="ctr"/>
-            <a:r>
-              <a:rPr lang="de-DE" dirty="0"/>
-              <a:t>&lt;&lt;interface&gt;&gt;</a:t>
-            </a:r>
-            <a:br>
-              <a:rPr lang="de-DE" dirty="0"/>
-            </a:br>
-            <a:r>
-              <a:rPr lang="de-DE" dirty="0" err="1"/>
-              <a:t>Calculator</a:t>
-            </a:r>
-            <a:endParaRPr lang="de-DE" dirty="0"/>
-          </a:p>
-        </p:txBody>
-      </p:sp>
-      <p:sp>
-        <p:nvSpPr>
-          <p:cNvPr id="8" name="Rechteck 7">
-            <a:extLst>
-              <a:ext uri="{FF2B5EF4-FFF2-40B4-BE49-F238E27FC236}">
-                <a16:creationId xmlns:a16="http://schemas.microsoft.com/office/drawing/2014/main" id="{B33B5C98-457E-A17F-5A02-71FE92E5CF64}"/>
-              </a:ext>
-            </a:extLst>
-          </p:cNvPr>
-          <p:cNvSpPr/>
-          <p:nvPr/>
-        </p:nvSpPr>
-        <p:spPr>
-          <a:xfrm>
-            <a:off x="7924800" y="4775426"/>
-            <a:ext cx="2808515" cy="1077686"/>
-          </a:xfrm>
-          <a:prstGeom prst="rect">
-            <a:avLst/>
-          </a:prstGeom>
-        </p:spPr>
-        <p:style>
-          <a:lnRef idx="2">
-            <a:schemeClr val="accent1">
-              <a:shade val="50000"/>
-            </a:schemeClr>
-          </a:lnRef>
-          <a:fillRef idx="1">
-            <a:schemeClr val="accent1"/>
-          </a:fillRef>
-          <a:effectRef idx="0">
-            <a:schemeClr val="accent1"/>
-          </a:effectRef>
-          <a:fontRef idx="minor">
-            <a:schemeClr val="lt1"/>
-          </a:fontRef>
-        </p:style>
-        <p:txBody>
-          <a:bodyPr rtlCol="0" anchor="ctr"/>
-          <a:lstStyle/>
-          <a:p>
-            <a:pPr algn="ctr"/>
-            <a:r>
-              <a:rPr lang="de-DE" dirty="0" err="1"/>
-              <a:t>CalculatorService</a:t>
-            </a:r>
-            <a:endParaRPr lang="de-DE" dirty="0"/>
-          </a:p>
-        </p:txBody>
-      </p:sp>
-      <p:cxnSp>
-        <p:nvCxnSpPr>
-          <p:cNvPr id="10" name="Gerade Verbindung mit Pfeil 9">
-            <a:extLst>
-              <a:ext uri="{FF2B5EF4-FFF2-40B4-BE49-F238E27FC236}">
-                <a16:creationId xmlns:a16="http://schemas.microsoft.com/office/drawing/2014/main" id="{5A77A913-AE8E-5063-4A5B-442C1BEBB710}"/>
-              </a:ext>
-            </a:extLst>
-          </p:cNvPr>
-          <p:cNvCxnSpPr>
-            <a:stCxn id="8" idx="0"/>
-            <a:endCxn id="7" idx="2"/>
-          </p:cNvCxnSpPr>
-          <p:nvPr/>
-        </p:nvCxnSpPr>
-        <p:spPr>
-          <a:xfrm flipV="1">
-            <a:off x="9329058" y="4310743"/>
-            <a:ext cx="0" cy="464683"/>
-          </a:xfrm>
-          <a:prstGeom prst="straightConnector1">
-            <a:avLst/>
-          </a:prstGeom>
-          <a:ln w="38100">
-            <a:tailEnd type="triangle" w="lg" len="med"/>
-          </a:ln>
-        </p:spPr>
-        <p:style>
-          <a:lnRef idx="1">
-            <a:schemeClr val="accent1"/>
-          </a:lnRef>
-          <a:fillRef idx="0">
-            <a:schemeClr val="accent1"/>
-          </a:fillRef>
-          <a:effectRef idx="0">
-            <a:schemeClr val="accent1"/>
-          </a:effectRef>
-          <a:fontRef idx="minor">
-            <a:schemeClr val="tx1"/>
-          </a:fontRef>
-        </p:style>
-      </p:cxnSp>
-      <p:cxnSp>
-        <p:nvCxnSpPr>
-          <p:cNvPr id="12" name="Gerade Verbindung mit Pfeil 11">
-            <a:extLst>
-              <a:ext uri="{FF2B5EF4-FFF2-40B4-BE49-F238E27FC236}">
-                <a16:creationId xmlns:a16="http://schemas.microsoft.com/office/drawing/2014/main" id="{023DB8D5-AE27-6341-4963-3517A5F8BD62}"/>
-              </a:ext>
-            </a:extLst>
-          </p:cNvPr>
-          <p:cNvCxnSpPr>
-            <a:cxnSpLocks/>
-            <a:stCxn id="6" idx="3"/>
-            <a:endCxn id="7" idx="1"/>
-          </p:cNvCxnSpPr>
-          <p:nvPr/>
-        </p:nvCxnSpPr>
-        <p:spPr>
-          <a:xfrm>
-            <a:off x="6833771" y="3771900"/>
-            <a:ext cx="1091029" cy="0"/>
-          </a:xfrm>
-          <a:prstGeom prst="straightConnector1">
-            <a:avLst/>
-          </a:prstGeom>
-          <a:ln w="38100">
-            <a:tailEnd type="triangle"/>
-          </a:ln>
-        </p:spPr>
-        <p:style>
-          <a:lnRef idx="1">
-            <a:schemeClr val="accent1"/>
-          </a:lnRef>
-          <a:fillRef idx="0">
-            <a:schemeClr val="accent1"/>
-          </a:fillRef>
-          <a:effectRef idx="0">
-            <a:schemeClr val="accent1"/>
-          </a:effectRef>
-          <a:fontRef idx="minor">
-            <a:schemeClr val="tx1"/>
-          </a:fontRef>
-        </p:style>
-      </p:cxnSp>
-    </p:spTree>
-    <p:extLst>
-      <p:ext uri="{BB962C8B-B14F-4D97-AF65-F5344CB8AC3E}">
-        <p14:creationId xmlns:p14="http://schemas.microsoft.com/office/powerpoint/2010/main" val="3679846977"/>
-      </p:ext>
-    </p:extLst>
-  </p:cSld>
-  <p:clrMapOvr>
-    <a:masterClrMapping/>
-  </p:clrMapOvr>
-</p:sld>
-</file>
-
-<file path=ppt/slides/slide5.xml><?xml version="1.0" encoding="utf-8"?>
-<p:sld xmlns:a="http://schemas.openxmlformats.org/drawingml/2006/main" xmlns:r="http://schemas.openxmlformats.org/officeDocument/2006/relationships" xmlns:p="http://schemas.openxmlformats.org/presentationml/2006/main">
-  <p:cSld>
-    <p:spTree>
-      <p:nvGrpSpPr>
-        <p:cNvPr id="1" name=""/>
-        <p:cNvGrpSpPr/>
-        <p:nvPr/>
-      </p:nvGrpSpPr>
-      <p:grpSpPr>
-        <a:xfrm>
-          <a:off x="0" y="0"/>
-          <a:ext cx="0" cy="0"/>
-          <a:chOff x="0" y="0"/>
-          <a:chExt cx="0" cy="0"/>
-        </a:xfrm>
-      </p:grpSpPr>
-      <p:sp>
-        <p:nvSpPr>
-          <p:cNvPr id="2" name="Titel 1">
-            <a:extLst>
-              <a:ext uri="{FF2B5EF4-FFF2-40B4-BE49-F238E27FC236}">
-                <a16:creationId xmlns:a16="http://schemas.microsoft.com/office/drawing/2014/main" id="{0EC7A146-A8F2-A844-9033-A0ACC828AF47}"/>
-              </a:ext>
-            </a:extLst>
-          </p:cNvPr>
-          <p:cNvSpPr>
-            <a:spLocks noGrp="1"/>
-          </p:cNvSpPr>
-          <p:nvPr>
-            <p:ph type="title"/>
-          </p:nvPr>
-        </p:nvSpPr>
-        <p:spPr/>
-        <p:txBody>
-          <a:bodyPr/>
-          <a:lstStyle/>
-          <a:p>
-            <a:r>
-              <a:rPr lang="de-DE" dirty="0"/>
-              <a:t>Welt der Unternehmensanwendungen</a:t>
-            </a:r>
-          </a:p>
-        </p:txBody>
-      </p:sp>
-      <p:sp>
-        <p:nvSpPr>
-          <p:cNvPr id="3" name="Inhaltsplatzhalter 2">
-            <a:extLst>
-              <a:ext uri="{FF2B5EF4-FFF2-40B4-BE49-F238E27FC236}">
-                <a16:creationId xmlns:a16="http://schemas.microsoft.com/office/drawing/2014/main" id="{2A5EBA90-6155-FD45-A74C-ECC42BCA72DF}"/>
-              </a:ext>
-            </a:extLst>
-          </p:cNvPr>
-          <p:cNvSpPr>
-            <a:spLocks noGrp="1"/>
-          </p:cNvSpPr>
-          <p:nvPr>
-            <p:ph idx="1"/>
-          </p:nvPr>
-        </p:nvSpPr>
-        <p:spPr/>
-        <p:txBody>
-          <a:bodyPr>
-            <a:normAutofit/>
-          </a:bodyPr>
-          <a:lstStyle/>
-          <a:p>
-            <a:r>
-              <a:rPr lang="de-DE" dirty="0"/>
-              <a:t>Typische Eigenschaften (2)</a:t>
-            </a:r>
-          </a:p>
-          <a:p>
-            <a:pPr lvl="1"/>
-            <a:r>
-              <a:rPr lang="de-DE" dirty="0"/>
-              <a:t>Transaktionale Sicherheit</a:t>
-            </a:r>
-          </a:p>
-          <a:p>
-            <a:pPr lvl="2"/>
-            <a:r>
-              <a:rPr lang="de-DE" dirty="0"/>
-              <a:t>Geschäftsvorfall: ganz oder gar nicht</a:t>
-            </a:r>
-          </a:p>
-          <a:p>
-            <a:pPr lvl="1"/>
-            <a:r>
-              <a:rPr lang="de-DE" dirty="0"/>
-              <a:t>Hohe Sicherheitsanforderungen</a:t>
-            </a:r>
-          </a:p>
-          <a:p>
-            <a:pPr lvl="2"/>
-            <a:r>
-              <a:rPr lang="de-DE" dirty="0"/>
-              <a:t>Schutz vor fremdem Zugriff (lesend/schreibend)</a:t>
-            </a:r>
-          </a:p>
-          <a:p>
-            <a:pPr lvl="2"/>
-            <a:r>
-              <a:rPr lang="de-DE" dirty="0"/>
-              <a:t>Schutz vor Datenverlust</a:t>
-            </a:r>
-          </a:p>
-          <a:p>
-            <a:pPr lvl="1"/>
-            <a:r>
-              <a:rPr lang="de-DE" dirty="0"/>
-              <a:t>Lange Lebensdauer</a:t>
-            </a:r>
-          </a:p>
-          <a:p>
-            <a:pPr lvl="2"/>
-            <a:r>
-              <a:rPr lang="de-DE" dirty="0"/>
-              <a:t>Erfolgreiche Systeme leben Jahrzehnte!</a:t>
-            </a:r>
-          </a:p>
-          <a:p>
-            <a:pPr lvl="1"/>
-            <a:r>
-              <a:rPr lang="de-DE" dirty="0"/>
-              <a:t>Anpassbarkeit</a:t>
-            </a:r>
-          </a:p>
-          <a:p>
-            <a:pPr lvl="2"/>
-            <a:r>
-              <a:rPr lang="de-DE" dirty="0"/>
-              <a:t>Neue Produkte / Prozesse</a:t>
-            </a:r>
-          </a:p>
-          <a:p>
-            <a:pPr lvl="2"/>
-            <a:r>
-              <a:rPr lang="de-DE" dirty="0"/>
-              <a:t>Gesetzesänderungen</a:t>
-            </a:r>
-          </a:p>
-          <a:p>
-            <a:pPr lvl="2"/>
-            <a:endParaRPr lang="de-DE" dirty="0"/>
-          </a:p>
-        </p:txBody>
-      </p:sp>
-    </p:spTree>
-    <p:extLst>
-      <p:ext uri="{BB962C8B-B14F-4D97-AF65-F5344CB8AC3E}">
-        <p14:creationId xmlns:p14="http://schemas.microsoft.com/office/powerpoint/2010/main" val="318696221"/>
-      </p:ext>
-    </p:extLst>
-  </p:cSld>
-  <p:clrMapOvr>
-    <a:masterClrMapping/>
-  </p:clrMapOvr>
-</p:sld>
-</file>
-
-<file path=ppt/slides/slide50.xml><?xml version="1.0" encoding="utf-8"?>
-<p:sld xmlns:a="http://schemas.openxmlformats.org/drawingml/2006/main" xmlns:r="http://schemas.openxmlformats.org/officeDocument/2006/relationships" xmlns:p="http://schemas.openxmlformats.org/presentationml/2006/main">
-  <p:cSld>
-    <p:spTree>
-      <p:nvGrpSpPr>
-        <p:cNvPr id="1" name=""/>
-        <p:cNvGrpSpPr/>
-        <p:nvPr/>
-      </p:nvGrpSpPr>
-      <p:grpSpPr>
-        <a:xfrm>
-          <a:off x="0" y="0"/>
-          <a:ext cx="0" cy="0"/>
-          <a:chOff x="0" y="0"/>
-          <a:chExt cx="0" cy="0"/>
-        </a:xfrm>
-      </p:grpSpPr>
-      <p:sp>
-        <p:nvSpPr>
-          <p:cNvPr id="2" name="Titel 1">
-            <a:extLst>
-              <a:ext uri="{FF2B5EF4-FFF2-40B4-BE49-F238E27FC236}">
-                <a16:creationId xmlns:a16="http://schemas.microsoft.com/office/drawing/2014/main" id="{0EC7A146-A8F2-A844-9033-A0ACC828AF47}"/>
-              </a:ext>
-            </a:extLst>
-          </p:cNvPr>
-          <p:cNvSpPr>
-            <a:spLocks noGrp="1"/>
-          </p:cNvSpPr>
-          <p:nvPr>
-            <p:ph type="title"/>
-          </p:nvPr>
-        </p:nvSpPr>
-        <p:spPr/>
-        <p:txBody>
-          <a:bodyPr/>
-          <a:lstStyle/>
-          <a:p>
-            <a:r>
-              <a:rPr lang="de-DE" dirty="0" err="1"/>
-              <a:t>Step</a:t>
-            </a:r>
-            <a:r>
-              <a:rPr lang="de-DE" dirty="0"/>
-              <a:t> 63 – Testen mit Mock</a:t>
-            </a:r>
-          </a:p>
-        </p:txBody>
-      </p:sp>
-      <p:sp>
-        <p:nvSpPr>
-          <p:cNvPr id="6" name="Rechteck 5">
-            <a:extLst>
-              <a:ext uri="{FF2B5EF4-FFF2-40B4-BE49-F238E27FC236}">
-                <a16:creationId xmlns:a16="http://schemas.microsoft.com/office/drawing/2014/main" id="{54AACB2F-05E1-71A8-E1DF-AD16C9F0C8ED}"/>
-              </a:ext>
-            </a:extLst>
-          </p:cNvPr>
-          <p:cNvSpPr/>
-          <p:nvPr/>
-        </p:nvSpPr>
-        <p:spPr>
-          <a:xfrm>
-            <a:off x="4025256" y="3233057"/>
-            <a:ext cx="2808515" cy="1077686"/>
-          </a:xfrm>
-          <a:prstGeom prst="rect">
-            <a:avLst/>
-          </a:prstGeom>
-          <a:solidFill>
-            <a:schemeClr val="accent6"/>
-          </a:solidFill>
-        </p:spPr>
-        <p:style>
-          <a:lnRef idx="2">
-            <a:schemeClr val="accent1">
-              <a:shade val="50000"/>
-            </a:schemeClr>
-          </a:lnRef>
-          <a:fillRef idx="1">
-            <a:schemeClr val="accent1"/>
-          </a:fillRef>
-          <a:effectRef idx="0">
-            <a:schemeClr val="accent1"/>
-          </a:effectRef>
-          <a:fontRef idx="minor">
-            <a:schemeClr val="lt1"/>
-          </a:fontRef>
-        </p:style>
-        <p:txBody>
-          <a:bodyPr rtlCol="0" anchor="ctr"/>
-          <a:lstStyle/>
-          <a:p>
-            <a:pPr algn="ctr"/>
-            <a:r>
-              <a:rPr lang="de-DE" dirty="0" err="1"/>
-              <a:t>CalculatorController</a:t>
-            </a:r>
-            <a:endParaRPr lang="de-DE" dirty="0"/>
-          </a:p>
-        </p:txBody>
-      </p:sp>
-      <p:sp>
-        <p:nvSpPr>
-          <p:cNvPr id="7" name="Rechteck 6">
-            <a:extLst>
-              <a:ext uri="{FF2B5EF4-FFF2-40B4-BE49-F238E27FC236}">
-                <a16:creationId xmlns:a16="http://schemas.microsoft.com/office/drawing/2014/main" id="{F7F585F3-2612-9559-466D-F24C2DA25FC7}"/>
-              </a:ext>
-            </a:extLst>
-          </p:cNvPr>
-          <p:cNvSpPr/>
-          <p:nvPr/>
-        </p:nvSpPr>
-        <p:spPr>
-          <a:xfrm>
-            <a:off x="7924800" y="3233057"/>
-            <a:ext cx="2808515" cy="1077686"/>
-          </a:xfrm>
-          <a:prstGeom prst="rect">
-            <a:avLst/>
-          </a:prstGeom>
-        </p:spPr>
-        <p:style>
-          <a:lnRef idx="2">
-            <a:schemeClr val="accent1">
-              <a:shade val="50000"/>
-            </a:schemeClr>
-          </a:lnRef>
-          <a:fillRef idx="1">
-            <a:schemeClr val="accent1"/>
-          </a:fillRef>
-          <a:effectRef idx="0">
-            <a:schemeClr val="accent1"/>
-          </a:effectRef>
-          <a:fontRef idx="minor">
-            <a:schemeClr val="lt1"/>
-          </a:fontRef>
-        </p:style>
-        <p:txBody>
-          <a:bodyPr rtlCol="0" anchor="ctr"/>
-          <a:lstStyle/>
-          <a:p>
-            <a:pPr algn="ctr"/>
-            <a:r>
-              <a:rPr lang="de-DE" dirty="0"/>
-              <a:t>&lt;&lt;interface&gt;&gt;</a:t>
-            </a:r>
-            <a:br>
-              <a:rPr lang="de-DE" dirty="0"/>
-            </a:br>
-            <a:r>
-              <a:rPr lang="de-DE" dirty="0" err="1"/>
-              <a:t>Calculator</a:t>
-            </a:r>
-            <a:endParaRPr lang="de-DE" dirty="0"/>
-          </a:p>
-        </p:txBody>
-      </p:sp>
-      <p:sp>
-        <p:nvSpPr>
-          <p:cNvPr id="8" name="Rechteck 7">
-            <a:extLst>
-              <a:ext uri="{FF2B5EF4-FFF2-40B4-BE49-F238E27FC236}">
-                <a16:creationId xmlns:a16="http://schemas.microsoft.com/office/drawing/2014/main" id="{B33B5C98-457E-A17F-5A02-71FE92E5CF64}"/>
-              </a:ext>
-            </a:extLst>
-          </p:cNvPr>
-          <p:cNvSpPr/>
-          <p:nvPr/>
-        </p:nvSpPr>
-        <p:spPr>
-          <a:xfrm>
-            <a:off x="7924800" y="4775426"/>
-            <a:ext cx="2808515" cy="1077686"/>
-          </a:xfrm>
-          <a:prstGeom prst="rect">
-            <a:avLst/>
-          </a:prstGeom>
-          <a:solidFill>
-            <a:schemeClr val="accent2"/>
-          </a:solidFill>
-        </p:spPr>
-        <p:style>
-          <a:lnRef idx="2">
-            <a:schemeClr val="accent1">
-              <a:shade val="50000"/>
-            </a:schemeClr>
-          </a:lnRef>
-          <a:fillRef idx="1">
-            <a:schemeClr val="accent1"/>
-          </a:fillRef>
-          <a:effectRef idx="0">
-            <a:schemeClr val="accent1"/>
-          </a:effectRef>
-          <a:fontRef idx="minor">
-            <a:schemeClr val="lt1"/>
-          </a:fontRef>
-        </p:style>
-        <p:txBody>
-          <a:bodyPr rtlCol="0" anchor="ctr"/>
-          <a:lstStyle/>
-          <a:p>
-            <a:pPr algn="ctr"/>
-            <a:r>
-              <a:rPr lang="de-DE" dirty="0" err="1"/>
-              <a:t>CalculatorMock</a:t>
-            </a:r>
-            <a:endParaRPr lang="de-DE" dirty="0"/>
-          </a:p>
-        </p:txBody>
-      </p:sp>
-      <p:cxnSp>
-        <p:nvCxnSpPr>
-          <p:cNvPr id="10" name="Gerade Verbindung mit Pfeil 9">
-            <a:extLst>
-              <a:ext uri="{FF2B5EF4-FFF2-40B4-BE49-F238E27FC236}">
-                <a16:creationId xmlns:a16="http://schemas.microsoft.com/office/drawing/2014/main" id="{5A77A913-AE8E-5063-4A5B-442C1BEBB710}"/>
-              </a:ext>
-            </a:extLst>
-          </p:cNvPr>
-          <p:cNvCxnSpPr>
-            <a:stCxn id="8" idx="0"/>
-            <a:endCxn id="7" idx="2"/>
-          </p:cNvCxnSpPr>
-          <p:nvPr/>
-        </p:nvCxnSpPr>
-        <p:spPr>
-          <a:xfrm flipV="1">
-            <a:off x="9329058" y="4310743"/>
-            <a:ext cx="0" cy="464683"/>
-          </a:xfrm>
-          <a:prstGeom prst="straightConnector1">
-            <a:avLst/>
-          </a:prstGeom>
-          <a:ln w="38100">
-            <a:tailEnd type="triangle" w="lg" len="med"/>
-          </a:ln>
-        </p:spPr>
-        <p:style>
-          <a:lnRef idx="1">
-            <a:schemeClr val="accent1"/>
-          </a:lnRef>
-          <a:fillRef idx="0">
-            <a:schemeClr val="accent1"/>
-          </a:fillRef>
-          <a:effectRef idx="0">
-            <a:schemeClr val="accent1"/>
-          </a:effectRef>
-          <a:fontRef idx="minor">
-            <a:schemeClr val="tx1"/>
-          </a:fontRef>
-        </p:style>
-      </p:cxnSp>
-      <p:cxnSp>
-        <p:nvCxnSpPr>
-          <p:cNvPr id="12" name="Gerade Verbindung mit Pfeil 11">
-            <a:extLst>
-              <a:ext uri="{FF2B5EF4-FFF2-40B4-BE49-F238E27FC236}">
-                <a16:creationId xmlns:a16="http://schemas.microsoft.com/office/drawing/2014/main" id="{023DB8D5-AE27-6341-4963-3517A5F8BD62}"/>
-              </a:ext>
-            </a:extLst>
-          </p:cNvPr>
-          <p:cNvCxnSpPr>
-            <a:cxnSpLocks/>
-            <a:stCxn id="6" idx="3"/>
-            <a:endCxn id="7" idx="1"/>
-          </p:cNvCxnSpPr>
-          <p:nvPr/>
-        </p:nvCxnSpPr>
-        <p:spPr>
-          <a:xfrm>
-            <a:off x="6833771" y="3771900"/>
-            <a:ext cx="1091029" cy="0"/>
-          </a:xfrm>
-          <a:prstGeom prst="straightConnector1">
-            <a:avLst/>
-          </a:prstGeom>
-          <a:ln w="38100">
-            <a:tailEnd type="triangle"/>
-          </a:ln>
-        </p:spPr>
-        <p:style>
-          <a:lnRef idx="1">
-            <a:schemeClr val="accent1"/>
-          </a:lnRef>
-          <a:fillRef idx="0">
-            <a:schemeClr val="accent1"/>
-          </a:fillRef>
-          <a:effectRef idx="0">
-            <a:schemeClr val="accent1"/>
-          </a:effectRef>
-          <a:fontRef idx="minor">
-            <a:schemeClr val="tx1"/>
-          </a:fontRef>
-        </p:style>
-      </p:cxnSp>
-      <p:sp>
-        <p:nvSpPr>
-          <p:cNvPr id="13" name="Rechteck 12">
-            <a:extLst>
-              <a:ext uri="{FF2B5EF4-FFF2-40B4-BE49-F238E27FC236}">
-                <a16:creationId xmlns:a16="http://schemas.microsoft.com/office/drawing/2014/main" id="{1C5B0322-9465-7C1F-C6F7-892F43FBCA16}"/>
-              </a:ext>
-            </a:extLst>
-          </p:cNvPr>
-          <p:cNvSpPr/>
-          <p:nvPr/>
-        </p:nvSpPr>
-        <p:spPr>
-          <a:xfrm>
-            <a:off x="4025255" y="1592452"/>
-            <a:ext cx="2808515" cy="1077686"/>
-          </a:xfrm>
-          <a:prstGeom prst="rect">
-            <a:avLst/>
-          </a:prstGeom>
-          <a:solidFill>
-            <a:schemeClr val="accent2"/>
-          </a:solidFill>
-        </p:spPr>
-        <p:style>
-          <a:lnRef idx="2">
-            <a:schemeClr val="accent1">
-              <a:shade val="50000"/>
-            </a:schemeClr>
-          </a:lnRef>
-          <a:fillRef idx="1">
-            <a:schemeClr val="accent1"/>
-          </a:fillRef>
-          <a:effectRef idx="0">
-            <a:schemeClr val="accent1"/>
-          </a:effectRef>
-          <a:fontRef idx="minor">
-            <a:schemeClr val="lt1"/>
-          </a:fontRef>
-        </p:style>
-        <p:txBody>
-          <a:bodyPr rtlCol="0" anchor="ctr"/>
-          <a:lstStyle/>
-          <a:p>
-            <a:pPr algn="ctr"/>
-            <a:r>
-              <a:rPr lang="de-DE" dirty="0" err="1"/>
-              <a:t>CalculatorControllerTest</a:t>
-            </a:r>
-            <a:endParaRPr lang="de-DE" dirty="0"/>
-          </a:p>
-        </p:txBody>
-      </p:sp>
-      <p:cxnSp>
-        <p:nvCxnSpPr>
-          <p:cNvPr id="15" name="Gerade Verbindung mit Pfeil 14">
-            <a:extLst>
-              <a:ext uri="{FF2B5EF4-FFF2-40B4-BE49-F238E27FC236}">
-                <a16:creationId xmlns:a16="http://schemas.microsoft.com/office/drawing/2014/main" id="{6BDD012D-7075-7CA3-B8EB-5F632D051FA9}"/>
-              </a:ext>
-            </a:extLst>
-          </p:cNvPr>
-          <p:cNvCxnSpPr>
-            <a:stCxn id="13" idx="2"/>
-            <a:endCxn id="6" idx="0"/>
-          </p:cNvCxnSpPr>
-          <p:nvPr/>
-        </p:nvCxnSpPr>
-        <p:spPr>
-          <a:xfrm>
-            <a:off x="5429513" y="2670138"/>
-            <a:ext cx="1" cy="562919"/>
-          </a:xfrm>
-          <a:prstGeom prst="straightConnector1">
-            <a:avLst/>
-          </a:prstGeom>
-          <a:ln w="38100">
-            <a:tailEnd type="triangle"/>
-          </a:ln>
-        </p:spPr>
-        <p:style>
-          <a:lnRef idx="1">
-            <a:schemeClr val="accent1"/>
-          </a:lnRef>
-          <a:fillRef idx="0">
-            <a:schemeClr val="accent1"/>
-          </a:fillRef>
-          <a:effectRef idx="0">
-            <a:schemeClr val="accent1"/>
-          </a:effectRef>
-          <a:fontRef idx="minor">
-            <a:schemeClr val="tx1"/>
-          </a:fontRef>
-        </p:style>
-      </p:cxnSp>
-    </p:spTree>
-    <p:extLst>
-      <p:ext uri="{BB962C8B-B14F-4D97-AF65-F5344CB8AC3E}">
-        <p14:creationId xmlns:p14="http://schemas.microsoft.com/office/powerpoint/2010/main" val="3910974455"/>
-      </p:ext>
-    </p:extLst>
-  </p:cSld>
-  <p:clrMapOvr>
-    <a:masterClrMapping/>
-  </p:clrMapOvr>
-</p:sld>
-</file>
-
-<file path=ppt/slides/slide51.xml><?xml version="1.0" encoding="utf-8"?>
-<p:sld xmlns:a="http://schemas.openxmlformats.org/drawingml/2006/main" xmlns:r="http://schemas.openxmlformats.org/officeDocument/2006/relationships" xmlns:p="http://schemas.openxmlformats.org/presentationml/2006/main">
-  <p:cSld>
-    <p:spTree>
-      <p:nvGrpSpPr>
-        <p:cNvPr id="1" name=""/>
-        <p:cNvGrpSpPr/>
-        <p:nvPr/>
-      </p:nvGrpSpPr>
-      <p:grpSpPr>
-        <a:xfrm>
-          <a:off x="0" y="0"/>
-          <a:ext cx="0" cy="0"/>
-          <a:chOff x="0" y="0"/>
-          <a:chExt cx="0" cy="0"/>
-        </a:xfrm>
-      </p:grpSpPr>
-      <p:sp>
-        <p:nvSpPr>
-          <p:cNvPr id="2" name="Titel 1">
-            <a:extLst>
-              <a:ext uri="{FF2B5EF4-FFF2-40B4-BE49-F238E27FC236}">
-                <a16:creationId xmlns:a16="http://schemas.microsoft.com/office/drawing/2014/main" id="{0EC7A146-A8F2-A844-9033-A0ACC828AF47}"/>
-              </a:ext>
-            </a:extLst>
-          </p:cNvPr>
-          <p:cNvSpPr>
-            <a:spLocks noGrp="1"/>
-          </p:cNvSpPr>
-          <p:nvPr>
-            <p:ph type="title"/>
-          </p:nvPr>
-        </p:nvSpPr>
-        <p:spPr/>
-        <p:txBody>
-          <a:bodyPr/>
-          <a:lstStyle/>
-          <a:p>
-            <a:r>
-              <a:rPr lang="de-DE" dirty="0" err="1"/>
-              <a:t>Step</a:t>
-            </a:r>
-            <a:r>
-              <a:rPr lang="de-DE" dirty="0"/>
-              <a:t> </a:t>
-            </a:r>
-            <a:r>
-              <a:rPr lang="de-DE" dirty="0" err="1"/>
-              <a:t>calculator</a:t>
-            </a:r>
-            <a:r>
-              <a:rPr lang="de-DE" dirty="0"/>
-              <a:t> 64 (</a:t>
-            </a:r>
-            <a:r>
-              <a:rPr lang="de-DE" dirty="0" err="1"/>
-              <a:t>Step</a:t>
-            </a:r>
-            <a:r>
-              <a:rPr lang="de-DE" dirty="0"/>
-              <a:t> 120)</a:t>
-            </a:r>
-          </a:p>
-        </p:txBody>
-      </p:sp>
-      <p:sp>
-        <p:nvSpPr>
-          <p:cNvPr id="3" name="Inhaltsplatzhalter 2">
-            <a:extLst>
-              <a:ext uri="{FF2B5EF4-FFF2-40B4-BE49-F238E27FC236}">
-                <a16:creationId xmlns:a16="http://schemas.microsoft.com/office/drawing/2014/main" id="{2A5EBA90-6155-FD45-A74C-ECC42BCA72DF}"/>
-              </a:ext>
-            </a:extLst>
-          </p:cNvPr>
-          <p:cNvSpPr>
-            <a:spLocks noGrp="1"/>
-          </p:cNvSpPr>
-          <p:nvPr>
-            <p:ph idx="1"/>
-          </p:nvPr>
-        </p:nvSpPr>
-        <p:spPr/>
-        <p:txBody>
-          <a:bodyPr>
-            <a:normAutofit lnSpcReduction="10000"/>
-          </a:bodyPr>
-          <a:lstStyle/>
-          <a:p>
-            <a:r>
-              <a:rPr lang="de-DE" dirty="0"/>
-              <a:t>Thema: Lombok</a:t>
-            </a:r>
-          </a:p>
-          <a:p>
-            <a:pPr lvl="1"/>
-            <a:r>
-              <a:rPr lang="de-DE" dirty="0"/>
-              <a:t>Bibliothek zur Anreicherung von Java-Klassen</a:t>
-            </a:r>
-          </a:p>
-          <a:p>
-            <a:pPr lvl="2"/>
-            <a:r>
-              <a:rPr lang="de-DE" dirty="0"/>
-              <a:t>Getter</a:t>
-            </a:r>
-          </a:p>
-          <a:p>
-            <a:pPr lvl="2"/>
-            <a:r>
-              <a:rPr lang="de-DE" dirty="0"/>
-              <a:t>Setter</a:t>
-            </a:r>
-          </a:p>
-          <a:p>
-            <a:pPr lvl="2"/>
-            <a:r>
-              <a:rPr lang="de-DE" dirty="0"/>
-              <a:t>Equals</a:t>
-            </a:r>
-          </a:p>
-          <a:p>
-            <a:pPr lvl="2"/>
-            <a:r>
-              <a:rPr lang="de-DE" dirty="0" err="1"/>
-              <a:t>Hashcode</a:t>
-            </a:r>
-            <a:endParaRPr lang="de-DE" dirty="0"/>
-          </a:p>
-          <a:p>
-            <a:pPr lvl="2"/>
-            <a:r>
-              <a:rPr lang="de-DE" dirty="0" err="1"/>
-              <a:t>Builder</a:t>
-            </a:r>
-            <a:endParaRPr lang="de-DE" dirty="0"/>
-          </a:p>
-          <a:p>
-            <a:pPr lvl="2"/>
-            <a:r>
-              <a:rPr lang="de-DE" dirty="0"/>
-              <a:t>…</a:t>
-            </a:r>
-          </a:p>
-          <a:p>
-            <a:pPr lvl="1"/>
-            <a:r>
-              <a:rPr lang="de-DE" dirty="0">
-                <a:hlinkClick r:id="rId2"/>
-              </a:rPr>
-              <a:t>https://projectlombok.org/</a:t>
-            </a:r>
-            <a:endParaRPr lang="de-DE" dirty="0"/>
-          </a:p>
-          <a:p>
-            <a:pPr lvl="1"/>
-            <a:endParaRPr lang="de-DE" dirty="0"/>
-          </a:p>
-          <a:p>
-            <a:r>
-              <a:rPr lang="de-DE" dirty="0"/>
-              <a:t>Alternative: </a:t>
-            </a:r>
-            <a:r>
-              <a:rPr lang="de-DE" dirty="0" err="1"/>
-              <a:t>Immutables</a:t>
-            </a:r>
-            <a:r>
-              <a:rPr lang="de-DE" dirty="0"/>
-              <a:t> </a:t>
-            </a:r>
-          </a:p>
-          <a:p>
-            <a:pPr lvl="1"/>
-            <a:r>
-              <a:rPr lang="de-DE" dirty="0">
-                <a:hlinkClick r:id="rId3"/>
-              </a:rPr>
-              <a:t>https://immutables.github.io</a:t>
-            </a:r>
-            <a:r>
-              <a:rPr lang="de-DE">
-                <a:hlinkClick r:id="rId3"/>
-              </a:rPr>
-              <a:t>/</a:t>
-            </a:r>
-            <a:endParaRPr lang="de-DE"/>
-          </a:p>
-          <a:p>
-            <a:pPr marL="457200" lvl="1" indent="0">
-              <a:buNone/>
-            </a:pPr>
-            <a:endParaRPr lang="de-DE" dirty="0"/>
-          </a:p>
-          <a:p>
-            <a:endParaRPr lang="de-DE" dirty="0"/>
-          </a:p>
-        </p:txBody>
-      </p:sp>
-    </p:spTree>
-    <p:extLst>
-      <p:ext uri="{BB962C8B-B14F-4D97-AF65-F5344CB8AC3E}">
-        <p14:creationId xmlns:p14="http://schemas.microsoft.com/office/powerpoint/2010/main" val="2434252146"/>
-      </p:ext>
-    </p:extLst>
-  </p:cSld>
-  <p:clrMapOvr>
-    <a:masterClrMapping/>
-  </p:clrMapOvr>
-</p:sld>
-</file>
-
-<file path=ppt/slides/slide52.xml><?xml version="1.0" encoding="utf-8"?>
-<p:sld xmlns:a="http://schemas.openxmlformats.org/drawingml/2006/main" xmlns:r="http://schemas.openxmlformats.org/officeDocument/2006/relationships" xmlns:p="http://schemas.openxmlformats.org/presentationml/2006/main">
-  <p:cSld>
-    <p:spTree>
-      <p:nvGrpSpPr>
-        <p:cNvPr id="1" name=""/>
-        <p:cNvGrpSpPr/>
-        <p:nvPr/>
-      </p:nvGrpSpPr>
-      <p:grpSpPr>
-        <a:xfrm>
-          <a:off x="0" y="0"/>
-          <a:ext cx="0" cy="0"/>
-          <a:chOff x="0" y="0"/>
-          <a:chExt cx="0" cy="0"/>
-        </a:xfrm>
-      </p:grpSpPr>
-      <p:sp>
-        <p:nvSpPr>
-          <p:cNvPr id="2" name="Titel 1">
-            <a:extLst>
-              <a:ext uri="{FF2B5EF4-FFF2-40B4-BE49-F238E27FC236}">
-                <a16:creationId xmlns:a16="http://schemas.microsoft.com/office/drawing/2014/main" id="{0EC7A146-A8F2-A844-9033-A0ACC828AF47}"/>
-              </a:ext>
-            </a:extLst>
-          </p:cNvPr>
-          <p:cNvSpPr>
-            <a:spLocks noGrp="1"/>
-          </p:cNvSpPr>
-          <p:nvPr>
-            <p:ph type="title"/>
-          </p:nvPr>
-        </p:nvSpPr>
-        <p:spPr/>
-        <p:txBody>
-          <a:bodyPr/>
-          <a:lstStyle/>
-          <a:p>
-            <a:r>
-              <a:rPr lang="de-DE" dirty="0" err="1"/>
-              <a:t>Step</a:t>
-            </a:r>
-            <a:r>
-              <a:rPr lang="de-DE" dirty="0"/>
-              <a:t> 70</a:t>
-            </a:r>
-          </a:p>
-        </p:txBody>
-      </p:sp>
-      <p:sp>
-        <p:nvSpPr>
-          <p:cNvPr id="3" name="Inhaltsplatzhalter 2">
-            <a:extLst>
-              <a:ext uri="{FF2B5EF4-FFF2-40B4-BE49-F238E27FC236}">
-                <a16:creationId xmlns:a16="http://schemas.microsoft.com/office/drawing/2014/main" id="{2A5EBA90-6155-FD45-A74C-ECC42BCA72DF}"/>
-              </a:ext>
-            </a:extLst>
-          </p:cNvPr>
-          <p:cNvSpPr>
-            <a:spLocks noGrp="1"/>
-          </p:cNvSpPr>
-          <p:nvPr>
-            <p:ph idx="1"/>
-          </p:nvPr>
-        </p:nvSpPr>
-        <p:spPr/>
-        <p:txBody>
-          <a:bodyPr/>
-          <a:lstStyle/>
-          <a:p>
-            <a:r>
-              <a:rPr lang="de-DE" dirty="0"/>
-              <a:t>Thema: </a:t>
-            </a:r>
-            <a:r>
-              <a:rPr lang="de-DE" dirty="0" err="1"/>
-              <a:t>Dependency</a:t>
-            </a:r>
-            <a:r>
-              <a:rPr lang="de-DE" dirty="0"/>
-              <a:t> </a:t>
-            </a:r>
-            <a:r>
-              <a:rPr lang="de-DE" dirty="0" err="1"/>
-              <a:t>Injection</a:t>
-            </a:r>
-            <a:r>
-              <a:rPr lang="de-DE" dirty="0"/>
-              <a:t> mit Spring</a:t>
-            </a:r>
-          </a:p>
-        </p:txBody>
-      </p:sp>
-    </p:spTree>
-    <p:extLst>
-      <p:ext uri="{BB962C8B-B14F-4D97-AF65-F5344CB8AC3E}">
-        <p14:creationId xmlns:p14="http://schemas.microsoft.com/office/powerpoint/2010/main" val="1607655202"/>
-      </p:ext>
-    </p:extLst>
-  </p:cSld>
-  <p:clrMapOvr>
-    <a:masterClrMapping/>
-  </p:clrMapOvr>
-</p:sld>
-</file>
-
-<file path=ppt/slides/slide53.xml><?xml version="1.0" encoding="utf-8"?>
-<p:sld xmlns:a="http://schemas.openxmlformats.org/drawingml/2006/main" xmlns:r="http://schemas.openxmlformats.org/officeDocument/2006/relationships" xmlns:p="http://schemas.openxmlformats.org/presentationml/2006/main">
-  <p:cSld>
-    <p:spTree>
-      <p:nvGrpSpPr>
-        <p:cNvPr id="1" name=""/>
-        <p:cNvGrpSpPr/>
-        <p:nvPr/>
-      </p:nvGrpSpPr>
-      <p:grpSpPr>
-        <a:xfrm>
-          <a:off x="0" y="0"/>
-          <a:ext cx="0" cy="0"/>
-          <a:chOff x="0" y="0"/>
-          <a:chExt cx="0" cy="0"/>
-        </a:xfrm>
-      </p:grpSpPr>
-      <p:sp>
-        <p:nvSpPr>
-          <p:cNvPr id="2" name="Titel 1">
-            <a:extLst>
-              <a:ext uri="{FF2B5EF4-FFF2-40B4-BE49-F238E27FC236}">
-                <a16:creationId xmlns:a16="http://schemas.microsoft.com/office/drawing/2014/main" id="{0EC7A146-A8F2-A844-9033-A0ACC828AF47}"/>
-              </a:ext>
-            </a:extLst>
-          </p:cNvPr>
-          <p:cNvSpPr>
-            <a:spLocks noGrp="1"/>
-          </p:cNvSpPr>
-          <p:nvPr>
-            <p:ph type="title"/>
-          </p:nvPr>
-        </p:nvSpPr>
-        <p:spPr/>
-        <p:txBody>
-          <a:bodyPr/>
-          <a:lstStyle/>
-          <a:p>
-            <a:r>
-              <a:rPr lang="de-DE" dirty="0" err="1"/>
-              <a:t>Step</a:t>
-            </a:r>
-            <a:r>
-              <a:rPr lang="de-DE" dirty="0"/>
-              <a:t> 80</a:t>
-            </a:r>
-          </a:p>
-        </p:txBody>
-      </p:sp>
-      <p:sp>
-        <p:nvSpPr>
-          <p:cNvPr id="3" name="Inhaltsplatzhalter 2">
-            <a:extLst>
-              <a:ext uri="{FF2B5EF4-FFF2-40B4-BE49-F238E27FC236}">
-                <a16:creationId xmlns:a16="http://schemas.microsoft.com/office/drawing/2014/main" id="{2A5EBA90-6155-FD45-A74C-ECC42BCA72DF}"/>
-              </a:ext>
-            </a:extLst>
-          </p:cNvPr>
-          <p:cNvSpPr>
-            <a:spLocks noGrp="1"/>
-          </p:cNvSpPr>
-          <p:nvPr>
-            <p:ph idx="1"/>
-          </p:nvPr>
-        </p:nvSpPr>
-        <p:spPr/>
-        <p:txBody>
-          <a:bodyPr/>
-          <a:lstStyle/>
-          <a:p>
-            <a:r>
-              <a:rPr lang="de-DE" dirty="0"/>
-              <a:t>Thema: Testen mit Mocks</a:t>
-            </a:r>
-          </a:p>
-          <a:p>
-            <a:pPr lvl="1"/>
-            <a:r>
-              <a:rPr lang="de-DE" dirty="0" err="1"/>
-              <a:t>Mockito</a:t>
-            </a:r>
-            <a:r>
-              <a:rPr lang="de-DE" dirty="0"/>
-              <a:t>: Bibliothek zum Erstellen von Mock-Objekten in Unit-Tests</a:t>
-            </a:r>
-          </a:p>
-        </p:txBody>
-      </p:sp>
-    </p:spTree>
-    <p:extLst>
-      <p:ext uri="{BB962C8B-B14F-4D97-AF65-F5344CB8AC3E}">
-        <p14:creationId xmlns:p14="http://schemas.microsoft.com/office/powerpoint/2010/main" val="1609070468"/>
-      </p:ext>
-    </p:extLst>
-  </p:cSld>
-  <p:clrMapOvr>
-    <a:masterClrMapping/>
-  </p:clrMapOvr>
-</p:sld>
-</file>
-
-<file path=ppt/slides/slide54.xml><?xml version="1.0" encoding="utf-8"?>
-<p:sld xmlns:a="http://schemas.openxmlformats.org/drawingml/2006/main" xmlns:r="http://schemas.openxmlformats.org/officeDocument/2006/relationships" xmlns:p="http://schemas.openxmlformats.org/presentationml/2006/main">
-  <p:cSld>
-    <p:spTree>
-      <p:nvGrpSpPr>
-        <p:cNvPr id="1" name=""/>
-        <p:cNvGrpSpPr/>
-        <p:nvPr/>
-      </p:nvGrpSpPr>
-      <p:grpSpPr>
-        <a:xfrm>
-          <a:off x="0" y="0"/>
-          <a:ext cx="0" cy="0"/>
-          <a:chOff x="0" y="0"/>
-          <a:chExt cx="0" cy="0"/>
-        </a:xfrm>
-      </p:grpSpPr>
-      <p:sp>
-        <p:nvSpPr>
-          <p:cNvPr id="2" name="Titel 1">
-            <a:extLst>
-              <a:ext uri="{FF2B5EF4-FFF2-40B4-BE49-F238E27FC236}">
-                <a16:creationId xmlns:a16="http://schemas.microsoft.com/office/drawing/2014/main" id="{0EC7A146-A8F2-A844-9033-A0ACC828AF47}"/>
-              </a:ext>
-            </a:extLst>
-          </p:cNvPr>
-          <p:cNvSpPr>
-            <a:spLocks noGrp="1"/>
-          </p:cNvSpPr>
-          <p:nvPr>
-            <p:ph type="title"/>
-          </p:nvPr>
-        </p:nvSpPr>
-        <p:spPr/>
-        <p:txBody>
-          <a:bodyPr/>
-          <a:lstStyle/>
-          <a:p>
-            <a:r>
-              <a:rPr lang="de-DE" dirty="0" err="1"/>
-              <a:t>Step</a:t>
-            </a:r>
-            <a:r>
-              <a:rPr lang="de-DE" dirty="0"/>
               <a:t> 100</a:t>
             </a:r>
           </a:p>
@@ -17082,7 +12012,7 @@
 </p:sld>
 </file>
 
-<file path=ppt/slides/slide55.xml><?xml version="1.0" encoding="utf-8"?>
+<file path=ppt/slides/slide43.xml><?xml version="1.0" encoding="utf-8"?>
 <p:sld xmlns:a="http://schemas.openxmlformats.org/drawingml/2006/main" xmlns:r="http://schemas.openxmlformats.org/officeDocument/2006/relationships" xmlns:p="http://schemas.openxmlformats.org/presentationml/2006/main">
   <p:cSld>
     <p:spTree>
@@ -17348,7 +12278,7 @@
 </p:sld>
 </file>
 
-<file path=ppt/slides/slide56.xml><?xml version="1.0" encoding="utf-8"?>
+<file path=ppt/slides/slide44.xml><?xml version="1.0" encoding="utf-8"?>
 <p:sld xmlns:a="http://schemas.openxmlformats.org/drawingml/2006/main" xmlns:r="http://schemas.openxmlformats.org/officeDocument/2006/relationships" xmlns:p="http://schemas.openxmlformats.org/presentationml/2006/main">
   <p:cSld>
     <p:spTree>
@@ -17843,7 +12773,7 @@
 </p:sld>
 </file>
 
-<file path=ppt/slides/slide57.xml><?xml version="1.0" encoding="utf-8"?>
+<file path=ppt/slides/slide45.xml><?xml version="1.0" encoding="utf-8"?>
 <p:sld xmlns:a="http://schemas.openxmlformats.org/drawingml/2006/main" xmlns:r="http://schemas.openxmlformats.org/officeDocument/2006/relationships" xmlns:p="http://schemas.openxmlformats.org/presentationml/2006/main">
   <p:cSld>
     <p:spTree>
@@ -18528,7 +13458,7 @@
 </p:sld>
 </file>
 
-<file path=ppt/slides/slide58.xml><?xml version="1.0" encoding="utf-8"?>
+<file path=ppt/slides/slide46.xml><?xml version="1.0" encoding="utf-8"?>
 <p:sld xmlns:a="http://schemas.openxmlformats.org/drawingml/2006/main" xmlns:r="http://schemas.openxmlformats.org/officeDocument/2006/relationships" xmlns:p="http://schemas.openxmlformats.org/presentationml/2006/main">
   <p:cSld>
     <p:spTree>
@@ -19830,7 +14760,7 @@
 </p:sld>
 </file>
 
-<file path=ppt/slides/slide59.xml><?xml version="1.0" encoding="utf-8"?>
+<file path=ppt/slides/slide47.xml><?xml version="1.0" encoding="utf-8"?>
 <p:sld xmlns:a="http://schemas.openxmlformats.org/drawingml/2006/main" xmlns:r="http://schemas.openxmlformats.org/officeDocument/2006/relationships" xmlns:p="http://schemas.openxmlformats.org/presentationml/2006/main">
   <p:cSld>
     <p:spTree>
@@ -20537,7 +15467,7 @@
 </p:sld>
 </file>
 
-<file path=ppt/slides/slide6.xml><?xml version="1.0" encoding="utf-8"?>
+<file path=ppt/slides/slide48.xml><?xml version="1.0" encoding="utf-8"?>
 <p:sld xmlns:a="http://schemas.openxmlformats.org/drawingml/2006/main" xmlns:r="http://schemas.openxmlformats.org/officeDocument/2006/relationships" xmlns:p="http://schemas.openxmlformats.org/presentationml/2006/main">
   <p:cSld>
     <p:spTree>
@@ -20576,8 +15506,12 @@
           <a:lstStyle/>
           <a:p>
             <a:r>
-              <a:rPr lang="de-DE" dirty="0"/>
-              <a:t>Welt der Unternehmensanwendungen</a:t>
+              <a:rPr lang="de-DE" dirty="0" err="1"/>
+              <a:t>Step</a:t>
+            </a:r>
+            <a:r>
+              <a:rPr lang="de-DE" dirty="0"/>
+              <a:t> 100</a:t>
             </a:r>
           </a:p>
         </p:txBody>
@@ -20600,70 +15534,20 @@
         </p:nvSpPr>
         <p:spPr/>
         <p:txBody>
-          <a:bodyPr>
-            <a:normAutofit/>
-          </a:bodyPr>
-          <a:lstStyle/>
-          <a:p>
-            <a:r>
-              <a:rPr lang="de-DE" dirty="0"/>
-              <a:t>Wie setzt man solche Systeme um?</a:t>
-            </a:r>
-          </a:p>
-          <a:p>
-            <a:pPr lvl="1"/>
-            <a:r>
-              <a:rPr lang="de-DE" dirty="0"/>
-              <a:t>Alt: Mach es groß!</a:t>
-            </a:r>
-          </a:p>
-          <a:p>
-            <a:pPr lvl="2"/>
-            <a:r>
-              <a:rPr lang="de-DE" dirty="0"/>
-              <a:t>Große Programme (Monolithen)</a:t>
-            </a:r>
-          </a:p>
-          <a:p>
-            <a:pPr lvl="2"/>
-            <a:r>
-              <a:rPr lang="de-DE" dirty="0"/>
-              <a:t>Große Rechner (Mainframe)</a:t>
-            </a:r>
-          </a:p>
-          <a:p>
-            <a:pPr lvl="2"/>
-            <a:endParaRPr lang="de-DE" dirty="0"/>
-          </a:p>
-          <a:p>
-            <a:pPr lvl="1"/>
-            <a:r>
-              <a:rPr lang="de-DE" dirty="0"/>
-              <a:t>Neu: Teile und herrsche!</a:t>
-            </a:r>
-          </a:p>
-          <a:p>
-            <a:pPr lvl="2"/>
-            <a:r>
-              <a:rPr lang="de-DE" dirty="0"/>
-              <a:t>Z. B. </a:t>
-            </a:r>
-            <a:r>
-              <a:rPr lang="de-DE"/>
-              <a:t>Microservices</a:t>
-            </a:r>
-            <a:endParaRPr lang="de-DE" dirty="0"/>
-          </a:p>
-          <a:p>
-            <a:pPr lvl="2"/>
-            <a:endParaRPr lang="de-DE" dirty="0"/>
+          <a:bodyPr/>
+          <a:lstStyle/>
+          <a:p>
+            <a:r>
+              <a:rPr lang="de-DE" dirty="0"/>
+              <a:t>Thema: Service als Docker-Container</a:t>
+            </a:r>
           </a:p>
         </p:txBody>
       </p:sp>
     </p:spTree>
     <p:extLst>
       <p:ext uri="{BB962C8B-B14F-4D97-AF65-F5344CB8AC3E}">
-        <p14:creationId xmlns:p14="http://schemas.microsoft.com/office/powerpoint/2010/main" val="2560223756"/>
+        <p14:creationId xmlns:p14="http://schemas.microsoft.com/office/powerpoint/2010/main" val="1059597919"/>
       </p:ext>
     </p:extLst>
   </p:cSld>
@@ -20673,7 +15557,7 @@
 </p:sld>
 </file>
 
-<file path=ppt/slides/slide60.xml><?xml version="1.0" encoding="utf-8"?>
+<file path=ppt/slides/slide49.xml><?xml version="1.0" encoding="utf-8"?>
 <p:sld xmlns:a="http://schemas.openxmlformats.org/drawingml/2006/main" xmlns:r="http://schemas.openxmlformats.org/officeDocument/2006/relationships" xmlns:p="http://schemas.openxmlformats.org/presentationml/2006/main">
   <p:cSld>
     <p:spTree>
@@ -20717,7 +15601,7 @@
             </a:r>
             <a:r>
               <a:rPr lang="de-DE" dirty="0"/>
-              <a:t> 100</a:t>
+              <a:t> 110</a:t>
             </a:r>
           </a:p>
         </p:txBody>
@@ -20745,7 +15629,64 @@
           <a:p>
             <a:r>
               <a:rPr lang="de-DE" dirty="0"/>
-              <a:t>Thema: Service als Docker-Container</a:t>
+              <a:t>Thema: Sicherheit</a:t>
+            </a:r>
+          </a:p>
+          <a:p>
+            <a:pPr lvl="1"/>
+            <a:r>
+              <a:rPr lang="de-DE" dirty="0"/>
+              <a:t>Identity </a:t>
+            </a:r>
+            <a:r>
+              <a:rPr lang="de-DE" dirty="0" err="1"/>
+              <a:t>and</a:t>
+            </a:r>
+            <a:r>
+              <a:rPr lang="de-DE" dirty="0"/>
+              <a:t> Access Management (</a:t>
+            </a:r>
+            <a:r>
+              <a:rPr lang="de-DE" dirty="0" err="1"/>
+              <a:t>IdM</a:t>
+            </a:r>
+            <a:r>
+              <a:rPr lang="de-DE" dirty="0"/>
+              <a:t>, IAM, </a:t>
+            </a:r>
+            <a:r>
+              <a:rPr lang="de-DE" dirty="0" err="1"/>
+              <a:t>IdAM</a:t>
+            </a:r>
+            <a:r>
+              <a:rPr lang="de-DE" dirty="0"/>
+              <a:t>)</a:t>
+            </a:r>
+          </a:p>
+          <a:p>
+            <a:pPr lvl="2"/>
+            <a:r>
+              <a:rPr lang="de-DE" dirty="0"/>
+              <a:t>Software: </a:t>
+            </a:r>
+            <a:r>
+              <a:rPr lang="de-DE" dirty="0" err="1"/>
+              <a:t>Keycloak</a:t>
+            </a:r>
+            <a:endParaRPr lang="de-DE" dirty="0"/>
+          </a:p>
+          <a:p>
+            <a:pPr lvl="1"/>
+            <a:r>
+              <a:rPr lang="de-DE" dirty="0"/>
+              <a:t>Sicherung der Anwendung</a:t>
+            </a:r>
+          </a:p>
+          <a:p>
+            <a:pPr lvl="2"/>
+            <a:r>
+              <a:rPr lang="de-DE" dirty="0"/>
+              <a:t>Framework: Spring Security</a:t>
             </a:r>
           </a:p>
         </p:txBody>
@@ -20753,7 +15694,7 @@
     </p:spTree>
     <p:extLst>
       <p:ext uri="{BB962C8B-B14F-4D97-AF65-F5344CB8AC3E}">
-        <p14:creationId xmlns:p14="http://schemas.microsoft.com/office/powerpoint/2010/main" val="1059597919"/>
+        <p14:creationId xmlns:p14="http://schemas.microsoft.com/office/powerpoint/2010/main" val="1812459713"/>
       </p:ext>
     </p:extLst>
   </p:cSld>
@@ -20763,7 +15704,7 @@
 </p:sld>
 </file>
 
-<file path=ppt/slides/slide61.xml><?xml version="1.0" encoding="utf-8"?>
+<file path=ppt/slides/slide5.xml><?xml version="1.0" encoding="utf-8"?>
 <p:sld xmlns:a="http://schemas.openxmlformats.org/drawingml/2006/main" xmlns:r="http://schemas.openxmlformats.org/officeDocument/2006/relationships" xmlns:p="http://schemas.openxmlformats.org/presentationml/2006/main">
   <p:cSld>
     <p:spTree>
@@ -20802,12 +15743,8 @@
           <a:lstStyle/>
           <a:p>
             <a:r>
-              <a:rPr lang="de-DE" dirty="0" err="1"/>
-              <a:t>Step</a:t>
-            </a:r>
-            <a:r>
-              <a:rPr lang="de-DE" dirty="0"/>
-              <a:t> 90</a:t>
+              <a:rPr lang="de-DE" dirty="0"/>
+              <a:t>Welt der Unternehmensanwendungen</a:t>
             </a:r>
           </a:p>
         </p:txBody>
@@ -20830,20 +15767,96 @@
         </p:nvSpPr>
         <p:spPr/>
         <p:txBody>
-          <a:bodyPr/>
-          <a:lstStyle/>
-          <a:p>
-            <a:r>
-              <a:rPr lang="de-DE" dirty="0"/>
-              <a:t>Thema: Persistenz mit Spring Data</a:t>
-            </a:r>
+          <a:bodyPr>
+            <a:normAutofit/>
+          </a:bodyPr>
+          <a:lstStyle/>
+          <a:p>
+            <a:r>
+              <a:rPr lang="de-DE" dirty="0"/>
+              <a:t>Typische Eigenschaften (2)</a:t>
+            </a:r>
+          </a:p>
+          <a:p>
+            <a:pPr lvl="1"/>
+            <a:r>
+              <a:rPr lang="de-DE" dirty="0"/>
+              <a:t>Transaktionale Sicherheit</a:t>
+            </a:r>
+          </a:p>
+          <a:p>
+            <a:pPr lvl="2"/>
+            <a:r>
+              <a:rPr lang="de-DE" dirty="0"/>
+              <a:t>Geschäftsvorfall: ganz oder gar nicht</a:t>
+            </a:r>
+          </a:p>
+          <a:p>
+            <a:pPr lvl="1"/>
+            <a:r>
+              <a:rPr lang="de-DE" dirty="0"/>
+              <a:t>Hohe Sicherheitsanforderungen</a:t>
+            </a:r>
+          </a:p>
+          <a:p>
+            <a:pPr lvl="2"/>
+            <a:r>
+              <a:rPr lang="de-DE" dirty="0"/>
+              <a:t>Schutz vor fremdem Zugriff (lesend/schreibend)</a:t>
+            </a:r>
+          </a:p>
+          <a:p>
+            <a:pPr lvl="2"/>
+            <a:r>
+              <a:rPr lang="de-DE" dirty="0"/>
+              <a:t>Schutz vor Datenverlust</a:t>
+            </a:r>
+          </a:p>
+          <a:p>
+            <a:pPr lvl="1"/>
+            <a:r>
+              <a:rPr lang="de-DE" dirty="0"/>
+              <a:t>Lange Lebensdauer</a:t>
+            </a:r>
+          </a:p>
+          <a:p>
+            <a:pPr lvl="2"/>
+            <a:r>
+              <a:rPr lang="de-DE" dirty="0"/>
+              <a:t>Erfolgreiche Systeme leben Jahrzehnte!</a:t>
+            </a:r>
+          </a:p>
+          <a:p>
+            <a:pPr lvl="1"/>
+            <a:r>
+              <a:rPr lang="de-DE" dirty="0"/>
+              <a:t>Anpassbarkeit</a:t>
+            </a:r>
+          </a:p>
+          <a:p>
+            <a:pPr lvl="2"/>
+            <a:r>
+              <a:rPr lang="de-DE" dirty="0"/>
+              <a:t>Neue Produkte / Prozesse</a:t>
+            </a:r>
+          </a:p>
+          <a:p>
+            <a:pPr lvl="2"/>
+            <a:r>
+              <a:rPr lang="de-DE" dirty="0"/>
+              <a:t>Gesetzesänderungen</a:t>
+            </a:r>
+          </a:p>
+          <a:p>
+            <a:pPr lvl="2"/>
+            <a:endParaRPr lang="de-DE" dirty="0"/>
           </a:p>
         </p:txBody>
       </p:sp>
     </p:spTree>
     <p:extLst>
       <p:ext uri="{BB962C8B-B14F-4D97-AF65-F5344CB8AC3E}">
-        <p14:creationId xmlns:p14="http://schemas.microsoft.com/office/powerpoint/2010/main" val="1190180346"/>
+        <p14:creationId xmlns:p14="http://schemas.microsoft.com/office/powerpoint/2010/main" val="318696221"/>
       </p:ext>
     </p:extLst>
   </p:cSld>
@@ -20853,154 +15866,7 @@
 </p:sld>
 </file>
 
-<file path=ppt/slides/slide62.xml><?xml version="1.0" encoding="utf-8"?>
-<p:sld xmlns:a="http://schemas.openxmlformats.org/drawingml/2006/main" xmlns:r="http://schemas.openxmlformats.org/officeDocument/2006/relationships" xmlns:p="http://schemas.openxmlformats.org/presentationml/2006/main">
-  <p:cSld>
-    <p:spTree>
-      <p:nvGrpSpPr>
-        <p:cNvPr id="1" name=""/>
-        <p:cNvGrpSpPr/>
-        <p:nvPr/>
-      </p:nvGrpSpPr>
-      <p:grpSpPr>
-        <a:xfrm>
-          <a:off x="0" y="0"/>
-          <a:ext cx="0" cy="0"/>
-          <a:chOff x="0" y="0"/>
-          <a:chExt cx="0" cy="0"/>
-        </a:xfrm>
-      </p:grpSpPr>
-      <p:sp>
-        <p:nvSpPr>
-          <p:cNvPr id="2" name="Titel 1">
-            <a:extLst>
-              <a:ext uri="{FF2B5EF4-FFF2-40B4-BE49-F238E27FC236}">
-                <a16:creationId xmlns:a16="http://schemas.microsoft.com/office/drawing/2014/main" id="{0EC7A146-A8F2-A844-9033-A0ACC828AF47}"/>
-              </a:ext>
-            </a:extLst>
-          </p:cNvPr>
-          <p:cNvSpPr>
-            <a:spLocks noGrp="1"/>
-          </p:cNvSpPr>
-          <p:nvPr>
-            <p:ph type="title"/>
-          </p:nvPr>
-        </p:nvSpPr>
-        <p:spPr/>
-        <p:txBody>
-          <a:bodyPr/>
-          <a:lstStyle/>
-          <a:p>
-            <a:r>
-              <a:rPr lang="de-DE" dirty="0" err="1"/>
-              <a:t>Step</a:t>
-            </a:r>
-            <a:r>
-              <a:rPr lang="de-DE" dirty="0"/>
-              <a:t> 110</a:t>
-            </a:r>
-          </a:p>
-        </p:txBody>
-      </p:sp>
-      <p:sp>
-        <p:nvSpPr>
-          <p:cNvPr id="3" name="Inhaltsplatzhalter 2">
-            <a:extLst>
-              <a:ext uri="{FF2B5EF4-FFF2-40B4-BE49-F238E27FC236}">
-                <a16:creationId xmlns:a16="http://schemas.microsoft.com/office/drawing/2014/main" id="{2A5EBA90-6155-FD45-A74C-ECC42BCA72DF}"/>
-              </a:ext>
-            </a:extLst>
-          </p:cNvPr>
-          <p:cNvSpPr>
-            <a:spLocks noGrp="1"/>
-          </p:cNvSpPr>
-          <p:nvPr>
-            <p:ph idx="1"/>
-          </p:nvPr>
-        </p:nvSpPr>
-        <p:spPr/>
-        <p:txBody>
-          <a:bodyPr/>
-          <a:lstStyle/>
-          <a:p>
-            <a:r>
-              <a:rPr lang="de-DE" dirty="0"/>
-              <a:t>Thema: Sicherheit</a:t>
-            </a:r>
-          </a:p>
-          <a:p>
-            <a:pPr lvl="1"/>
-            <a:r>
-              <a:rPr lang="de-DE" dirty="0"/>
-              <a:t>Identity </a:t>
-            </a:r>
-            <a:r>
-              <a:rPr lang="de-DE" dirty="0" err="1"/>
-              <a:t>and</a:t>
-            </a:r>
-            <a:r>
-              <a:rPr lang="de-DE" dirty="0"/>
-              <a:t> Access Management (</a:t>
-            </a:r>
-            <a:r>
-              <a:rPr lang="de-DE" dirty="0" err="1"/>
-              <a:t>IdM</a:t>
-            </a:r>
-            <a:r>
-              <a:rPr lang="de-DE" dirty="0"/>
-              <a:t>, IAM, </a:t>
-            </a:r>
-            <a:r>
-              <a:rPr lang="de-DE" dirty="0" err="1"/>
-              <a:t>IdAM</a:t>
-            </a:r>
-            <a:r>
-              <a:rPr lang="de-DE" dirty="0"/>
-              <a:t>)</a:t>
-            </a:r>
-          </a:p>
-          <a:p>
-            <a:pPr lvl="2"/>
-            <a:r>
-              <a:rPr lang="de-DE" dirty="0"/>
-              <a:t>Software: </a:t>
-            </a:r>
-            <a:r>
-              <a:rPr lang="de-DE" dirty="0" err="1"/>
-              <a:t>Keycloak</a:t>
-            </a:r>
-            <a:endParaRPr lang="de-DE" dirty="0"/>
-          </a:p>
-          <a:p>
-            <a:pPr lvl="1"/>
-            <a:r>
-              <a:rPr lang="de-DE" dirty="0"/>
-              <a:t>Sicherung der Anwendung</a:t>
-            </a:r>
-          </a:p>
-          <a:p>
-            <a:pPr lvl="2"/>
-            <a:r>
-              <a:rPr lang="de-DE" dirty="0"/>
-              <a:t>Framework: Spring Security</a:t>
-            </a:r>
-          </a:p>
-        </p:txBody>
-      </p:sp>
-    </p:spTree>
-    <p:extLst>
-      <p:ext uri="{BB962C8B-B14F-4D97-AF65-F5344CB8AC3E}">
-        <p14:creationId xmlns:p14="http://schemas.microsoft.com/office/powerpoint/2010/main" val="1812459713"/>
-      </p:ext>
-    </p:extLst>
-  </p:cSld>
-  <p:clrMapOvr>
-    <a:masterClrMapping/>
-  </p:clrMapOvr>
-</p:sld>
-</file>
-
-<file path=ppt/slides/slide63.xml><?xml version="1.0" encoding="utf-8"?>
+<file path=ppt/slides/slide50.xml><?xml version="1.0" encoding="utf-8"?>
 <p:sld xmlns:a="http://schemas.openxmlformats.org/drawingml/2006/main" xmlns:r="http://schemas.openxmlformats.org/officeDocument/2006/relationships" xmlns:p="http://schemas.openxmlformats.org/presentationml/2006/main">
   <p:cSld>
     <p:spTree>
@@ -21454,7 +16320,7 @@
 </p:sld>
 </file>
 
-<file path=ppt/slides/slide64.xml><?xml version="1.0" encoding="utf-8"?>
+<file path=ppt/slides/slide51.xml><?xml version="1.0" encoding="utf-8"?>
 <p:sld xmlns:a="http://schemas.openxmlformats.org/drawingml/2006/main" xmlns:r="http://schemas.openxmlformats.org/officeDocument/2006/relationships" xmlns:p="http://schemas.openxmlformats.org/presentationml/2006/main">
   <p:cSld>
     <p:spTree>
@@ -21549,7 +16415,7 @@
 </p:sld>
 </file>
 
-<file path=ppt/slides/slide65.xml><?xml version="1.0" encoding="utf-8"?>
+<file path=ppt/slides/slide52.xml><?xml version="1.0" encoding="utf-8"?>
 <p:sld xmlns:a="http://schemas.openxmlformats.org/drawingml/2006/main" xmlns:r="http://schemas.openxmlformats.org/officeDocument/2006/relationships" xmlns:p="http://schemas.openxmlformats.org/presentationml/2006/main">
   <p:cSld>
     <p:spTree>
@@ -21663,7 +16529,7 @@
 </p:sld>
 </file>
 
-<file path=ppt/slides/slide66.xml><?xml version="1.0" encoding="utf-8"?>
+<file path=ppt/slides/slide53.xml><?xml version="1.0" encoding="utf-8"?>
 <p:sld xmlns:a="http://schemas.openxmlformats.org/drawingml/2006/main" xmlns:r="http://schemas.openxmlformats.org/officeDocument/2006/relationships" xmlns:p="http://schemas.openxmlformats.org/presentationml/2006/main">
   <p:cSld>
     <p:spTree>
@@ -21702,9 +16568,10 @@
           <a:lstStyle/>
           <a:p>
             <a:r>
-              <a:rPr lang="de-DE" dirty="0"/>
-              <a:t>Aufgaben</a:t>
-            </a:r>
+              <a:rPr lang="de-DE" dirty="0" err="1"/>
+              <a:t>Todo</a:t>
+            </a:r>
+            <a:endParaRPr lang="de-DE" dirty="0"/>
           </a:p>
         </p:txBody>
       </p:sp>
@@ -21731,79 +16598,46 @@
           <a:p>
             <a:r>
               <a:rPr lang="de-DE" dirty="0"/>
-              <a:t>Microservice für Lager-DB</a:t>
-            </a:r>
-          </a:p>
-          <a:p>
-            <a:pPr lvl="1"/>
-            <a:r>
-              <a:rPr lang="de-DE" dirty="0"/>
-              <a:t>1. Team: Persistenz mit Spring Data (Hibernate)</a:t>
-            </a:r>
-          </a:p>
-          <a:p>
-            <a:pPr lvl="2"/>
-            <a:r>
-              <a:rPr lang="de-DE" dirty="0"/>
-              <a:t>Vorgabe</a:t>
-            </a:r>
-          </a:p>
-          <a:p>
-            <a:pPr lvl="3"/>
-            <a:r>
-              <a:rPr lang="de-DE" dirty="0"/>
-              <a:t>Datenbankschema Lager-DB (Beispiel aus PR3)</a:t>
-            </a:r>
-          </a:p>
-          <a:p>
-            <a:pPr lvl="3"/>
-            <a:r>
-              <a:rPr lang="de-DE" dirty="0"/>
-              <a:t>Interface der Business-Logik (domain-</a:t>
+              <a:t>Integrations-Tests mit </a:t>
             </a:r>
             <a:r>
               <a:rPr lang="de-DE" dirty="0" err="1"/>
-              <a:t>api</a:t>
-            </a:r>
-            <a:r>
-              <a:rPr lang="de-DE" dirty="0"/>
-              <a:t>)</a:t>
-            </a:r>
-          </a:p>
-          <a:p>
-            <a:pPr lvl="2"/>
-            <a:r>
-              <a:rPr lang="de-DE" dirty="0"/>
-              <a:t>Aufgabe</a:t>
-            </a:r>
-          </a:p>
-          <a:p>
-            <a:pPr lvl="3"/>
-            <a:r>
-              <a:rPr lang="de-DE" dirty="0"/>
-              <a:t>Implementierung Business-Logik (domain-core)</a:t>
-            </a:r>
-          </a:p>
-          <a:p>
-            <a:pPr lvl="4"/>
-            <a:r>
-              <a:rPr lang="de-DE" dirty="0"/>
-              <a:t>Ersatz der Trigger-Logik durch Java-Implementierung</a:t>
-            </a:r>
-          </a:p>
-          <a:p>
-            <a:pPr lvl="3"/>
-            <a:r>
-              <a:rPr lang="de-DE" dirty="0"/>
-              <a:t>Implementierung Datenbank-Zugriff (Entitäten und Data Access </a:t>
+              <a:t>Cucumber</a:t>
+            </a:r>
+            <a:endParaRPr lang="de-DE" dirty="0"/>
+          </a:p>
+          <a:p>
+            <a:r>
+              <a:rPr lang="de-DE" dirty="0"/>
+              <a:t>Performance-Tests mit Gatling</a:t>
+            </a:r>
+          </a:p>
+          <a:p>
+            <a:r>
+              <a:rPr lang="de-DE" dirty="0"/>
+              <a:t>Message-in (</a:t>
             </a:r>
             <a:r>
               <a:rPr lang="de-DE" dirty="0" err="1"/>
-              <a:t>Object</a:t>
-            </a:r>
-            <a:r>
-              <a:rPr lang="de-DE" dirty="0"/>
-              <a:t> (DAO))</a:t>
+              <a:t>ActiveMQ</a:t>
+            </a:r>
+            <a:r>
+              <a:rPr lang="de-DE" dirty="0"/>
+              <a:t> mit JMS)</a:t>
+            </a:r>
+          </a:p>
+          <a:p>
+            <a:r>
+              <a:rPr lang="de-DE" dirty="0"/>
+              <a:t>Message-out (</a:t>
+            </a:r>
+            <a:r>
+              <a:rPr lang="de-DE" dirty="0" err="1"/>
+              <a:t>ActiveMQ</a:t>
+            </a:r>
+            <a:r>
+              <a:rPr lang="de-DE" dirty="0"/>
+              <a:t> mit JMS)</a:t>
             </a:r>
           </a:p>
         </p:txBody>
@@ -21811,7 +16645,7 @@
     </p:spTree>
     <p:extLst>
       <p:ext uri="{BB962C8B-B14F-4D97-AF65-F5344CB8AC3E}">
-        <p14:creationId xmlns:p14="http://schemas.microsoft.com/office/powerpoint/2010/main" val="110709154"/>
+        <p14:creationId xmlns:p14="http://schemas.microsoft.com/office/powerpoint/2010/main" val="657824743"/>
       </p:ext>
     </p:extLst>
   </p:cSld>
@@ -21821,7 +16655,7 @@
 </p:sld>
 </file>
 
-<file path=ppt/slides/slide67.xml><?xml version="1.0" encoding="utf-8"?>
+<file path=ppt/slides/slide6.xml><?xml version="1.0" encoding="utf-8"?>
 <p:sld xmlns:a="http://schemas.openxmlformats.org/drawingml/2006/main" xmlns:r="http://schemas.openxmlformats.org/officeDocument/2006/relationships" xmlns:p="http://schemas.openxmlformats.org/presentationml/2006/main">
   <p:cSld>
     <p:spTree>
@@ -21861,7 +16695,7 @@
           <a:p>
             <a:r>
               <a:rPr lang="de-DE" dirty="0"/>
-              <a:t>Aufgaben</a:t>
+              <a:t>Welt der Unternehmensanwendungen</a:t>
             </a:r>
           </a:p>
         </p:txBody>
@@ -21884,80 +16718,62 @@
         </p:nvSpPr>
         <p:spPr/>
         <p:txBody>
-          <a:bodyPr/>
-          <a:lstStyle/>
-          <a:p>
-            <a:r>
-              <a:rPr lang="de-DE" dirty="0"/>
-              <a:t>Microservice für Lager-DB</a:t>
+          <a:bodyPr>
+            <a:normAutofit/>
+          </a:bodyPr>
+          <a:lstStyle/>
+          <a:p>
+            <a:r>
+              <a:rPr lang="de-DE" dirty="0"/>
+              <a:t>Wie setzt man solche Systeme um?</a:t>
             </a:r>
           </a:p>
           <a:p>
             <a:pPr lvl="1"/>
             <a:r>
               <a:rPr lang="de-DE" dirty="0"/>
-              <a:t>2. Team: Rest-Schnittstelle für Lager-DB</a:t>
+              <a:t>Alt: Mach es groß!</a:t>
             </a:r>
           </a:p>
           <a:p>
             <a:pPr lvl="2"/>
             <a:r>
               <a:rPr lang="de-DE" dirty="0"/>
-              <a:t>Vorgabe</a:t>
-            </a:r>
-          </a:p>
-          <a:p>
-            <a:pPr lvl="3"/>
-            <a:r>
-              <a:rPr lang="de-DE" dirty="0"/>
-              <a:t>Interface der Business-Logik (domain-</a:t>
-            </a:r>
-            <a:r>
-              <a:rPr lang="de-DE" dirty="0" err="1"/>
-              <a:t>api</a:t>
-            </a:r>
-            <a:r>
-              <a:rPr lang="de-DE" dirty="0"/>
-              <a:t>)</a:t>
+              <a:t>Große Programme (Monolithen)</a:t>
             </a:r>
           </a:p>
           <a:p>
             <a:pPr lvl="2"/>
             <a:r>
               <a:rPr lang="de-DE" dirty="0"/>
-              <a:t>Aufgabe</a:t>
-            </a:r>
-          </a:p>
-          <a:p>
-            <a:pPr lvl="3"/>
-            <a:r>
-              <a:rPr lang="de-DE" dirty="0"/>
-              <a:t>Definition der Rest-Schnittstelle</a:t>
-            </a:r>
-          </a:p>
-          <a:p>
-            <a:pPr lvl="4"/>
-            <a:r>
-              <a:rPr lang="de-DE" dirty="0"/>
-              <a:t>Methoden, Pfade, JSON-Formate</a:t>
-            </a:r>
-          </a:p>
-          <a:p>
-            <a:pPr lvl="3"/>
-            <a:r>
-              <a:rPr lang="de-DE" dirty="0"/>
-              <a:t>Implementierung des Rest-Controllers</a:t>
-            </a:r>
-          </a:p>
-          <a:p>
-            <a:pPr lvl="3"/>
-            <a:r>
-              <a:rPr lang="de-DE" dirty="0"/>
-              <a:t>Bereitstellung Test-Aufrufe in Postman</a:t>
-            </a:r>
-          </a:p>
-          <a:p>
-            <a:pPr lvl="3"/>
+              <a:t>Große Rechner (Mainframe)</a:t>
+            </a:r>
+          </a:p>
+          <a:p>
+            <a:pPr lvl="2"/>
+            <a:endParaRPr lang="de-DE" dirty="0"/>
+          </a:p>
+          <a:p>
+            <a:pPr lvl="1"/>
+            <a:r>
+              <a:rPr lang="de-DE" dirty="0"/>
+              <a:t>Neu: Teile und herrsche!</a:t>
+            </a:r>
+          </a:p>
+          <a:p>
+            <a:pPr lvl="2"/>
+            <a:r>
+              <a:rPr lang="de-DE" dirty="0"/>
+              <a:t>Z. B. </a:t>
+            </a:r>
+            <a:r>
+              <a:rPr lang="de-DE"/>
+              <a:t>Microservices</a:t>
+            </a:r>
+            <a:endParaRPr lang="de-DE" dirty="0"/>
+          </a:p>
+          <a:p>
+            <a:pPr lvl="2"/>
             <a:endParaRPr lang="de-DE" dirty="0"/>
           </a:p>
         </p:txBody>
@@ -21965,313 +16781,7 @@
     </p:spTree>
     <p:extLst>
       <p:ext uri="{BB962C8B-B14F-4D97-AF65-F5344CB8AC3E}">
-        <p14:creationId xmlns:p14="http://schemas.microsoft.com/office/powerpoint/2010/main" val="2985434515"/>
-      </p:ext>
-    </p:extLst>
-  </p:cSld>
-  <p:clrMapOvr>
-    <a:masterClrMapping/>
-  </p:clrMapOvr>
-</p:sld>
-</file>
-
-<file path=ppt/slides/slide68.xml><?xml version="1.0" encoding="utf-8"?>
-<p:sld xmlns:a="http://schemas.openxmlformats.org/drawingml/2006/main" xmlns:r="http://schemas.openxmlformats.org/officeDocument/2006/relationships" xmlns:p="http://schemas.openxmlformats.org/presentationml/2006/main">
-  <p:cSld>
-    <p:spTree>
-      <p:nvGrpSpPr>
-        <p:cNvPr id="1" name=""/>
-        <p:cNvGrpSpPr/>
-        <p:nvPr/>
-      </p:nvGrpSpPr>
-      <p:grpSpPr>
-        <a:xfrm>
-          <a:off x="0" y="0"/>
-          <a:ext cx="0" cy="0"/>
-          <a:chOff x="0" y="0"/>
-          <a:chExt cx="0" cy="0"/>
-        </a:xfrm>
-      </p:grpSpPr>
-      <p:sp>
-        <p:nvSpPr>
-          <p:cNvPr id="2" name="Titel 1">
-            <a:extLst>
-              <a:ext uri="{FF2B5EF4-FFF2-40B4-BE49-F238E27FC236}">
-                <a16:creationId xmlns:a16="http://schemas.microsoft.com/office/drawing/2014/main" id="{0EC7A146-A8F2-A844-9033-A0ACC828AF47}"/>
-              </a:ext>
-            </a:extLst>
-          </p:cNvPr>
-          <p:cNvSpPr>
-            <a:spLocks noGrp="1"/>
-          </p:cNvSpPr>
-          <p:nvPr>
-            <p:ph type="title"/>
-          </p:nvPr>
-        </p:nvSpPr>
-        <p:spPr/>
-        <p:txBody>
-          <a:bodyPr/>
-          <a:lstStyle/>
-          <a:p>
-            <a:r>
-              <a:rPr lang="de-DE" dirty="0"/>
-              <a:t>Aufgaben</a:t>
-            </a:r>
-          </a:p>
-        </p:txBody>
-      </p:sp>
-      <p:sp>
-        <p:nvSpPr>
-          <p:cNvPr id="3" name="Inhaltsplatzhalter 2">
-            <a:extLst>
-              <a:ext uri="{FF2B5EF4-FFF2-40B4-BE49-F238E27FC236}">
-                <a16:creationId xmlns:a16="http://schemas.microsoft.com/office/drawing/2014/main" id="{2A5EBA90-6155-FD45-A74C-ECC42BCA72DF}"/>
-              </a:ext>
-            </a:extLst>
-          </p:cNvPr>
-          <p:cNvSpPr>
-            <a:spLocks noGrp="1"/>
-          </p:cNvSpPr>
-          <p:nvPr>
-            <p:ph idx="1"/>
-          </p:nvPr>
-        </p:nvSpPr>
-        <p:spPr/>
-        <p:txBody>
-          <a:bodyPr/>
-          <a:lstStyle/>
-          <a:p>
-            <a:r>
-              <a:rPr lang="de-DE" dirty="0"/>
-              <a:t>Warum Spring?</a:t>
-            </a:r>
-          </a:p>
-          <a:p>
-            <a:pPr lvl="1"/>
-            <a:r>
-              <a:rPr lang="de-DE" dirty="0"/>
-              <a:t>Fragen</a:t>
-            </a:r>
-          </a:p>
-          <a:p>
-            <a:pPr lvl="2"/>
-            <a:r>
-              <a:rPr lang="de-DE" dirty="0"/>
-              <a:t>Was leistet Spring?</a:t>
-            </a:r>
-          </a:p>
-          <a:p>
-            <a:pPr lvl="3"/>
-            <a:r>
-              <a:rPr lang="de-DE" dirty="0"/>
-              <a:t>Rest-</a:t>
-            </a:r>
-            <a:r>
-              <a:rPr lang="de-DE" dirty="0" err="1"/>
-              <a:t>Endpoint</a:t>
-            </a:r>
-            <a:endParaRPr lang="de-DE" dirty="0"/>
-          </a:p>
-          <a:p>
-            <a:pPr lvl="3"/>
-            <a:r>
-              <a:rPr lang="de-DE" dirty="0" err="1"/>
-              <a:t>Dependency-Injection</a:t>
-            </a:r>
-            <a:endParaRPr lang="de-DE" dirty="0"/>
-          </a:p>
-          <a:p>
-            <a:pPr lvl="4"/>
-            <a:r>
-              <a:rPr lang="de-DE" dirty="0"/>
-              <a:t>Auflösung von Mehrdeutigkeit</a:t>
-            </a:r>
-          </a:p>
-          <a:p>
-            <a:pPr lvl="2"/>
-            <a:r>
-              <a:rPr lang="de-DE" dirty="0"/>
-              <a:t>Wie tut Spring das?</a:t>
-            </a:r>
-          </a:p>
-          <a:p>
-            <a:pPr lvl="1"/>
-            <a:r>
-              <a:rPr lang="de-DE" dirty="0"/>
-              <a:t>Aufgabe</a:t>
-            </a:r>
-          </a:p>
-          <a:p>
-            <a:pPr lvl="2"/>
-            <a:r>
-              <a:rPr lang="de-DE" dirty="0"/>
-              <a:t>Präsentation mit Quelltext-Beispielen</a:t>
-            </a:r>
-          </a:p>
-          <a:p>
-            <a:pPr lvl="3"/>
-            <a:endParaRPr lang="de-DE" dirty="0"/>
-          </a:p>
-        </p:txBody>
-      </p:sp>
-    </p:spTree>
-    <p:extLst>
-      <p:ext uri="{BB962C8B-B14F-4D97-AF65-F5344CB8AC3E}">
-        <p14:creationId xmlns:p14="http://schemas.microsoft.com/office/powerpoint/2010/main" val="1069662498"/>
-      </p:ext>
-    </p:extLst>
-  </p:cSld>
-  <p:clrMapOvr>
-    <a:masterClrMapping/>
-  </p:clrMapOvr>
-</p:sld>
-</file>
-
-<file path=ppt/slides/slide69.xml><?xml version="1.0" encoding="utf-8"?>
-<p:sld xmlns:a="http://schemas.openxmlformats.org/drawingml/2006/main" xmlns:r="http://schemas.openxmlformats.org/officeDocument/2006/relationships" xmlns:p="http://schemas.openxmlformats.org/presentationml/2006/main">
-  <p:cSld>
-    <p:spTree>
-      <p:nvGrpSpPr>
-        <p:cNvPr id="1" name=""/>
-        <p:cNvGrpSpPr/>
-        <p:nvPr/>
-      </p:nvGrpSpPr>
-      <p:grpSpPr>
-        <a:xfrm>
-          <a:off x="0" y="0"/>
-          <a:ext cx="0" cy="0"/>
-          <a:chOff x="0" y="0"/>
-          <a:chExt cx="0" cy="0"/>
-        </a:xfrm>
-      </p:grpSpPr>
-      <p:sp>
-        <p:nvSpPr>
-          <p:cNvPr id="2" name="Titel 1">
-            <a:extLst>
-              <a:ext uri="{FF2B5EF4-FFF2-40B4-BE49-F238E27FC236}">
-                <a16:creationId xmlns:a16="http://schemas.microsoft.com/office/drawing/2014/main" id="{0EC7A146-A8F2-A844-9033-A0ACC828AF47}"/>
-              </a:ext>
-            </a:extLst>
-          </p:cNvPr>
-          <p:cNvSpPr>
-            <a:spLocks noGrp="1"/>
-          </p:cNvSpPr>
-          <p:nvPr>
-            <p:ph type="title"/>
-          </p:nvPr>
-        </p:nvSpPr>
-        <p:spPr/>
-        <p:txBody>
-          <a:bodyPr/>
-          <a:lstStyle/>
-          <a:p>
-            <a:r>
-              <a:rPr lang="de-DE" dirty="0"/>
-              <a:t>Aufgaben</a:t>
-            </a:r>
-          </a:p>
-        </p:txBody>
-      </p:sp>
-      <p:sp>
-        <p:nvSpPr>
-          <p:cNvPr id="3" name="Inhaltsplatzhalter 2">
-            <a:extLst>
-              <a:ext uri="{FF2B5EF4-FFF2-40B4-BE49-F238E27FC236}">
-                <a16:creationId xmlns:a16="http://schemas.microsoft.com/office/drawing/2014/main" id="{2A5EBA90-6155-FD45-A74C-ECC42BCA72DF}"/>
-              </a:ext>
-            </a:extLst>
-          </p:cNvPr>
-          <p:cNvSpPr>
-            <a:spLocks noGrp="1"/>
-          </p:cNvSpPr>
-          <p:nvPr>
-            <p:ph idx="1"/>
-          </p:nvPr>
-        </p:nvSpPr>
-        <p:spPr/>
-        <p:txBody>
-          <a:bodyPr/>
-          <a:lstStyle/>
-          <a:p>
-            <a:r>
-              <a:rPr lang="de-DE" dirty="0"/>
-              <a:t>Warum Docker?</a:t>
-            </a:r>
-          </a:p>
-          <a:p>
-            <a:pPr lvl="1"/>
-            <a:r>
-              <a:rPr lang="de-DE" dirty="0"/>
-              <a:t>Fragen</a:t>
-            </a:r>
-          </a:p>
-          <a:p>
-            <a:pPr lvl="2"/>
-            <a:r>
-              <a:rPr lang="de-DE" dirty="0"/>
-              <a:t>Was leistet Docker?</a:t>
-            </a:r>
-          </a:p>
-          <a:p>
-            <a:pPr lvl="3"/>
-            <a:r>
-              <a:rPr lang="de-DE" dirty="0"/>
-              <a:t>Was würde man tun, wenn man Docker nicht benutzt?</a:t>
-            </a:r>
-          </a:p>
-          <a:p>
-            <a:pPr lvl="2"/>
-            <a:r>
-              <a:rPr lang="de-DE" dirty="0"/>
-              <a:t>Wie funktioniert das?</a:t>
-            </a:r>
-          </a:p>
-          <a:p>
-            <a:pPr lvl="3"/>
-            <a:r>
-              <a:rPr lang="de-DE" dirty="0"/>
-              <a:t>Bereitstellung der Images</a:t>
-            </a:r>
-          </a:p>
-          <a:p>
-            <a:pPr lvl="3"/>
-            <a:r>
-              <a:rPr lang="de-DE" dirty="0" err="1"/>
-              <a:t>Runtime</a:t>
-            </a:r>
-            <a:endParaRPr lang="de-DE" dirty="0"/>
-          </a:p>
-          <a:p>
-            <a:pPr lvl="4"/>
-            <a:r>
-              <a:rPr lang="de-DE" dirty="0"/>
-              <a:t>Virtuelle Netzwerke</a:t>
-            </a:r>
-          </a:p>
-          <a:p>
-            <a:pPr lvl="1"/>
-            <a:r>
-              <a:rPr lang="de-DE" dirty="0"/>
-              <a:t>Aufgabe</a:t>
-            </a:r>
-          </a:p>
-          <a:p>
-            <a:pPr lvl="2"/>
-            <a:r>
-              <a:rPr lang="de-DE" dirty="0"/>
-              <a:t>Präsentation mit Quelltext-Beispielen</a:t>
-            </a:r>
-          </a:p>
-          <a:p>
-            <a:pPr lvl="3"/>
-            <a:endParaRPr lang="de-DE" dirty="0"/>
-          </a:p>
-        </p:txBody>
-      </p:sp>
-    </p:spTree>
-    <p:extLst>
-      <p:ext uri="{BB962C8B-B14F-4D97-AF65-F5344CB8AC3E}">
-        <p14:creationId xmlns:p14="http://schemas.microsoft.com/office/powerpoint/2010/main" val="1080260377"/>
+        <p14:creationId xmlns:p14="http://schemas.microsoft.com/office/powerpoint/2010/main" val="2560223756"/>
       </p:ext>
     </p:extLst>
   </p:cSld>
@@ -22437,679 +16947,6 @@
     <p:extLst>
       <p:ext uri="{BB962C8B-B14F-4D97-AF65-F5344CB8AC3E}">
         <p14:creationId xmlns:p14="http://schemas.microsoft.com/office/powerpoint/2010/main" val="2321096448"/>
-      </p:ext>
-    </p:extLst>
-  </p:cSld>
-  <p:clrMapOvr>
-    <a:masterClrMapping/>
-  </p:clrMapOvr>
-</p:sld>
-</file>
-
-<file path=ppt/slides/slide70.xml><?xml version="1.0" encoding="utf-8"?>
-<p:sld xmlns:a="http://schemas.openxmlformats.org/drawingml/2006/main" xmlns:r="http://schemas.openxmlformats.org/officeDocument/2006/relationships" xmlns:p="http://schemas.openxmlformats.org/presentationml/2006/main">
-  <p:cSld>
-    <p:spTree>
-      <p:nvGrpSpPr>
-        <p:cNvPr id="1" name=""/>
-        <p:cNvGrpSpPr/>
-        <p:nvPr/>
-      </p:nvGrpSpPr>
-      <p:grpSpPr>
-        <a:xfrm>
-          <a:off x="0" y="0"/>
-          <a:ext cx="0" cy="0"/>
-          <a:chOff x="0" y="0"/>
-          <a:chExt cx="0" cy="0"/>
-        </a:xfrm>
-      </p:grpSpPr>
-      <p:sp>
-        <p:nvSpPr>
-          <p:cNvPr id="2" name="Titel 1">
-            <a:extLst>
-              <a:ext uri="{FF2B5EF4-FFF2-40B4-BE49-F238E27FC236}">
-                <a16:creationId xmlns:a16="http://schemas.microsoft.com/office/drawing/2014/main" id="{0EC7A146-A8F2-A844-9033-A0ACC828AF47}"/>
-              </a:ext>
-            </a:extLst>
-          </p:cNvPr>
-          <p:cNvSpPr>
-            <a:spLocks noGrp="1"/>
-          </p:cNvSpPr>
-          <p:nvPr>
-            <p:ph type="title"/>
-          </p:nvPr>
-        </p:nvSpPr>
-        <p:spPr/>
-        <p:txBody>
-          <a:bodyPr/>
-          <a:lstStyle/>
-          <a:p>
-            <a:r>
-              <a:rPr lang="de-DE" dirty="0"/>
-              <a:t>Aufgaben</a:t>
-            </a:r>
-          </a:p>
-        </p:txBody>
-      </p:sp>
-      <p:sp>
-        <p:nvSpPr>
-          <p:cNvPr id="3" name="Inhaltsplatzhalter 2">
-            <a:extLst>
-              <a:ext uri="{FF2B5EF4-FFF2-40B4-BE49-F238E27FC236}">
-                <a16:creationId xmlns:a16="http://schemas.microsoft.com/office/drawing/2014/main" id="{2A5EBA90-6155-FD45-A74C-ECC42BCA72DF}"/>
-              </a:ext>
-            </a:extLst>
-          </p:cNvPr>
-          <p:cNvSpPr>
-            <a:spLocks noGrp="1"/>
-          </p:cNvSpPr>
-          <p:nvPr>
-            <p:ph idx="1"/>
-          </p:nvPr>
-        </p:nvSpPr>
-        <p:spPr/>
-        <p:txBody>
-          <a:bodyPr/>
-          <a:lstStyle/>
-          <a:p>
-            <a:r>
-              <a:rPr lang="de-DE" dirty="0"/>
-              <a:t>Warum Maven?</a:t>
-            </a:r>
-          </a:p>
-          <a:p>
-            <a:pPr lvl="1"/>
-            <a:r>
-              <a:rPr lang="de-DE" dirty="0"/>
-              <a:t>Fragen</a:t>
-            </a:r>
-          </a:p>
-          <a:p>
-            <a:pPr lvl="2"/>
-            <a:r>
-              <a:rPr lang="de-DE" dirty="0"/>
-              <a:t>Was leistet Maven?</a:t>
-            </a:r>
-          </a:p>
-          <a:p>
-            <a:pPr lvl="3"/>
-            <a:r>
-              <a:rPr lang="de-DE" dirty="0"/>
-              <a:t>Was würde man tun, wenn man Maven nicht benutzt?</a:t>
-            </a:r>
-          </a:p>
-          <a:p>
-            <a:pPr lvl="1"/>
-            <a:r>
-              <a:rPr lang="de-DE" dirty="0"/>
-              <a:t>Aufgabe</a:t>
-            </a:r>
-          </a:p>
-          <a:p>
-            <a:pPr lvl="2"/>
-            <a:r>
-              <a:rPr lang="de-DE" dirty="0"/>
-              <a:t>Aufteilung von </a:t>
-            </a:r>
-            <a:r>
-              <a:rPr lang="de-DE" dirty="0" err="1"/>
-              <a:t>infrastructure</a:t>
-            </a:r>
-            <a:r>
-              <a:rPr lang="de-DE" dirty="0"/>
-              <a:t> (aus step0130) in mehrere Maven-Module</a:t>
-            </a:r>
-          </a:p>
-          <a:p>
-            <a:pPr lvl="2"/>
-            <a:r>
-              <a:rPr lang="de-DE" dirty="0"/>
-              <a:t>Zufügen (mindestens eines) Plugins zur statischen Code-Analyse</a:t>
-            </a:r>
-          </a:p>
-          <a:p>
-            <a:pPr lvl="2"/>
-            <a:r>
-              <a:rPr lang="de-DE" dirty="0"/>
-              <a:t>Präsentation mit Quelltext-Beispielen</a:t>
-            </a:r>
-          </a:p>
-          <a:p>
-            <a:pPr lvl="3"/>
-            <a:endParaRPr lang="de-DE" dirty="0"/>
-          </a:p>
-        </p:txBody>
-      </p:sp>
-    </p:spTree>
-    <p:extLst>
-      <p:ext uri="{BB962C8B-B14F-4D97-AF65-F5344CB8AC3E}">
-        <p14:creationId xmlns:p14="http://schemas.microsoft.com/office/powerpoint/2010/main" val="2139192334"/>
-      </p:ext>
-    </p:extLst>
-  </p:cSld>
-  <p:clrMapOvr>
-    <a:masterClrMapping/>
-  </p:clrMapOvr>
-</p:sld>
-</file>
-
-<file path=ppt/slides/slide71.xml><?xml version="1.0" encoding="utf-8"?>
-<p:sld xmlns:a="http://schemas.openxmlformats.org/drawingml/2006/main" xmlns:r="http://schemas.openxmlformats.org/officeDocument/2006/relationships" xmlns:p="http://schemas.openxmlformats.org/presentationml/2006/main">
-  <p:cSld>
-    <p:spTree>
-      <p:nvGrpSpPr>
-        <p:cNvPr id="1" name=""/>
-        <p:cNvGrpSpPr/>
-        <p:nvPr/>
-      </p:nvGrpSpPr>
-      <p:grpSpPr>
-        <a:xfrm>
-          <a:off x="0" y="0"/>
-          <a:ext cx="0" cy="0"/>
-          <a:chOff x="0" y="0"/>
-          <a:chExt cx="0" cy="0"/>
-        </a:xfrm>
-      </p:grpSpPr>
-      <p:sp>
-        <p:nvSpPr>
-          <p:cNvPr id="2" name="Titel 1">
-            <a:extLst>
-              <a:ext uri="{FF2B5EF4-FFF2-40B4-BE49-F238E27FC236}">
-                <a16:creationId xmlns:a16="http://schemas.microsoft.com/office/drawing/2014/main" id="{0EC7A146-A8F2-A844-9033-A0ACC828AF47}"/>
-              </a:ext>
-            </a:extLst>
-          </p:cNvPr>
-          <p:cNvSpPr>
-            <a:spLocks noGrp="1"/>
-          </p:cNvSpPr>
-          <p:nvPr>
-            <p:ph type="title"/>
-          </p:nvPr>
-        </p:nvSpPr>
-        <p:spPr/>
-        <p:txBody>
-          <a:bodyPr/>
-          <a:lstStyle/>
-          <a:p>
-            <a:r>
-              <a:rPr lang="de-DE" dirty="0"/>
-              <a:t>Aufgaben</a:t>
-            </a:r>
-          </a:p>
-        </p:txBody>
-      </p:sp>
-      <p:sp>
-        <p:nvSpPr>
-          <p:cNvPr id="3" name="Inhaltsplatzhalter 2">
-            <a:extLst>
-              <a:ext uri="{FF2B5EF4-FFF2-40B4-BE49-F238E27FC236}">
-                <a16:creationId xmlns:a16="http://schemas.microsoft.com/office/drawing/2014/main" id="{2A5EBA90-6155-FD45-A74C-ECC42BCA72DF}"/>
-              </a:ext>
-            </a:extLst>
-          </p:cNvPr>
-          <p:cNvSpPr>
-            <a:spLocks noGrp="1"/>
-          </p:cNvSpPr>
-          <p:nvPr>
-            <p:ph idx="1"/>
-          </p:nvPr>
-        </p:nvSpPr>
-        <p:spPr/>
-        <p:txBody>
-          <a:bodyPr/>
-          <a:lstStyle/>
-          <a:p>
-            <a:r>
-              <a:rPr lang="de-DE" dirty="0"/>
-              <a:t>Unit-Tests mit </a:t>
-            </a:r>
-            <a:r>
-              <a:rPr lang="de-DE" dirty="0" err="1"/>
-              <a:t>JGiven</a:t>
-            </a:r>
-            <a:endParaRPr lang="de-DE" dirty="0"/>
-          </a:p>
-          <a:p>
-            <a:pPr lvl="1"/>
-            <a:r>
-              <a:rPr lang="de-DE" dirty="0"/>
-              <a:t>Aufgabe</a:t>
-            </a:r>
-          </a:p>
-          <a:p>
-            <a:pPr lvl="2"/>
-            <a:r>
-              <a:rPr lang="de-DE" dirty="0"/>
-              <a:t>Zufügen der </a:t>
-            </a:r>
-            <a:r>
-              <a:rPr lang="de-DE" dirty="0" err="1"/>
-              <a:t>JGiven</a:t>
-            </a:r>
-            <a:r>
-              <a:rPr lang="de-DE" dirty="0"/>
-              <a:t>-Library zu allen sample-Microservices (</a:t>
-            </a:r>
-            <a:r>
-              <a:rPr lang="de-DE" dirty="0" err="1"/>
-              <a:t>shop</a:t>
-            </a:r>
-            <a:r>
-              <a:rPr lang="de-DE" dirty="0"/>
-              <a:t>, </a:t>
-            </a:r>
-            <a:r>
-              <a:rPr lang="de-DE" dirty="0" err="1"/>
-              <a:t>person</a:t>
-            </a:r>
-            <a:r>
-              <a:rPr lang="de-DE" dirty="0"/>
-              <a:t>, </a:t>
-            </a:r>
-            <a:r>
-              <a:rPr lang="de-DE" dirty="0" err="1"/>
-              <a:t>auftrag</a:t>
-            </a:r>
-            <a:r>
-              <a:rPr lang="de-DE" dirty="0"/>
-              <a:t>)</a:t>
-            </a:r>
-          </a:p>
-          <a:p>
-            <a:pPr lvl="2"/>
-            <a:r>
-              <a:rPr lang="de-DE" dirty="0"/>
-              <a:t>Implementierung von (je mindestens einem) Unit-Test </a:t>
-            </a:r>
-            <a:r>
-              <a:rPr lang="de-DE" dirty="0" err="1"/>
-              <a:t>innerhal</a:t>
-            </a:r>
-            <a:r>
-              <a:rPr lang="de-DE" dirty="0"/>
-              <a:t> </a:t>
-            </a:r>
-            <a:r>
-              <a:rPr lang="de-DE"/>
-              <a:t>jedes Microservice</a:t>
-            </a:r>
-            <a:endParaRPr lang="de-DE" dirty="0"/>
-          </a:p>
-        </p:txBody>
-      </p:sp>
-    </p:spTree>
-    <p:extLst>
-      <p:ext uri="{BB962C8B-B14F-4D97-AF65-F5344CB8AC3E}">
-        <p14:creationId xmlns:p14="http://schemas.microsoft.com/office/powerpoint/2010/main" val="3166610306"/>
-      </p:ext>
-    </p:extLst>
-  </p:cSld>
-  <p:clrMapOvr>
-    <a:masterClrMapping/>
-  </p:clrMapOvr>
-</p:sld>
-</file>
-
-<file path=ppt/slides/slide72.xml><?xml version="1.0" encoding="utf-8"?>
-<p:sld xmlns:a="http://schemas.openxmlformats.org/drawingml/2006/main" xmlns:r="http://schemas.openxmlformats.org/officeDocument/2006/relationships" xmlns:p="http://schemas.openxmlformats.org/presentationml/2006/main">
-  <p:cSld>
-    <p:spTree>
-      <p:nvGrpSpPr>
-        <p:cNvPr id="1" name=""/>
-        <p:cNvGrpSpPr/>
-        <p:nvPr/>
-      </p:nvGrpSpPr>
-      <p:grpSpPr>
-        <a:xfrm>
-          <a:off x="0" y="0"/>
-          <a:ext cx="0" cy="0"/>
-          <a:chOff x="0" y="0"/>
-          <a:chExt cx="0" cy="0"/>
-        </a:xfrm>
-      </p:grpSpPr>
-      <p:sp>
-        <p:nvSpPr>
-          <p:cNvPr id="2" name="Titel 1">
-            <a:extLst>
-              <a:ext uri="{FF2B5EF4-FFF2-40B4-BE49-F238E27FC236}">
-                <a16:creationId xmlns:a16="http://schemas.microsoft.com/office/drawing/2014/main" id="{0EC7A146-A8F2-A844-9033-A0ACC828AF47}"/>
-              </a:ext>
-            </a:extLst>
-          </p:cNvPr>
-          <p:cNvSpPr>
-            <a:spLocks noGrp="1"/>
-          </p:cNvSpPr>
-          <p:nvPr>
-            <p:ph type="title"/>
-          </p:nvPr>
-        </p:nvSpPr>
-        <p:spPr/>
-        <p:txBody>
-          <a:bodyPr/>
-          <a:lstStyle/>
-          <a:p>
-            <a:r>
-              <a:rPr lang="de-DE" dirty="0"/>
-              <a:t>Aufgaben</a:t>
-            </a:r>
-          </a:p>
-        </p:txBody>
-      </p:sp>
-      <p:sp>
-        <p:nvSpPr>
-          <p:cNvPr id="3" name="Inhaltsplatzhalter 2">
-            <a:extLst>
-              <a:ext uri="{FF2B5EF4-FFF2-40B4-BE49-F238E27FC236}">
-                <a16:creationId xmlns:a16="http://schemas.microsoft.com/office/drawing/2014/main" id="{2A5EBA90-6155-FD45-A74C-ECC42BCA72DF}"/>
-              </a:ext>
-            </a:extLst>
-          </p:cNvPr>
-          <p:cNvSpPr>
-            <a:spLocks noGrp="1"/>
-          </p:cNvSpPr>
-          <p:nvPr>
-            <p:ph idx="1"/>
-          </p:nvPr>
-        </p:nvSpPr>
-        <p:spPr/>
-        <p:txBody>
-          <a:bodyPr/>
-          <a:lstStyle/>
-          <a:p>
-            <a:r>
-              <a:rPr lang="de-DE" dirty="0"/>
-              <a:t>Automatisierte Integrations-Tests</a:t>
-            </a:r>
-          </a:p>
-          <a:p>
-            <a:pPr lvl="1"/>
-            <a:r>
-              <a:rPr lang="de-DE" dirty="0"/>
-              <a:t>Aufgabe</a:t>
-            </a:r>
-          </a:p>
-          <a:p>
-            <a:pPr lvl="2"/>
-            <a:r>
-              <a:rPr lang="de-DE" dirty="0"/>
-              <a:t>Zufügen eines Integrations-Tests mit </a:t>
-            </a:r>
-            <a:r>
-              <a:rPr lang="de-DE" dirty="0" err="1"/>
-              <a:t>Cucumber</a:t>
-            </a:r>
-            <a:endParaRPr lang="de-DE" dirty="0"/>
-          </a:p>
-          <a:p>
-            <a:pPr lvl="2"/>
-            <a:endParaRPr lang="de-DE" dirty="0"/>
-          </a:p>
-          <a:p>
-            <a:pPr lvl="2"/>
-            <a:endParaRPr lang="de-DE" dirty="0"/>
-          </a:p>
-          <a:p>
-            <a:r>
-              <a:rPr lang="de-DE" dirty="0" err="1"/>
-              <a:t>Todo</a:t>
-            </a:r>
-            <a:r>
-              <a:rPr lang="de-DE" dirty="0"/>
-              <a:t>: Beispiel-Bild</a:t>
-            </a:r>
-          </a:p>
-        </p:txBody>
-      </p:sp>
-    </p:spTree>
-    <p:extLst>
-      <p:ext uri="{BB962C8B-B14F-4D97-AF65-F5344CB8AC3E}">
-        <p14:creationId xmlns:p14="http://schemas.microsoft.com/office/powerpoint/2010/main" val="1834254991"/>
-      </p:ext>
-    </p:extLst>
-  </p:cSld>
-  <p:clrMapOvr>
-    <a:masterClrMapping/>
-  </p:clrMapOvr>
-</p:sld>
-</file>
-
-<file path=ppt/slides/slide73.xml><?xml version="1.0" encoding="utf-8"?>
-<p:sld xmlns:a="http://schemas.openxmlformats.org/drawingml/2006/main" xmlns:r="http://schemas.openxmlformats.org/officeDocument/2006/relationships" xmlns:p="http://schemas.openxmlformats.org/presentationml/2006/main">
-  <p:cSld>
-    <p:spTree>
-      <p:nvGrpSpPr>
-        <p:cNvPr id="1" name=""/>
-        <p:cNvGrpSpPr/>
-        <p:nvPr/>
-      </p:nvGrpSpPr>
-      <p:grpSpPr>
-        <a:xfrm>
-          <a:off x="0" y="0"/>
-          <a:ext cx="0" cy="0"/>
-          <a:chOff x="0" y="0"/>
-          <a:chExt cx="0" cy="0"/>
-        </a:xfrm>
-      </p:grpSpPr>
-      <p:sp>
-        <p:nvSpPr>
-          <p:cNvPr id="2" name="Titel 1">
-            <a:extLst>
-              <a:ext uri="{FF2B5EF4-FFF2-40B4-BE49-F238E27FC236}">
-                <a16:creationId xmlns:a16="http://schemas.microsoft.com/office/drawing/2014/main" id="{0EC7A146-A8F2-A844-9033-A0ACC828AF47}"/>
-              </a:ext>
-            </a:extLst>
-          </p:cNvPr>
-          <p:cNvSpPr>
-            <a:spLocks noGrp="1"/>
-          </p:cNvSpPr>
-          <p:nvPr>
-            <p:ph type="title"/>
-          </p:nvPr>
-        </p:nvSpPr>
-        <p:spPr/>
-        <p:txBody>
-          <a:bodyPr/>
-          <a:lstStyle/>
-          <a:p>
-            <a:r>
-              <a:rPr lang="de-DE" dirty="0"/>
-              <a:t>Nächste Schritte</a:t>
-            </a:r>
-          </a:p>
-        </p:txBody>
-      </p:sp>
-      <p:sp>
-        <p:nvSpPr>
-          <p:cNvPr id="3" name="Inhaltsplatzhalter 2">
-            <a:extLst>
-              <a:ext uri="{FF2B5EF4-FFF2-40B4-BE49-F238E27FC236}">
-                <a16:creationId xmlns:a16="http://schemas.microsoft.com/office/drawing/2014/main" id="{2A5EBA90-6155-FD45-A74C-ECC42BCA72DF}"/>
-              </a:ext>
-            </a:extLst>
-          </p:cNvPr>
-          <p:cNvSpPr>
-            <a:spLocks noGrp="1"/>
-          </p:cNvSpPr>
-          <p:nvPr>
-            <p:ph idx="1"/>
-          </p:nvPr>
-        </p:nvSpPr>
-        <p:spPr/>
-        <p:txBody>
-          <a:bodyPr/>
-          <a:lstStyle/>
-          <a:p>
-            <a:r>
-              <a:rPr lang="de-DE" dirty="0"/>
-              <a:t>2.5.2022</a:t>
-            </a:r>
-          </a:p>
-          <a:p>
-            <a:pPr lvl="1"/>
-            <a:r>
-              <a:rPr lang="de-DE" dirty="0"/>
-              <a:t>90 – Persistenz</a:t>
-            </a:r>
-          </a:p>
-          <a:p>
-            <a:pPr lvl="1"/>
-            <a:r>
-              <a:rPr lang="de-DE" dirty="0"/>
-              <a:t>100 – Docker</a:t>
-            </a:r>
-          </a:p>
-          <a:p>
-            <a:r>
-              <a:rPr lang="de-DE" dirty="0"/>
-              <a:t>9.5.2022</a:t>
-            </a:r>
-          </a:p>
-          <a:p>
-            <a:pPr lvl="1"/>
-            <a:r>
-              <a:rPr lang="de-DE" dirty="0"/>
-              <a:t>110 – Security</a:t>
-            </a:r>
-          </a:p>
-          <a:p>
-            <a:pPr lvl="1"/>
-            <a:r>
-              <a:rPr lang="de-DE" dirty="0"/>
-              <a:t>130 – Rest-Call</a:t>
-            </a:r>
-          </a:p>
-        </p:txBody>
-      </p:sp>
-    </p:spTree>
-    <p:extLst>
-      <p:ext uri="{BB962C8B-B14F-4D97-AF65-F5344CB8AC3E}">
-        <p14:creationId xmlns:p14="http://schemas.microsoft.com/office/powerpoint/2010/main" val="2683012439"/>
-      </p:ext>
-    </p:extLst>
-  </p:cSld>
-  <p:clrMapOvr>
-    <a:masterClrMapping/>
-  </p:clrMapOvr>
-</p:sld>
-</file>
-
-<file path=ppt/slides/slide74.xml><?xml version="1.0" encoding="utf-8"?>
-<p:sld xmlns:a="http://schemas.openxmlformats.org/drawingml/2006/main" xmlns:r="http://schemas.openxmlformats.org/officeDocument/2006/relationships" xmlns:p="http://schemas.openxmlformats.org/presentationml/2006/main">
-  <p:cSld>
-    <p:spTree>
-      <p:nvGrpSpPr>
-        <p:cNvPr id="1" name=""/>
-        <p:cNvGrpSpPr/>
-        <p:nvPr/>
-      </p:nvGrpSpPr>
-      <p:grpSpPr>
-        <a:xfrm>
-          <a:off x="0" y="0"/>
-          <a:ext cx="0" cy="0"/>
-          <a:chOff x="0" y="0"/>
-          <a:chExt cx="0" cy="0"/>
-        </a:xfrm>
-      </p:grpSpPr>
-      <p:sp>
-        <p:nvSpPr>
-          <p:cNvPr id="2" name="Titel 1">
-            <a:extLst>
-              <a:ext uri="{FF2B5EF4-FFF2-40B4-BE49-F238E27FC236}">
-                <a16:creationId xmlns:a16="http://schemas.microsoft.com/office/drawing/2014/main" id="{0EC7A146-A8F2-A844-9033-A0ACC828AF47}"/>
-              </a:ext>
-            </a:extLst>
-          </p:cNvPr>
-          <p:cNvSpPr>
-            <a:spLocks noGrp="1"/>
-          </p:cNvSpPr>
-          <p:nvPr>
-            <p:ph type="title"/>
-          </p:nvPr>
-        </p:nvSpPr>
-        <p:spPr/>
-        <p:txBody>
-          <a:bodyPr/>
-          <a:lstStyle/>
-          <a:p>
-            <a:r>
-              <a:rPr lang="de-DE" dirty="0" err="1"/>
-              <a:t>Todo</a:t>
-            </a:r>
-            <a:endParaRPr lang="de-DE" dirty="0"/>
-          </a:p>
-        </p:txBody>
-      </p:sp>
-      <p:sp>
-        <p:nvSpPr>
-          <p:cNvPr id="3" name="Inhaltsplatzhalter 2">
-            <a:extLst>
-              <a:ext uri="{FF2B5EF4-FFF2-40B4-BE49-F238E27FC236}">
-                <a16:creationId xmlns:a16="http://schemas.microsoft.com/office/drawing/2014/main" id="{2A5EBA90-6155-FD45-A74C-ECC42BCA72DF}"/>
-              </a:ext>
-            </a:extLst>
-          </p:cNvPr>
-          <p:cNvSpPr>
-            <a:spLocks noGrp="1"/>
-          </p:cNvSpPr>
-          <p:nvPr>
-            <p:ph idx="1"/>
-          </p:nvPr>
-        </p:nvSpPr>
-        <p:spPr/>
-        <p:txBody>
-          <a:bodyPr/>
-          <a:lstStyle/>
-          <a:p>
-            <a:r>
-              <a:rPr lang="de-DE" dirty="0"/>
-              <a:t>Integrations-Tests mit </a:t>
-            </a:r>
-            <a:r>
-              <a:rPr lang="de-DE" dirty="0" err="1"/>
-              <a:t>Cucumber</a:t>
-            </a:r>
-            <a:endParaRPr lang="de-DE" dirty="0"/>
-          </a:p>
-          <a:p>
-            <a:r>
-              <a:rPr lang="de-DE" dirty="0"/>
-              <a:t>Performance-Tests mit Gatling</a:t>
-            </a:r>
-          </a:p>
-          <a:p>
-            <a:r>
-              <a:rPr lang="de-DE" dirty="0"/>
-              <a:t>Message-in (</a:t>
-            </a:r>
-            <a:r>
-              <a:rPr lang="de-DE" dirty="0" err="1"/>
-              <a:t>ActiveMQ</a:t>
-            </a:r>
-            <a:r>
-              <a:rPr lang="de-DE" dirty="0"/>
-              <a:t> mit JMS)</a:t>
-            </a:r>
-          </a:p>
-          <a:p>
-            <a:r>
-              <a:rPr lang="de-DE" dirty="0"/>
-              <a:t>Message-out (</a:t>
-            </a:r>
-            <a:r>
-              <a:rPr lang="de-DE" dirty="0" err="1"/>
-              <a:t>ActiveMQ</a:t>
-            </a:r>
-            <a:r>
-              <a:rPr lang="de-DE" dirty="0"/>
-              <a:t> mit JMS)</a:t>
-            </a:r>
-          </a:p>
-        </p:txBody>
-      </p:sp>
-    </p:spTree>
-    <p:extLst>
-      <p:ext uri="{BB962C8B-B14F-4D97-AF65-F5344CB8AC3E}">
-        <p14:creationId xmlns:p14="http://schemas.microsoft.com/office/powerpoint/2010/main" val="657824743"/>
       </p:ext>
     </p:extLst>
   </p:cSld>

--- a/Java-Starter.pptx
+++ b/Java-Starter.pptx
@@ -249,7 +249,7 @@
           <a:p>
             <a:fld id="{64D387BD-2FDA-4640-824D-9ADFD7023C00}" type="datetimeFigureOut">
               <a:rPr lang="de-DE" smtClean="0"/>
-              <a:t>06.01.25</a:t>
+              <a:t>07.01.25</a:t>
             </a:fld>
             <a:endParaRPr lang="de-DE"/>
           </a:p>
@@ -600,6 +600,93 @@
 </p:notes>
 </file>
 
+<file path=ppt/notesSlides/notesSlide2.xml><?xml version="1.0" encoding="utf-8"?>
+<p:notes xmlns:a="http://schemas.openxmlformats.org/drawingml/2006/main" xmlns:r="http://schemas.openxmlformats.org/officeDocument/2006/relationships" xmlns:p="http://schemas.openxmlformats.org/presentationml/2006/main">
+  <p:cSld>
+    <p:spTree>
+      <p:nvGrpSpPr>
+        <p:cNvPr id="1" name=""/>
+        <p:cNvGrpSpPr/>
+        <p:nvPr/>
+      </p:nvGrpSpPr>
+      <p:grpSpPr>
+        <a:xfrm>
+          <a:off x="0" y="0"/>
+          <a:ext cx="0" cy="0"/>
+          <a:chOff x="0" y="0"/>
+          <a:chExt cx="0" cy="0"/>
+        </a:xfrm>
+      </p:grpSpPr>
+      <p:sp>
+        <p:nvSpPr>
+          <p:cNvPr id="2" name="Folienbildplatzhalter 1"/>
+          <p:cNvSpPr>
+            <a:spLocks noGrp="1" noRot="1" noChangeAspect="1"/>
+          </p:cNvSpPr>
+          <p:nvPr>
+            <p:ph type="sldImg"/>
+          </p:nvPr>
+        </p:nvSpPr>
+        <p:spPr/>
+      </p:sp>
+      <p:sp>
+        <p:nvSpPr>
+          <p:cNvPr id="3" name="Notizenplatzhalter 2"/>
+          <p:cNvSpPr>
+            <a:spLocks noGrp="1"/>
+          </p:cNvSpPr>
+          <p:nvPr>
+            <p:ph type="body" idx="1"/>
+          </p:nvPr>
+        </p:nvSpPr>
+        <p:spPr/>
+        <p:txBody>
+          <a:bodyPr/>
+          <a:lstStyle/>
+          <a:p>
+            <a:r>
+              <a:rPr lang="de-DE" dirty="0"/>
+              <a:t>Aufgaben:</a:t>
+            </a:r>
+          </a:p>
+        </p:txBody>
+      </p:sp>
+      <p:sp>
+        <p:nvSpPr>
+          <p:cNvPr id="4" name="Foliennummernplatzhalter 3"/>
+          <p:cNvSpPr>
+            <a:spLocks noGrp="1"/>
+          </p:cNvSpPr>
+          <p:nvPr>
+            <p:ph type="sldNum" sz="quarter" idx="5"/>
+          </p:nvPr>
+        </p:nvSpPr>
+        <p:spPr/>
+        <p:txBody>
+          <a:bodyPr/>
+          <a:lstStyle/>
+          <a:p>
+            <a:fld id="{BEE82880-91AB-1044-85AB-5C5BC6EDD5FC}" type="slidenum">
+              <a:rPr lang="de-DE" smtClean="0"/>
+              <a:t>15</a:t>
+            </a:fld>
+            <a:endParaRPr lang="de-DE"/>
+          </a:p>
+        </p:txBody>
+      </p:sp>
+    </p:spTree>
+    <p:extLst>
+      <p:ext uri="{BB962C8B-B14F-4D97-AF65-F5344CB8AC3E}">
+        <p14:creationId xmlns:p14="http://schemas.microsoft.com/office/powerpoint/2010/main" val="282578711"/>
+      </p:ext>
+    </p:extLst>
+  </p:cSld>
+  <p:clrMapOvr>
+    <a:masterClrMapping/>
+  </p:clrMapOvr>
+</p:notes>
+</file>
+
 <file path=ppt/slideLayouts/slideLayout1.xml><?xml version="1.0" encoding="utf-8"?>
 <p:sldLayout xmlns:a="http://schemas.openxmlformats.org/drawingml/2006/main" xmlns:r="http://schemas.openxmlformats.org/officeDocument/2006/relationships" xmlns:p="http://schemas.openxmlformats.org/presentationml/2006/main" type="title" preserve="1">
   <p:cSld name="Titelfolie">
@@ -747,7 +834,7 @@
           <a:p>
             <a:fld id="{D504FEAC-1E62-0E47-82AE-5BB4BD139FFA}" type="datetimeFigureOut">
               <a:rPr lang="de-DE" smtClean="0"/>
-              <a:t>06.01.25</a:t>
+              <a:t>07.01.25</a:t>
             </a:fld>
             <a:endParaRPr lang="de-DE"/>
           </a:p>
@@ -945,7 +1032,7 @@
           <a:p>
             <a:fld id="{D504FEAC-1E62-0E47-82AE-5BB4BD139FFA}" type="datetimeFigureOut">
               <a:rPr lang="de-DE" smtClean="0"/>
-              <a:t>06.01.25</a:t>
+              <a:t>07.01.25</a:t>
             </a:fld>
             <a:endParaRPr lang="de-DE"/>
           </a:p>
@@ -1153,7 +1240,7 @@
           <a:p>
             <a:fld id="{D504FEAC-1E62-0E47-82AE-5BB4BD139FFA}" type="datetimeFigureOut">
               <a:rPr lang="de-DE" smtClean="0"/>
-              <a:t>06.01.25</a:t>
+              <a:t>07.01.25</a:t>
             </a:fld>
             <a:endParaRPr lang="de-DE"/>
           </a:p>
@@ -1351,7 +1438,7 @@
           <a:p>
             <a:fld id="{D504FEAC-1E62-0E47-82AE-5BB4BD139FFA}" type="datetimeFigureOut">
               <a:rPr lang="de-DE" smtClean="0"/>
-              <a:t>06.01.25</a:t>
+              <a:t>07.01.25</a:t>
             </a:fld>
             <a:endParaRPr lang="de-DE"/>
           </a:p>
@@ -1626,7 +1713,7 @@
           <a:p>
             <a:fld id="{D504FEAC-1E62-0E47-82AE-5BB4BD139FFA}" type="datetimeFigureOut">
               <a:rPr lang="de-DE" smtClean="0"/>
-              <a:t>06.01.25</a:t>
+              <a:t>07.01.25</a:t>
             </a:fld>
             <a:endParaRPr lang="de-DE"/>
           </a:p>
@@ -1891,7 +1978,7 @@
           <a:p>
             <a:fld id="{D504FEAC-1E62-0E47-82AE-5BB4BD139FFA}" type="datetimeFigureOut">
               <a:rPr lang="de-DE" smtClean="0"/>
-              <a:t>06.01.25</a:t>
+              <a:t>07.01.25</a:t>
             </a:fld>
             <a:endParaRPr lang="de-DE"/>
           </a:p>
@@ -2303,7 +2390,7 @@
           <a:p>
             <a:fld id="{D504FEAC-1E62-0E47-82AE-5BB4BD139FFA}" type="datetimeFigureOut">
               <a:rPr lang="de-DE" smtClean="0"/>
-              <a:t>06.01.25</a:t>
+              <a:t>07.01.25</a:t>
             </a:fld>
             <a:endParaRPr lang="de-DE"/>
           </a:p>
@@ -2444,7 +2531,7 @@
           <a:p>
             <a:fld id="{D504FEAC-1E62-0E47-82AE-5BB4BD139FFA}" type="datetimeFigureOut">
               <a:rPr lang="de-DE" smtClean="0"/>
-              <a:t>06.01.25</a:t>
+              <a:t>07.01.25</a:t>
             </a:fld>
             <a:endParaRPr lang="de-DE"/>
           </a:p>
@@ -2557,7 +2644,7 @@
           <a:p>
             <a:fld id="{D504FEAC-1E62-0E47-82AE-5BB4BD139FFA}" type="datetimeFigureOut">
               <a:rPr lang="de-DE" smtClean="0"/>
-              <a:t>06.01.25</a:t>
+              <a:t>07.01.25</a:t>
             </a:fld>
             <a:endParaRPr lang="de-DE"/>
           </a:p>
@@ -2868,7 +2955,7 @@
           <a:p>
             <a:fld id="{D504FEAC-1E62-0E47-82AE-5BB4BD139FFA}" type="datetimeFigureOut">
               <a:rPr lang="de-DE" smtClean="0"/>
-              <a:t>06.01.25</a:t>
+              <a:t>07.01.25</a:t>
             </a:fld>
             <a:endParaRPr lang="de-DE"/>
           </a:p>
@@ -3156,7 +3243,7 @@
           <a:p>
             <a:fld id="{D504FEAC-1E62-0E47-82AE-5BB4BD139FFA}" type="datetimeFigureOut">
               <a:rPr lang="de-DE" smtClean="0"/>
-              <a:t>06.01.25</a:t>
+              <a:t>07.01.25</a:t>
             </a:fld>
             <a:endParaRPr lang="de-DE"/>
           </a:p>
@@ -3397,7 +3484,7 @@
           <a:p>
             <a:fld id="{D504FEAC-1E62-0E47-82AE-5BB4BD139FFA}" type="datetimeFigureOut">
               <a:rPr lang="de-DE" smtClean="0"/>
-              <a:t>06.01.25</a:t>
+              <a:t>07.01.25</a:t>
             </a:fld>
             <a:endParaRPr lang="de-DE"/>
           </a:p>
@@ -3860,8 +3947,22 @@
         </p:nvSpPr>
         <p:spPr/>
         <p:txBody>
-          <a:bodyPr/>
-          <a:lstStyle/>
+          <a:bodyPr>
+            <a:normAutofit lnSpcReduction="10000"/>
+          </a:bodyPr>
+          <a:lstStyle/>
+          <a:p>
+            <a:r>
+              <a:rPr lang="de-DE" dirty="0"/>
+              <a:t>Lars Winterhalder</a:t>
+            </a:r>
+          </a:p>
+          <a:p>
+            <a:r>
+              <a:rPr lang="de-DE" dirty="0"/>
+              <a:t>Dr. Jens Bürger</a:t>
+            </a:r>
+          </a:p>
           <a:p>
             <a:r>
               <a:rPr lang="de-DE" dirty="0"/>
@@ -5126,7 +5227,7 @@
             <a:r>
               <a:rPr lang="de-DE" dirty="0">
                 <a:cs typeface="Courier New" panose="02070309020205020404" pitchFamily="49" charset="0"/>
-                <a:hlinkClick r:id="rId2"/>
+                <a:hlinkClick r:id="rId3"/>
               </a:rPr>
               <a:t>https://maven.apache.org/</a:t>
             </a:r>
@@ -5139,7 +5240,7 @@
             <a:r>
               <a:rPr lang="de-DE" dirty="0">
                 <a:cs typeface="Courier New" panose="02070309020205020404" pitchFamily="49" charset="0"/>
-                <a:hlinkClick r:id="rId3"/>
+                <a:hlinkClick r:id="rId4"/>
               </a:rPr>
               <a:t>https://www.baeldung.com/maven</a:t>
             </a:r>
@@ -7867,7 +7968,7 @@
         <p:spPr>
           <a:xfrm>
             <a:off x="10142777" y="1550063"/>
-            <a:ext cx="1392689" cy="369332"/>
+            <a:ext cx="1469826" cy="369332"/>
           </a:xfrm>
           <a:prstGeom prst="rect">
             <a:avLst/>
@@ -7886,7 +7987,7 @@
                   <a:srgbClr val="FF0000"/>
                 </a:solidFill>
               </a:rPr>
-              <a:t>infrastructue</a:t>
+              <a:t>infrastructure</a:t>
             </a:r>
             <a:endParaRPr lang="de-DE" dirty="0">
               <a:solidFill>

--- a/Java-Starter.pptx
+++ b/Java-Starter.pptx
@@ -5,7 +5,7 @@
     <p:sldMasterId id="2147483648" r:id="rId1"/>
   </p:sldMasterIdLst>
   <p:notesMasterIdLst>
-    <p:notesMasterId r:id="rId55"/>
+    <p:notesMasterId r:id="rId57"/>
   </p:notesMasterIdLst>
   <p:sldIdLst>
     <p:sldId id="256" r:id="rId2"/>
@@ -60,7 +60,9 @@
     <p:sldId id="324" r:id="rId51"/>
     <p:sldId id="305" r:id="rId52"/>
     <p:sldId id="306" r:id="rId53"/>
-    <p:sldId id="315" r:id="rId54"/>
+    <p:sldId id="339" r:id="rId54"/>
+    <p:sldId id="340" r:id="rId55"/>
+    <p:sldId id="315" r:id="rId56"/>
   </p:sldIdLst>
   <p:sldSz cx="12192000" cy="6858000"/>
   <p:notesSz cx="6858000" cy="9144000"/>
@@ -249,7 +251,7 @@
           <a:p>
             <a:fld id="{64D387BD-2FDA-4640-824D-9ADFD7023C00}" type="datetimeFigureOut">
               <a:rPr lang="de-DE" smtClean="0"/>
-              <a:t>07.01.25</a:t>
+              <a:t>05.02.2025</a:t>
             </a:fld>
             <a:endParaRPr lang="de-DE"/>
           </a:p>
@@ -834,7 +836,7 @@
           <a:p>
             <a:fld id="{D504FEAC-1E62-0E47-82AE-5BB4BD139FFA}" type="datetimeFigureOut">
               <a:rPr lang="de-DE" smtClean="0"/>
-              <a:t>07.01.25</a:t>
+              <a:t>05.02.2025</a:t>
             </a:fld>
             <a:endParaRPr lang="de-DE"/>
           </a:p>
@@ -1032,7 +1034,7 @@
           <a:p>
             <a:fld id="{D504FEAC-1E62-0E47-82AE-5BB4BD139FFA}" type="datetimeFigureOut">
               <a:rPr lang="de-DE" smtClean="0"/>
-              <a:t>07.01.25</a:t>
+              <a:t>05.02.2025</a:t>
             </a:fld>
             <a:endParaRPr lang="de-DE"/>
           </a:p>
@@ -1240,7 +1242,7 @@
           <a:p>
             <a:fld id="{D504FEAC-1E62-0E47-82AE-5BB4BD139FFA}" type="datetimeFigureOut">
               <a:rPr lang="de-DE" smtClean="0"/>
-              <a:t>07.01.25</a:t>
+              <a:t>05.02.2025</a:t>
             </a:fld>
             <a:endParaRPr lang="de-DE"/>
           </a:p>
@@ -1438,7 +1440,7 @@
           <a:p>
             <a:fld id="{D504FEAC-1E62-0E47-82AE-5BB4BD139FFA}" type="datetimeFigureOut">
               <a:rPr lang="de-DE" smtClean="0"/>
-              <a:t>07.01.25</a:t>
+              <a:t>05.02.2025</a:t>
             </a:fld>
             <a:endParaRPr lang="de-DE"/>
           </a:p>
@@ -1713,7 +1715,7 @@
           <a:p>
             <a:fld id="{D504FEAC-1E62-0E47-82AE-5BB4BD139FFA}" type="datetimeFigureOut">
               <a:rPr lang="de-DE" smtClean="0"/>
-              <a:t>07.01.25</a:t>
+              <a:t>05.02.2025</a:t>
             </a:fld>
             <a:endParaRPr lang="de-DE"/>
           </a:p>
@@ -1978,7 +1980,7 @@
           <a:p>
             <a:fld id="{D504FEAC-1E62-0E47-82AE-5BB4BD139FFA}" type="datetimeFigureOut">
               <a:rPr lang="de-DE" smtClean="0"/>
-              <a:t>07.01.25</a:t>
+              <a:t>05.02.2025</a:t>
             </a:fld>
             <a:endParaRPr lang="de-DE"/>
           </a:p>
@@ -2390,7 +2392,7 @@
           <a:p>
             <a:fld id="{D504FEAC-1E62-0E47-82AE-5BB4BD139FFA}" type="datetimeFigureOut">
               <a:rPr lang="de-DE" smtClean="0"/>
-              <a:t>07.01.25</a:t>
+              <a:t>05.02.2025</a:t>
             </a:fld>
             <a:endParaRPr lang="de-DE"/>
           </a:p>
@@ -2531,7 +2533,7 @@
           <a:p>
             <a:fld id="{D504FEAC-1E62-0E47-82AE-5BB4BD139FFA}" type="datetimeFigureOut">
               <a:rPr lang="de-DE" smtClean="0"/>
-              <a:t>07.01.25</a:t>
+              <a:t>05.02.2025</a:t>
             </a:fld>
             <a:endParaRPr lang="de-DE"/>
           </a:p>
@@ -2644,7 +2646,7 @@
           <a:p>
             <a:fld id="{D504FEAC-1E62-0E47-82AE-5BB4BD139FFA}" type="datetimeFigureOut">
               <a:rPr lang="de-DE" smtClean="0"/>
-              <a:t>07.01.25</a:t>
+              <a:t>05.02.2025</a:t>
             </a:fld>
             <a:endParaRPr lang="de-DE"/>
           </a:p>
@@ -2955,7 +2957,7 @@
           <a:p>
             <a:fld id="{D504FEAC-1E62-0E47-82AE-5BB4BD139FFA}" type="datetimeFigureOut">
               <a:rPr lang="de-DE" smtClean="0"/>
-              <a:t>07.01.25</a:t>
+              <a:t>05.02.2025</a:t>
             </a:fld>
             <a:endParaRPr lang="de-DE"/>
           </a:p>
@@ -3243,7 +3245,7 @@
           <a:p>
             <a:fld id="{D504FEAC-1E62-0E47-82AE-5BB4BD139FFA}" type="datetimeFigureOut">
               <a:rPr lang="de-DE" smtClean="0"/>
-              <a:t>07.01.25</a:t>
+              <a:t>05.02.2025</a:t>
             </a:fld>
             <a:endParaRPr lang="de-DE"/>
           </a:p>
@@ -3484,7 +3486,7 @@
           <a:p>
             <a:fld id="{D504FEAC-1E62-0E47-82AE-5BB4BD139FFA}" type="datetimeFigureOut">
               <a:rPr lang="de-DE" smtClean="0"/>
-              <a:t>07.01.25</a:t>
+              <a:t>05.02.2025</a:t>
             </a:fld>
             <a:endParaRPr lang="de-DE"/>
           </a:p>
@@ -16652,6 +16654,1278 @@
           <p:cNvPr id="2" name="Titel 1">
             <a:extLst>
               <a:ext uri="{FF2B5EF4-FFF2-40B4-BE49-F238E27FC236}">
+                <a16:creationId xmlns:a16="http://schemas.microsoft.com/office/drawing/2014/main" id="{B2CE2216-36A2-9A26-17AC-983003F8A9A0}"/>
+              </a:ext>
+            </a:extLst>
+          </p:cNvPr>
+          <p:cNvSpPr>
+            <a:spLocks noGrp="1"/>
+          </p:cNvSpPr>
+          <p:nvPr>
+            <p:ph type="title"/>
+          </p:nvPr>
+        </p:nvSpPr>
+        <p:spPr/>
+        <p:txBody>
+          <a:bodyPr/>
+          <a:lstStyle/>
+          <a:p>
+            <a:r>
+              <a:rPr lang="de-DE" dirty="0" err="1"/>
+              <a:t>Step</a:t>
+            </a:r>
+            <a:r>
+              <a:rPr lang="de-DE" dirty="0"/>
+              <a:t> 140</a:t>
+            </a:r>
+          </a:p>
+        </p:txBody>
+      </p:sp>
+      <p:sp>
+        <p:nvSpPr>
+          <p:cNvPr id="3" name="Inhaltsplatzhalter 2">
+            <a:extLst>
+              <a:ext uri="{FF2B5EF4-FFF2-40B4-BE49-F238E27FC236}">
+                <a16:creationId xmlns:a16="http://schemas.microsoft.com/office/drawing/2014/main" id="{3E4C7455-7D7E-52D9-5553-9334384413D5}"/>
+              </a:ext>
+            </a:extLst>
+          </p:cNvPr>
+          <p:cNvSpPr>
+            <a:spLocks noGrp="1"/>
+          </p:cNvSpPr>
+          <p:nvPr>
+            <p:ph idx="1"/>
+          </p:nvPr>
+        </p:nvSpPr>
+        <p:spPr/>
+        <p:txBody>
+          <a:bodyPr>
+            <a:normAutofit lnSpcReduction="10000"/>
+          </a:bodyPr>
+          <a:lstStyle/>
+          <a:p>
+            <a:r>
+              <a:rPr lang="de-DE" dirty="0"/>
+              <a:t>Thema: Messaging</a:t>
+            </a:r>
+          </a:p>
+          <a:p>
+            <a:pPr lvl="1"/>
+            <a:r>
+              <a:rPr lang="de-DE" dirty="0"/>
+              <a:t>Producer sendet Messages</a:t>
+            </a:r>
+          </a:p>
+          <a:p>
+            <a:pPr lvl="1"/>
+            <a:r>
+              <a:rPr lang="de-DE" dirty="0"/>
+              <a:t>Consumer empfängt Messages</a:t>
+            </a:r>
+          </a:p>
+          <a:p>
+            <a:pPr lvl="1"/>
+            <a:r>
+              <a:rPr lang="de-DE" dirty="0"/>
+              <a:t>Zusätzliche Infrastruktur: Message-Broker</a:t>
+            </a:r>
+          </a:p>
+          <a:p>
+            <a:pPr lvl="1"/>
+            <a:r>
+              <a:rPr lang="de-DE" dirty="0"/>
+              <a:t>Verschiedene Arten von Messages:</a:t>
+            </a:r>
+          </a:p>
+          <a:p>
+            <a:pPr lvl="2"/>
+            <a:r>
+              <a:rPr lang="de-DE" dirty="0" err="1"/>
+              <a:t>point</a:t>
+            </a:r>
+            <a:r>
+              <a:rPr lang="de-DE" dirty="0"/>
+              <a:t>-</a:t>
+            </a:r>
+            <a:r>
+              <a:rPr lang="de-DE" dirty="0" err="1"/>
+              <a:t>to</a:t>
+            </a:r>
+            <a:r>
+              <a:rPr lang="de-DE" dirty="0"/>
+              <a:t>-point </a:t>
+            </a:r>
+          </a:p>
+          <a:p>
+            <a:pPr lvl="3"/>
+            <a:r>
+              <a:rPr lang="de-DE" dirty="0"/>
+              <a:t>Message wird nur von einem Consumer verarbeitet</a:t>
+            </a:r>
+          </a:p>
+          <a:p>
+            <a:pPr lvl="3"/>
+            <a:r>
+              <a:rPr lang="de-DE" dirty="0"/>
+              <a:t>Messages werden vorgehalten, bis sie abgeholt wurden</a:t>
+            </a:r>
+          </a:p>
+          <a:p>
+            <a:pPr lvl="2"/>
+            <a:r>
+              <a:rPr lang="de-DE" dirty="0"/>
+              <a:t>publish/</a:t>
+            </a:r>
+            <a:r>
+              <a:rPr lang="de-DE" dirty="0" err="1"/>
+              <a:t>subscribe</a:t>
+            </a:r>
+            <a:endParaRPr lang="de-DE" dirty="0"/>
+          </a:p>
+          <a:p>
+            <a:pPr lvl="3"/>
+            <a:r>
+              <a:rPr lang="de-DE" dirty="0"/>
+              <a:t>Messages können an mehrere Consumer ausgeliefert werden</a:t>
+            </a:r>
+          </a:p>
+          <a:p>
+            <a:pPr lvl="3"/>
+            <a:r>
+              <a:rPr lang="de-DE" dirty="0"/>
+              <a:t>Messages gehen verloren, wenn Consumer nicht </a:t>
+            </a:r>
+            <a:r>
+              <a:rPr lang="de-DE" dirty="0" err="1"/>
+              <a:t>subscribed</a:t>
+            </a:r>
+            <a:r>
+              <a:rPr lang="de-DE" dirty="0"/>
+              <a:t> ist</a:t>
+            </a:r>
+          </a:p>
+          <a:p>
+            <a:pPr lvl="1"/>
+            <a:r>
+              <a:rPr lang="de-DE" dirty="0"/>
+              <a:t>Können je nach Broker/Protokoll transaktional abgesichert werden</a:t>
+            </a:r>
+          </a:p>
+        </p:txBody>
+      </p:sp>
+    </p:spTree>
+    <p:extLst>
+      <p:ext uri="{BB962C8B-B14F-4D97-AF65-F5344CB8AC3E}">
+        <p14:creationId xmlns:p14="http://schemas.microsoft.com/office/powerpoint/2010/main" val="1635641626"/>
+      </p:ext>
+    </p:extLst>
+  </p:cSld>
+  <p:clrMapOvr>
+    <a:masterClrMapping/>
+  </p:clrMapOvr>
+</p:sld>
+</file>
+
+<file path=ppt/slides/slide54.xml><?xml version="1.0" encoding="utf-8"?>
+<p:sld xmlns:a="http://schemas.openxmlformats.org/drawingml/2006/main" xmlns:r="http://schemas.openxmlformats.org/officeDocument/2006/relationships" xmlns:p="http://schemas.openxmlformats.org/presentationml/2006/main">
+  <p:cSld>
+    <p:spTree>
+      <p:nvGrpSpPr>
+        <p:cNvPr id="1" name=""/>
+        <p:cNvGrpSpPr/>
+        <p:nvPr/>
+      </p:nvGrpSpPr>
+      <p:grpSpPr>
+        <a:xfrm>
+          <a:off x="0" y="0"/>
+          <a:ext cx="0" cy="0"/>
+          <a:chOff x="0" y="0"/>
+          <a:chExt cx="0" cy="0"/>
+        </a:xfrm>
+      </p:grpSpPr>
+      <p:sp>
+        <p:nvSpPr>
+          <p:cNvPr id="2" name="Titel 1">
+            <a:extLst>
+              <a:ext uri="{FF2B5EF4-FFF2-40B4-BE49-F238E27FC236}">
+                <a16:creationId xmlns:a16="http://schemas.microsoft.com/office/drawing/2014/main" id="{8256F45D-D489-76EE-621E-75561CC0F072}"/>
+              </a:ext>
+            </a:extLst>
+          </p:cNvPr>
+          <p:cNvSpPr>
+            <a:spLocks noGrp="1"/>
+          </p:cNvSpPr>
+          <p:nvPr>
+            <p:ph type="title"/>
+          </p:nvPr>
+        </p:nvSpPr>
+        <p:spPr/>
+        <p:txBody>
+          <a:bodyPr/>
+          <a:lstStyle/>
+          <a:p>
+            <a:r>
+              <a:rPr lang="de-DE" dirty="0" err="1"/>
+              <a:t>Step</a:t>
+            </a:r>
+            <a:r>
+              <a:rPr lang="de-DE" dirty="0"/>
+              <a:t> 140</a:t>
+            </a:r>
+          </a:p>
+        </p:txBody>
+      </p:sp>
+      <p:sp>
+        <p:nvSpPr>
+          <p:cNvPr id="6" name="Rechteck: abgerundete Ecken 5">
+            <a:extLst>
+              <a:ext uri="{FF2B5EF4-FFF2-40B4-BE49-F238E27FC236}">
+                <a16:creationId xmlns:a16="http://schemas.microsoft.com/office/drawing/2014/main" id="{0F7FB2C5-765E-58D8-F536-F107FB97AFB1}"/>
+              </a:ext>
+            </a:extLst>
+          </p:cNvPr>
+          <p:cNvSpPr/>
+          <p:nvPr/>
+        </p:nvSpPr>
+        <p:spPr>
+          <a:xfrm>
+            <a:off x="1511300" y="1836808"/>
+            <a:ext cx="2057400" cy="575917"/>
+          </a:xfrm>
+          <a:prstGeom prst="roundRect">
+            <a:avLst/>
+          </a:prstGeom>
+        </p:spPr>
+        <p:style>
+          <a:lnRef idx="2">
+            <a:schemeClr val="accent1">
+              <a:shade val="15000"/>
+            </a:schemeClr>
+          </a:lnRef>
+          <a:fillRef idx="1">
+            <a:schemeClr val="accent1"/>
+          </a:fillRef>
+          <a:effectRef idx="0">
+            <a:schemeClr val="accent1"/>
+          </a:effectRef>
+          <a:fontRef idx="minor">
+            <a:schemeClr val="lt1"/>
+          </a:fontRef>
+        </p:style>
+        <p:txBody>
+          <a:bodyPr rtlCol="0" anchor="ctr"/>
+          <a:lstStyle/>
+          <a:p>
+            <a:pPr algn="ctr"/>
+            <a:r>
+              <a:rPr lang="de-DE" dirty="0"/>
+              <a:t>Producer 1</a:t>
+            </a:r>
+          </a:p>
+        </p:txBody>
+      </p:sp>
+      <p:sp>
+        <p:nvSpPr>
+          <p:cNvPr id="7" name="Rechteck: abgerundete Ecken 6">
+            <a:extLst>
+              <a:ext uri="{FF2B5EF4-FFF2-40B4-BE49-F238E27FC236}">
+                <a16:creationId xmlns:a16="http://schemas.microsoft.com/office/drawing/2014/main" id="{42058839-0599-69B6-4ED4-C0D76A74C9BE}"/>
+              </a:ext>
+            </a:extLst>
+          </p:cNvPr>
+          <p:cNvSpPr/>
+          <p:nvPr/>
+        </p:nvSpPr>
+        <p:spPr>
+          <a:xfrm>
+            <a:off x="1511300" y="4234346"/>
+            <a:ext cx="2057400" cy="575917"/>
+          </a:xfrm>
+          <a:prstGeom prst="roundRect">
+            <a:avLst/>
+          </a:prstGeom>
+        </p:spPr>
+        <p:style>
+          <a:lnRef idx="2">
+            <a:schemeClr val="accent1">
+              <a:shade val="15000"/>
+            </a:schemeClr>
+          </a:lnRef>
+          <a:fillRef idx="1">
+            <a:schemeClr val="accent1"/>
+          </a:fillRef>
+          <a:effectRef idx="0">
+            <a:schemeClr val="accent1"/>
+          </a:effectRef>
+          <a:fontRef idx="minor">
+            <a:schemeClr val="lt1"/>
+          </a:fontRef>
+        </p:style>
+        <p:txBody>
+          <a:bodyPr rtlCol="0" anchor="ctr"/>
+          <a:lstStyle/>
+          <a:p>
+            <a:pPr algn="ctr"/>
+            <a:r>
+              <a:rPr lang="de-DE" dirty="0"/>
+              <a:t>Producer 3</a:t>
+            </a:r>
+          </a:p>
+        </p:txBody>
+      </p:sp>
+      <p:sp>
+        <p:nvSpPr>
+          <p:cNvPr id="8" name="Rechteck: abgerundete Ecken 7">
+            <a:extLst>
+              <a:ext uri="{FF2B5EF4-FFF2-40B4-BE49-F238E27FC236}">
+                <a16:creationId xmlns:a16="http://schemas.microsoft.com/office/drawing/2014/main" id="{5DB11FFC-B3D7-833B-34DC-D57A97D879DA}"/>
+              </a:ext>
+            </a:extLst>
+          </p:cNvPr>
+          <p:cNvSpPr/>
+          <p:nvPr/>
+        </p:nvSpPr>
+        <p:spPr>
+          <a:xfrm>
+            <a:off x="1511300" y="3035577"/>
+            <a:ext cx="2057400" cy="575917"/>
+          </a:xfrm>
+          <a:prstGeom prst="roundRect">
+            <a:avLst/>
+          </a:prstGeom>
+        </p:spPr>
+        <p:style>
+          <a:lnRef idx="2">
+            <a:schemeClr val="accent1">
+              <a:shade val="15000"/>
+            </a:schemeClr>
+          </a:lnRef>
+          <a:fillRef idx="1">
+            <a:schemeClr val="accent1"/>
+          </a:fillRef>
+          <a:effectRef idx="0">
+            <a:schemeClr val="accent1"/>
+          </a:effectRef>
+          <a:fontRef idx="minor">
+            <a:schemeClr val="lt1"/>
+          </a:fontRef>
+        </p:style>
+        <p:txBody>
+          <a:bodyPr rtlCol="0" anchor="ctr"/>
+          <a:lstStyle/>
+          <a:p>
+            <a:pPr algn="ctr"/>
+            <a:r>
+              <a:rPr lang="de-DE" dirty="0"/>
+              <a:t>Producer 2</a:t>
+            </a:r>
+          </a:p>
+        </p:txBody>
+      </p:sp>
+      <p:sp>
+        <p:nvSpPr>
+          <p:cNvPr id="9" name="Rechteck 8">
+            <a:extLst>
+              <a:ext uri="{FF2B5EF4-FFF2-40B4-BE49-F238E27FC236}">
+                <a16:creationId xmlns:a16="http://schemas.microsoft.com/office/drawing/2014/main" id="{D523FAE7-5B82-ECD6-9856-89F9343F4A2F}"/>
+              </a:ext>
+            </a:extLst>
+          </p:cNvPr>
+          <p:cNvSpPr/>
+          <p:nvPr/>
+        </p:nvSpPr>
+        <p:spPr>
+          <a:xfrm>
+            <a:off x="4386470" y="1690688"/>
+            <a:ext cx="3001617" cy="4418564"/>
+          </a:xfrm>
+          <a:prstGeom prst="rect">
+            <a:avLst/>
+          </a:prstGeom>
+        </p:spPr>
+        <p:style>
+          <a:lnRef idx="1">
+            <a:schemeClr val="accent4"/>
+          </a:lnRef>
+          <a:fillRef idx="2">
+            <a:schemeClr val="accent4"/>
+          </a:fillRef>
+          <a:effectRef idx="1">
+            <a:schemeClr val="accent4"/>
+          </a:effectRef>
+          <a:fontRef idx="minor">
+            <a:schemeClr val="dk1"/>
+          </a:fontRef>
+        </p:style>
+        <p:txBody>
+          <a:bodyPr rtlCol="0" anchor="ctr"/>
+          <a:lstStyle/>
+          <a:p>
+            <a:pPr algn="ctr"/>
+            <a:endParaRPr lang="de-DE" dirty="0"/>
+          </a:p>
+        </p:txBody>
+      </p:sp>
+      <p:sp>
+        <p:nvSpPr>
+          <p:cNvPr id="10" name="Flussdiagramm: Datenträger mit direktem Zugriff 9">
+            <a:extLst>
+              <a:ext uri="{FF2B5EF4-FFF2-40B4-BE49-F238E27FC236}">
+                <a16:creationId xmlns:a16="http://schemas.microsoft.com/office/drawing/2014/main" id="{4F1B6C39-AE00-0903-0855-BAA56B9594FB}"/>
+              </a:ext>
+            </a:extLst>
+          </p:cNvPr>
+          <p:cNvSpPr/>
+          <p:nvPr/>
+        </p:nvSpPr>
+        <p:spPr>
+          <a:xfrm>
+            <a:off x="4956313" y="2412725"/>
+            <a:ext cx="1994452" cy="622852"/>
+          </a:xfrm>
+          <a:prstGeom prst="flowChartMagneticDrum">
+            <a:avLst/>
+          </a:prstGeom>
+        </p:spPr>
+        <p:style>
+          <a:lnRef idx="2">
+            <a:schemeClr val="accent4">
+              <a:shade val="15000"/>
+            </a:schemeClr>
+          </a:lnRef>
+          <a:fillRef idx="1">
+            <a:schemeClr val="accent4"/>
+          </a:fillRef>
+          <a:effectRef idx="0">
+            <a:schemeClr val="accent4"/>
+          </a:effectRef>
+          <a:fontRef idx="minor">
+            <a:schemeClr val="lt1"/>
+          </a:fontRef>
+        </p:style>
+        <p:txBody>
+          <a:bodyPr rtlCol="0" anchor="ctr"/>
+          <a:lstStyle/>
+          <a:p>
+            <a:pPr algn="ctr"/>
+            <a:endParaRPr lang="de-DE"/>
+          </a:p>
+        </p:txBody>
+      </p:sp>
+      <p:sp>
+        <p:nvSpPr>
+          <p:cNvPr id="11" name="Flussdiagramm: Datenträger mit direktem Zugriff 10">
+            <a:extLst>
+              <a:ext uri="{FF2B5EF4-FFF2-40B4-BE49-F238E27FC236}">
+                <a16:creationId xmlns:a16="http://schemas.microsoft.com/office/drawing/2014/main" id="{A12FC5AA-C2FA-BE32-BECD-FA08A11B54E0}"/>
+              </a:ext>
+            </a:extLst>
+          </p:cNvPr>
+          <p:cNvSpPr/>
+          <p:nvPr/>
+        </p:nvSpPr>
+        <p:spPr>
+          <a:xfrm>
+            <a:off x="4956313" y="3611494"/>
+            <a:ext cx="1994452" cy="622852"/>
+          </a:xfrm>
+          <a:prstGeom prst="flowChartMagneticDrum">
+            <a:avLst/>
+          </a:prstGeom>
+        </p:spPr>
+        <p:style>
+          <a:lnRef idx="2">
+            <a:schemeClr val="accent4">
+              <a:shade val="15000"/>
+            </a:schemeClr>
+          </a:lnRef>
+          <a:fillRef idx="1">
+            <a:schemeClr val="accent4"/>
+          </a:fillRef>
+          <a:effectRef idx="0">
+            <a:schemeClr val="accent4"/>
+          </a:effectRef>
+          <a:fontRef idx="minor">
+            <a:schemeClr val="lt1"/>
+          </a:fontRef>
+        </p:style>
+        <p:txBody>
+          <a:bodyPr rtlCol="0" anchor="ctr"/>
+          <a:lstStyle/>
+          <a:p>
+            <a:pPr algn="ctr"/>
+            <a:endParaRPr lang="de-DE"/>
+          </a:p>
+        </p:txBody>
+      </p:sp>
+      <p:cxnSp>
+        <p:nvCxnSpPr>
+          <p:cNvPr id="13" name="Gerade Verbindung mit Pfeil 12">
+            <a:extLst>
+              <a:ext uri="{FF2B5EF4-FFF2-40B4-BE49-F238E27FC236}">
+                <a16:creationId xmlns:a16="http://schemas.microsoft.com/office/drawing/2014/main" id="{989F96F8-A228-D003-54D8-D38294AF187C}"/>
+              </a:ext>
+            </a:extLst>
+          </p:cNvPr>
+          <p:cNvCxnSpPr>
+            <a:stCxn id="6" idx="3"/>
+            <a:endCxn id="10" idx="1"/>
+          </p:cNvCxnSpPr>
+          <p:nvPr/>
+        </p:nvCxnSpPr>
+        <p:spPr>
+          <a:xfrm>
+            <a:off x="3568700" y="2124767"/>
+            <a:ext cx="1387613" cy="599384"/>
+          </a:xfrm>
+          <a:prstGeom prst="straightConnector1">
+            <a:avLst/>
+          </a:prstGeom>
+          <a:ln>
+            <a:tailEnd type="triangle"/>
+          </a:ln>
+        </p:spPr>
+        <p:style>
+          <a:lnRef idx="1">
+            <a:schemeClr val="accent1"/>
+          </a:lnRef>
+          <a:fillRef idx="0">
+            <a:schemeClr val="accent1"/>
+          </a:fillRef>
+          <a:effectRef idx="0">
+            <a:schemeClr val="accent1"/>
+          </a:effectRef>
+          <a:fontRef idx="minor">
+            <a:schemeClr val="tx1"/>
+          </a:fontRef>
+        </p:style>
+      </p:cxnSp>
+      <p:cxnSp>
+        <p:nvCxnSpPr>
+          <p:cNvPr id="15" name="Gerade Verbindung mit Pfeil 14">
+            <a:extLst>
+              <a:ext uri="{FF2B5EF4-FFF2-40B4-BE49-F238E27FC236}">
+                <a16:creationId xmlns:a16="http://schemas.microsoft.com/office/drawing/2014/main" id="{FAFEAAAE-D4A6-7CD8-F024-DE7A2E548C55}"/>
+              </a:ext>
+            </a:extLst>
+          </p:cNvPr>
+          <p:cNvCxnSpPr>
+            <a:stCxn id="8" idx="3"/>
+          </p:cNvCxnSpPr>
+          <p:nvPr/>
+        </p:nvCxnSpPr>
+        <p:spPr>
+          <a:xfrm>
+            <a:off x="3568700" y="3323536"/>
+            <a:ext cx="1387613" cy="613189"/>
+          </a:xfrm>
+          <a:prstGeom prst="straightConnector1">
+            <a:avLst/>
+          </a:prstGeom>
+          <a:ln>
+            <a:tailEnd type="triangle"/>
+          </a:ln>
+        </p:spPr>
+        <p:style>
+          <a:lnRef idx="1">
+            <a:schemeClr val="accent1"/>
+          </a:lnRef>
+          <a:fillRef idx="0">
+            <a:schemeClr val="accent1"/>
+          </a:fillRef>
+          <a:effectRef idx="0">
+            <a:schemeClr val="accent1"/>
+          </a:effectRef>
+          <a:fontRef idx="minor">
+            <a:schemeClr val="tx1"/>
+          </a:fontRef>
+        </p:style>
+      </p:cxnSp>
+      <p:cxnSp>
+        <p:nvCxnSpPr>
+          <p:cNvPr id="17" name="Gerade Verbindung mit Pfeil 16">
+            <a:extLst>
+              <a:ext uri="{FF2B5EF4-FFF2-40B4-BE49-F238E27FC236}">
+                <a16:creationId xmlns:a16="http://schemas.microsoft.com/office/drawing/2014/main" id="{FD9740CB-3D35-6B66-C2B7-D8CAB56B192B}"/>
+              </a:ext>
+            </a:extLst>
+          </p:cNvPr>
+          <p:cNvCxnSpPr>
+            <a:stCxn id="7" idx="3"/>
+            <a:endCxn id="11" idx="1"/>
+          </p:cNvCxnSpPr>
+          <p:nvPr/>
+        </p:nvCxnSpPr>
+        <p:spPr>
+          <a:xfrm flipV="1">
+            <a:off x="3568700" y="3922920"/>
+            <a:ext cx="1387613" cy="599385"/>
+          </a:xfrm>
+          <a:prstGeom prst="straightConnector1">
+            <a:avLst/>
+          </a:prstGeom>
+          <a:ln>
+            <a:tailEnd type="triangle"/>
+          </a:ln>
+        </p:spPr>
+        <p:style>
+          <a:lnRef idx="1">
+            <a:schemeClr val="accent1"/>
+          </a:lnRef>
+          <a:fillRef idx="0">
+            <a:schemeClr val="accent1"/>
+          </a:fillRef>
+          <a:effectRef idx="0">
+            <a:schemeClr val="accent1"/>
+          </a:effectRef>
+          <a:fontRef idx="minor">
+            <a:schemeClr val="tx1"/>
+          </a:fontRef>
+        </p:style>
+      </p:cxnSp>
+      <p:sp>
+        <p:nvSpPr>
+          <p:cNvPr id="18" name="Rechteck: abgerundete Ecken 17">
+            <a:extLst>
+              <a:ext uri="{FF2B5EF4-FFF2-40B4-BE49-F238E27FC236}">
+                <a16:creationId xmlns:a16="http://schemas.microsoft.com/office/drawing/2014/main" id="{F83CC7BB-E131-E056-BC75-6624A03DA640}"/>
+              </a:ext>
+            </a:extLst>
+          </p:cNvPr>
+          <p:cNvSpPr/>
+          <p:nvPr/>
+        </p:nvSpPr>
+        <p:spPr>
+          <a:xfrm>
+            <a:off x="8342243" y="1835359"/>
+            <a:ext cx="2057400" cy="575917"/>
+          </a:xfrm>
+          <a:prstGeom prst="roundRect">
+            <a:avLst/>
+          </a:prstGeom>
+        </p:spPr>
+        <p:style>
+          <a:lnRef idx="2">
+            <a:schemeClr val="accent6">
+              <a:shade val="15000"/>
+            </a:schemeClr>
+          </a:lnRef>
+          <a:fillRef idx="1">
+            <a:schemeClr val="accent6"/>
+          </a:fillRef>
+          <a:effectRef idx="0">
+            <a:schemeClr val="accent6"/>
+          </a:effectRef>
+          <a:fontRef idx="minor">
+            <a:schemeClr val="lt1"/>
+          </a:fontRef>
+        </p:style>
+        <p:txBody>
+          <a:bodyPr rtlCol="0" anchor="ctr"/>
+          <a:lstStyle/>
+          <a:p>
+            <a:pPr algn="ctr"/>
+            <a:r>
+              <a:rPr lang="de-DE" dirty="0"/>
+              <a:t>Consumer 1</a:t>
+            </a:r>
+          </a:p>
+        </p:txBody>
+      </p:sp>
+      <p:sp>
+        <p:nvSpPr>
+          <p:cNvPr id="19" name="Rechteck: abgerundete Ecken 18">
+            <a:extLst>
+              <a:ext uri="{FF2B5EF4-FFF2-40B4-BE49-F238E27FC236}">
+                <a16:creationId xmlns:a16="http://schemas.microsoft.com/office/drawing/2014/main" id="{6B95D873-11C9-63A8-F254-DF8E2300FC19}"/>
+              </a:ext>
+            </a:extLst>
+          </p:cNvPr>
+          <p:cNvSpPr/>
+          <p:nvPr/>
+        </p:nvSpPr>
+        <p:spPr>
+          <a:xfrm>
+            <a:off x="8342243" y="2992439"/>
+            <a:ext cx="2057400" cy="575917"/>
+          </a:xfrm>
+          <a:prstGeom prst="roundRect">
+            <a:avLst/>
+          </a:prstGeom>
+        </p:spPr>
+        <p:style>
+          <a:lnRef idx="2">
+            <a:schemeClr val="accent6">
+              <a:shade val="15000"/>
+            </a:schemeClr>
+          </a:lnRef>
+          <a:fillRef idx="1">
+            <a:schemeClr val="accent6"/>
+          </a:fillRef>
+          <a:effectRef idx="0">
+            <a:schemeClr val="accent6"/>
+          </a:effectRef>
+          <a:fontRef idx="minor">
+            <a:schemeClr val="lt1"/>
+          </a:fontRef>
+        </p:style>
+        <p:txBody>
+          <a:bodyPr rtlCol="0" anchor="ctr"/>
+          <a:lstStyle/>
+          <a:p>
+            <a:pPr algn="ctr"/>
+            <a:r>
+              <a:rPr lang="de-DE" dirty="0"/>
+              <a:t>Consumer 2</a:t>
+            </a:r>
+          </a:p>
+        </p:txBody>
+      </p:sp>
+      <p:sp>
+        <p:nvSpPr>
+          <p:cNvPr id="20" name="Rechteck: abgerundete Ecken 19">
+            <a:extLst>
+              <a:ext uri="{FF2B5EF4-FFF2-40B4-BE49-F238E27FC236}">
+                <a16:creationId xmlns:a16="http://schemas.microsoft.com/office/drawing/2014/main" id="{0145D4C3-74FD-A9AA-9F39-0CFC57F8D99D}"/>
+              </a:ext>
+            </a:extLst>
+          </p:cNvPr>
+          <p:cNvSpPr/>
+          <p:nvPr/>
+        </p:nvSpPr>
+        <p:spPr>
+          <a:xfrm>
+            <a:off x="8342243" y="4236829"/>
+            <a:ext cx="2057400" cy="575917"/>
+          </a:xfrm>
+          <a:prstGeom prst="roundRect">
+            <a:avLst/>
+          </a:prstGeom>
+        </p:spPr>
+        <p:style>
+          <a:lnRef idx="2">
+            <a:schemeClr val="accent6">
+              <a:shade val="15000"/>
+            </a:schemeClr>
+          </a:lnRef>
+          <a:fillRef idx="1">
+            <a:schemeClr val="accent6"/>
+          </a:fillRef>
+          <a:effectRef idx="0">
+            <a:schemeClr val="accent6"/>
+          </a:effectRef>
+          <a:fontRef idx="minor">
+            <a:schemeClr val="lt1"/>
+          </a:fontRef>
+        </p:style>
+        <p:txBody>
+          <a:bodyPr rtlCol="0" anchor="ctr"/>
+          <a:lstStyle/>
+          <a:p>
+            <a:pPr algn="ctr"/>
+            <a:r>
+              <a:rPr lang="de-DE" dirty="0"/>
+              <a:t>Consumer 3</a:t>
+            </a:r>
+          </a:p>
+        </p:txBody>
+      </p:sp>
+      <p:cxnSp>
+        <p:nvCxnSpPr>
+          <p:cNvPr id="22" name="Gerade Verbindung mit Pfeil 21">
+            <a:extLst>
+              <a:ext uri="{FF2B5EF4-FFF2-40B4-BE49-F238E27FC236}">
+                <a16:creationId xmlns:a16="http://schemas.microsoft.com/office/drawing/2014/main" id="{5E2A865C-0368-9B36-7FF2-8963750C93CB}"/>
+              </a:ext>
+            </a:extLst>
+          </p:cNvPr>
+          <p:cNvCxnSpPr>
+            <a:endCxn id="18" idx="1"/>
+          </p:cNvCxnSpPr>
+          <p:nvPr/>
+        </p:nvCxnSpPr>
+        <p:spPr>
+          <a:xfrm flipV="1">
+            <a:off x="6950765" y="2123318"/>
+            <a:ext cx="1391478" cy="600833"/>
+          </a:xfrm>
+          <a:prstGeom prst="straightConnector1">
+            <a:avLst/>
+          </a:prstGeom>
+          <a:ln>
+            <a:tailEnd type="triangle"/>
+          </a:ln>
+        </p:spPr>
+        <p:style>
+          <a:lnRef idx="1">
+            <a:schemeClr val="accent1"/>
+          </a:lnRef>
+          <a:fillRef idx="0">
+            <a:schemeClr val="accent1"/>
+          </a:fillRef>
+          <a:effectRef idx="0">
+            <a:schemeClr val="accent1"/>
+          </a:effectRef>
+          <a:fontRef idx="minor">
+            <a:schemeClr val="tx1"/>
+          </a:fontRef>
+        </p:style>
+      </p:cxnSp>
+      <p:cxnSp>
+        <p:nvCxnSpPr>
+          <p:cNvPr id="24" name="Gerade Verbindung mit Pfeil 23">
+            <a:extLst>
+              <a:ext uri="{FF2B5EF4-FFF2-40B4-BE49-F238E27FC236}">
+                <a16:creationId xmlns:a16="http://schemas.microsoft.com/office/drawing/2014/main" id="{71A55687-EB92-1B7D-7B84-EB4C7FA10628}"/>
+              </a:ext>
+            </a:extLst>
+          </p:cNvPr>
+          <p:cNvCxnSpPr>
+            <a:stCxn id="10" idx="4"/>
+            <a:endCxn id="19" idx="1"/>
+          </p:cNvCxnSpPr>
+          <p:nvPr/>
+        </p:nvCxnSpPr>
+        <p:spPr>
+          <a:xfrm>
+            <a:off x="6950765" y="2724151"/>
+            <a:ext cx="1391478" cy="556247"/>
+          </a:xfrm>
+          <a:prstGeom prst="straightConnector1">
+            <a:avLst/>
+          </a:prstGeom>
+          <a:ln>
+            <a:tailEnd type="triangle"/>
+          </a:ln>
+        </p:spPr>
+        <p:style>
+          <a:lnRef idx="1">
+            <a:schemeClr val="accent1"/>
+          </a:lnRef>
+          <a:fillRef idx="0">
+            <a:schemeClr val="accent1"/>
+          </a:fillRef>
+          <a:effectRef idx="0">
+            <a:schemeClr val="accent1"/>
+          </a:effectRef>
+          <a:fontRef idx="minor">
+            <a:schemeClr val="tx1"/>
+          </a:fontRef>
+        </p:style>
+      </p:cxnSp>
+      <p:cxnSp>
+        <p:nvCxnSpPr>
+          <p:cNvPr id="26" name="Gerade Verbindung mit Pfeil 25">
+            <a:extLst>
+              <a:ext uri="{FF2B5EF4-FFF2-40B4-BE49-F238E27FC236}">
+                <a16:creationId xmlns:a16="http://schemas.microsoft.com/office/drawing/2014/main" id="{EC80FFB1-E4CF-6854-8CAF-02EB67F81969}"/>
+              </a:ext>
+            </a:extLst>
+          </p:cNvPr>
+          <p:cNvCxnSpPr>
+            <a:cxnSpLocks/>
+            <a:stCxn id="11" idx="4"/>
+            <a:endCxn id="20" idx="1"/>
+          </p:cNvCxnSpPr>
+          <p:nvPr/>
+        </p:nvCxnSpPr>
+        <p:spPr>
+          <a:xfrm>
+            <a:off x="6950765" y="3922920"/>
+            <a:ext cx="1391478" cy="601868"/>
+          </a:xfrm>
+          <a:prstGeom prst="straightConnector1">
+            <a:avLst/>
+          </a:prstGeom>
+          <a:ln>
+            <a:tailEnd type="triangle"/>
+          </a:ln>
+        </p:spPr>
+        <p:style>
+          <a:lnRef idx="1">
+            <a:schemeClr val="accent1"/>
+          </a:lnRef>
+          <a:fillRef idx="0">
+            <a:schemeClr val="accent1"/>
+          </a:fillRef>
+          <a:effectRef idx="0">
+            <a:schemeClr val="accent1"/>
+          </a:effectRef>
+          <a:fontRef idx="minor">
+            <a:schemeClr val="tx1"/>
+          </a:fontRef>
+        </p:style>
+      </p:cxnSp>
+      <p:sp>
+        <p:nvSpPr>
+          <p:cNvPr id="30" name="Textfeld 29">
+            <a:extLst>
+              <a:ext uri="{FF2B5EF4-FFF2-40B4-BE49-F238E27FC236}">
+                <a16:creationId xmlns:a16="http://schemas.microsoft.com/office/drawing/2014/main" id="{D0B77E4E-85F8-B531-8E16-88D9E97652BE}"/>
+              </a:ext>
+            </a:extLst>
+          </p:cNvPr>
+          <p:cNvSpPr txBox="1"/>
+          <p:nvPr/>
+        </p:nvSpPr>
+        <p:spPr>
+          <a:xfrm>
+            <a:off x="5394995" y="3035577"/>
+            <a:ext cx="984565" cy="369332"/>
+          </a:xfrm>
+          <a:prstGeom prst="rect">
+            <a:avLst/>
+          </a:prstGeom>
+          <a:noFill/>
+        </p:spPr>
+        <p:txBody>
+          <a:bodyPr wrap="none" rtlCol="0">
+            <a:spAutoFit/>
+          </a:bodyPr>
+          <a:lstStyle/>
+          <a:p>
+            <a:r>
+              <a:rPr lang="de-DE" dirty="0"/>
+              <a:t>Queue 1</a:t>
+            </a:r>
+          </a:p>
+        </p:txBody>
+      </p:sp>
+      <p:sp>
+        <p:nvSpPr>
+          <p:cNvPr id="31" name="Textfeld 30">
+            <a:extLst>
+              <a:ext uri="{FF2B5EF4-FFF2-40B4-BE49-F238E27FC236}">
+                <a16:creationId xmlns:a16="http://schemas.microsoft.com/office/drawing/2014/main" id="{B7E817E1-4914-A156-69E2-9DFF68D970BF}"/>
+              </a:ext>
+            </a:extLst>
+          </p:cNvPr>
+          <p:cNvSpPr txBox="1"/>
+          <p:nvPr/>
+        </p:nvSpPr>
+        <p:spPr>
+          <a:xfrm>
+            <a:off x="5394994" y="4236829"/>
+            <a:ext cx="984565" cy="369332"/>
+          </a:xfrm>
+          <a:prstGeom prst="rect">
+            <a:avLst/>
+          </a:prstGeom>
+          <a:noFill/>
+        </p:spPr>
+        <p:txBody>
+          <a:bodyPr wrap="none" rtlCol="0">
+            <a:spAutoFit/>
+          </a:bodyPr>
+          <a:lstStyle/>
+          <a:p>
+            <a:r>
+              <a:rPr lang="de-DE" dirty="0"/>
+              <a:t>Queue 2</a:t>
+            </a:r>
+          </a:p>
+        </p:txBody>
+      </p:sp>
+      <p:sp>
+        <p:nvSpPr>
+          <p:cNvPr id="32" name="Rechteck: abgerundete Ecken 31">
+            <a:extLst>
+              <a:ext uri="{FF2B5EF4-FFF2-40B4-BE49-F238E27FC236}">
+                <a16:creationId xmlns:a16="http://schemas.microsoft.com/office/drawing/2014/main" id="{817059F6-0B6F-9E4E-A763-8F4B916658E8}"/>
+              </a:ext>
+            </a:extLst>
+          </p:cNvPr>
+          <p:cNvSpPr/>
+          <p:nvPr/>
+        </p:nvSpPr>
+        <p:spPr>
+          <a:xfrm>
+            <a:off x="1511300" y="5433115"/>
+            <a:ext cx="2057400" cy="575917"/>
+          </a:xfrm>
+          <a:prstGeom prst="roundRect">
+            <a:avLst/>
+          </a:prstGeom>
+        </p:spPr>
+        <p:style>
+          <a:lnRef idx="2">
+            <a:schemeClr val="accent1">
+              <a:shade val="15000"/>
+            </a:schemeClr>
+          </a:lnRef>
+          <a:fillRef idx="1">
+            <a:schemeClr val="accent1"/>
+          </a:fillRef>
+          <a:effectRef idx="0">
+            <a:schemeClr val="accent1"/>
+          </a:effectRef>
+          <a:fontRef idx="minor">
+            <a:schemeClr val="lt1"/>
+          </a:fontRef>
+        </p:style>
+        <p:txBody>
+          <a:bodyPr rtlCol="0" anchor="ctr"/>
+          <a:lstStyle/>
+          <a:p>
+            <a:pPr algn="ctr"/>
+            <a:r>
+              <a:rPr lang="de-DE" dirty="0"/>
+              <a:t>Producer 4</a:t>
+            </a:r>
+          </a:p>
+        </p:txBody>
+      </p:sp>
+      <p:sp>
+        <p:nvSpPr>
+          <p:cNvPr id="33" name="Flussdiagramm: Datenträger mit direktem Zugriff 32">
+            <a:extLst>
+              <a:ext uri="{FF2B5EF4-FFF2-40B4-BE49-F238E27FC236}">
+                <a16:creationId xmlns:a16="http://schemas.microsoft.com/office/drawing/2014/main" id="{9BEEBCD0-1BF0-2357-1D40-700B8AD551D2}"/>
+              </a:ext>
+            </a:extLst>
+          </p:cNvPr>
+          <p:cNvSpPr/>
+          <p:nvPr/>
+        </p:nvSpPr>
+        <p:spPr>
+          <a:xfrm>
+            <a:off x="4956313" y="4854376"/>
+            <a:ext cx="1994452" cy="622852"/>
+          </a:xfrm>
+          <a:prstGeom prst="flowChartMagneticDrum">
+            <a:avLst/>
+          </a:prstGeom>
+        </p:spPr>
+        <p:style>
+          <a:lnRef idx="2">
+            <a:schemeClr val="accent4">
+              <a:shade val="15000"/>
+            </a:schemeClr>
+          </a:lnRef>
+          <a:fillRef idx="1">
+            <a:schemeClr val="accent4"/>
+          </a:fillRef>
+          <a:effectRef idx="0">
+            <a:schemeClr val="accent4"/>
+          </a:effectRef>
+          <a:fontRef idx="minor">
+            <a:schemeClr val="lt1"/>
+          </a:fontRef>
+        </p:style>
+        <p:txBody>
+          <a:bodyPr rtlCol="0" anchor="ctr"/>
+          <a:lstStyle/>
+          <a:p>
+            <a:pPr algn="ctr"/>
+            <a:endParaRPr lang="de-DE"/>
+          </a:p>
+        </p:txBody>
+      </p:sp>
+      <p:sp>
+        <p:nvSpPr>
+          <p:cNvPr id="34" name="Textfeld 33">
+            <a:extLst>
+              <a:ext uri="{FF2B5EF4-FFF2-40B4-BE49-F238E27FC236}">
+                <a16:creationId xmlns:a16="http://schemas.microsoft.com/office/drawing/2014/main" id="{5D531852-433B-6CB2-C4E4-665CD62FD26D}"/>
+              </a:ext>
+            </a:extLst>
+          </p:cNvPr>
+          <p:cNvSpPr txBox="1"/>
+          <p:nvPr/>
+        </p:nvSpPr>
+        <p:spPr>
+          <a:xfrm>
+            <a:off x="5394994" y="5479711"/>
+            <a:ext cx="984565" cy="369332"/>
+          </a:xfrm>
+          <a:prstGeom prst="rect">
+            <a:avLst/>
+          </a:prstGeom>
+          <a:noFill/>
+        </p:spPr>
+        <p:txBody>
+          <a:bodyPr wrap="none" rtlCol="0">
+            <a:spAutoFit/>
+          </a:bodyPr>
+          <a:lstStyle/>
+          <a:p>
+            <a:r>
+              <a:rPr lang="de-DE" dirty="0"/>
+              <a:t>Queue 3</a:t>
+            </a:r>
+          </a:p>
+        </p:txBody>
+      </p:sp>
+      <p:sp>
+        <p:nvSpPr>
+          <p:cNvPr id="35" name="Rechteck: abgerundete Ecken 34">
+            <a:extLst>
+              <a:ext uri="{FF2B5EF4-FFF2-40B4-BE49-F238E27FC236}">
+                <a16:creationId xmlns:a16="http://schemas.microsoft.com/office/drawing/2014/main" id="{3FCEC5FD-5C6B-771B-7AF9-1E243EFE743A}"/>
+              </a:ext>
+            </a:extLst>
+          </p:cNvPr>
+          <p:cNvSpPr/>
+          <p:nvPr/>
+        </p:nvSpPr>
+        <p:spPr>
+          <a:xfrm>
+            <a:off x="8342243" y="5477228"/>
+            <a:ext cx="2057400" cy="575917"/>
+          </a:xfrm>
+          <a:prstGeom prst="roundRect">
+            <a:avLst/>
+          </a:prstGeom>
+        </p:spPr>
+        <p:style>
+          <a:lnRef idx="2">
+            <a:schemeClr val="accent6">
+              <a:shade val="15000"/>
+            </a:schemeClr>
+          </a:lnRef>
+          <a:fillRef idx="1">
+            <a:schemeClr val="accent6"/>
+          </a:fillRef>
+          <a:effectRef idx="0">
+            <a:schemeClr val="accent6"/>
+          </a:effectRef>
+          <a:fontRef idx="minor">
+            <a:schemeClr val="lt1"/>
+          </a:fontRef>
+        </p:style>
+        <p:txBody>
+          <a:bodyPr rtlCol="0" anchor="ctr"/>
+          <a:lstStyle/>
+          <a:p>
+            <a:pPr algn="ctr"/>
+            <a:r>
+              <a:rPr lang="de-DE" dirty="0"/>
+              <a:t>Consumer 3</a:t>
+            </a:r>
+          </a:p>
+        </p:txBody>
+      </p:sp>
+      <p:cxnSp>
+        <p:nvCxnSpPr>
+          <p:cNvPr id="36" name="Gerade Verbindung mit Pfeil 35">
+            <a:extLst>
+              <a:ext uri="{FF2B5EF4-FFF2-40B4-BE49-F238E27FC236}">
+                <a16:creationId xmlns:a16="http://schemas.microsoft.com/office/drawing/2014/main" id="{6E0054D4-A099-5466-F187-E93D1C810D0A}"/>
+              </a:ext>
+            </a:extLst>
+          </p:cNvPr>
+          <p:cNvCxnSpPr>
+            <a:cxnSpLocks/>
+            <a:stCxn id="32" idx="3"/>
+            <a:endCxn id="33" idx="1"/>
+          </p:cNvCxnSpPr>
+          <p:nvPr/>
+        </p:nvCxnSpPr>
+        <p:spPr>
+          <a:xfrm flipV="1">
+            <a:off x="3568700" y="5165802"/>
+            <a:ext cx="1387613" cy="555272"/>
+          </a:xfrm>
+          <a:prstGeom prst="straightConnector1">
+            <a:avLst/>
+          </a:prstGeom>
+          <a:ln>
+            <a:tailEnd type="triangle"/>
+          </a:ln>
+        </p:spPr>
+        <p:style>
+          <a:lnRef idx="1">
+            <a:schemeClr val="accent1"/>
+          </a:lnRef>
+          <a:fillRef idx="0">
+            <a:schemeClr val="accent1"/>
+          </a:fillRef>
+          <a:effectRef idx="0">
+            <a:schemeClr val="accent1"/>
+          </a:effectRef>
+          <a:fontRef idx="minor">
+            <a:schemeClr val="tx1"/>
+          </a:fontRef>
+        </p:style>
+      </p:cxnSp>
+      <p:cxnSp>
+        <p:nvCxnSpPr>
+          <p:cNvPr id="39" name="Gerade Verbindung mit Pfeil 38">
+            <a:extLst>
+              <a:ext uri="{FF2B5EF4-FFF2-40B4-BE49-F238E27FC236}">
+                <a16:creationId xmlns:a16="http://schemas.microsoft.com/office/drawing/2014/main" id="{D276A8BB-6CBC-1F5F-DD3D-593B98D5B0CF}"/>
+              </a:ext>
+            </a:extLst>
+          </p:cNvPr>
+          <p:cNvCxnSpPr>
+            <a:cxnSpLocks/>
+            <a:stCxn id="33" idx="4"/>
+            <a:endCxn id="35" idx="1"/>
+          </p:cNvCxnSpPr>
+          <p:nvPr/>
+        </p:nvCxnSpPr>
+        <p:spPr>
+          <a:xfrm>
+            <a:off x="6950765" y="5165802"/>
+            <a:ext cx="1391478" cy="599385"/>
+          </a:xfrm>
+          <a:prstGeom prst="straightConnector1">
+            <a:avLst/>
+          </a:prstGeom>
+          <a:ln>
+            <a:tailEnd type="triangle"/>
+          </a:ln>
+        </p:spPr>
+        <p:style>
+          <a:lnRef idx="1">
+            <a:schemeClr val="accent1"/>
+          </a:lnRef>
+          <a:fillRef idx="0">
+            <a:schemeClr val="accent1"/>
+          </a:fillRef>
+          <a:effectRef idx="0">
+            <a:schemeClr val="accent1"/>
+          </a:effectRef>
+          <a:fontRef idx="minor">
+            <a:schemeClr val="tx1"/>
+          </a:fontRef>
+        </p:style>
+      </p:cxnSp>
+    </p:spTree>
+    <p:extLst>
+      <p:ext uri="{BB962C8B-B14F-4D97-AF65-F5344CB8AC3E}">
+        <p14:creationId xmlns:p14="http://schemas.microsoft.com/office/powerpoint/2010/main" val="2256362387"/>
+      </p:ext>
+    </p:extLst>
+  </p:cSld>
+  <p:clrMapOvr>
+    <a:masterClrMapping/>
+  </p:clrMapOvr>
+</p:sld>
+</file>
+
+<file path=ppt/slides/slide55.xml><?xml version="1.0" encoding="utf-8"?>
+<p:sld xmlns:a="http://schemas.openxmlformats.org/drawingml/2006/main" xmlns:r="http://schemas.openxmlformats.org/officeDocument/2006/relationships" xmlns:p="http://schemas.openxmlformats.org/presentationml/2006/main">
+  <p:cSld>
+    <p:spTree>
+      <p:nvGrpSpPr>
+        <p:cNvPr id="1" name=""/>
+        <p:cNvGrpSpPr/>
+        <p:nvPr/>
+      </p:nvGrpSpPr>
+      <p:grpSpPr>
+        <a:xfrm>
+          <a:off x="0" y="0"/>
+          <a:ext cx="0" cy="0"/>
+          <a:chOff x="0" y="0"/>
+          <a:chExt cx="0" cy="0"/>
+        </a:xfrm>
+      </p:grpSpPr>
+      <p:sp>
+        <p:nvSpPr>
+          <p:cNvPr id="2" name="Titel 1">
+            <a:extLst>
+              <a:ext uri="{FF2B5EF4-FFF2-40B4-BE49-F238E27FC236}">
                 <a16:creationId xmlns:a16="http://schemas.microsoft.com/office/drawing/2014/main" id="{0EC7A146-A8F2-A844-9033-A0ACC828AF47}"/>
               </a:ext>
             </a:extLst>
